--- a/doc/终期答辩.pptx
+++ b/doc/终期答辩.pptx
@@ -11443,7 +11443,7 @@
             </a:r>
             <a:r>
               <a:rPr lang="zh-CN" altLang="en-US" sz="2400" b="1" dirty="0"/>
-              <a:t>）计算波兰表达式</a:t>
+              <a:t>）计算逆波兰表达式</a:t>
             </a:r>
             <a:endParaRPr lang="en-US" altLang="zh-CN" sz="2400" b="1" dirty="0"/>
           </a:p>
@@ -16016,7 +16016,7 @@
         <p:spPr>
           <a:xfrm>
             <a:off x="414673" y="178263"/>
-            <a:ext cx="1107996" cy="646331"/>
+            <a:ext cx="2031325" cy="646331"/>
           </a:xfrm>
           <a:prstGeom prst="rect">
             <a:avLst/>
@@ -16037,17 +16037,17 @@
                 <a:latin typeface="微软雅黑" panose="020B0503020204020204" pitchFamily="34" charset="-122"/>
                 <a:ea typeface="微软雅黑" panose="020B0503020204020204" pitchFamily="34" charset="-122"/>
               </a:rPr>
-              <a:t>网址</a:t>
+              <a:t>结果展示</a:t>
             </a:r>
           </a:p>
         </p:txBody>
       </p:sp>
       <p:pic>
         <p:nvPicPr>
-          <p:cNvPr id="6" name="图片 5">
+          <p:cNvPr id="3" name="图片 2">
             <a:extLst>
               <a:ext uri="{FF2B5EF4-FFF2-40B4-BE49-F238E27FC236}">
-                <a16:creationId xmlns:a16="http://schemas.microsoft.com/office/drawing/2014/main" id="{A1D51AC1-4AAC-9D62-4E91-D11AFB5CEFD8}"/>
+                <a16:creationId xmlns:a16="http://schemas.microsoft.com/office/drawing/2014/main" id="{A75F5A23-A16A-2F01-94D1-68582559D329}"/>
               </a:ext>
             </a:extLst>
           </p:cNvPr>
@@ -16064,53 +16064,14 @@
         </p:blipFill>
         <p:spPr>
           <a:xfrm>
-            <a:off x="428333" y="1671968"/>
-            <a:ext cx="11335333" cy="4343623"/>
+            <a:off x="701919" y="1082432"/>
+            <a:ext cx="10788162" cy="5096283"/>
           </a:xfrm>
           <a:prstGeom prst="rect">
             <a:avLst/>
           </a:prstGeom>
         </p:spPr>
       </p:pic>
-      <p:sp>
-        <p:nvSpPr>
-          <p:cNvPr id="8" name="文本框 7">
-            <a:extLst>
-              <a:ext uri="{FF2B5EF4-FFF2-40B4-BE49-F238E27FC236}">
-                <a16:creationId xmlns:a16="http://schemas.microsoft.com/office/drawing/2014/main" id="{C1A26CD9-AF7E-1D79-9594-5BBDF4D509EE}"/>
-              </a:ext>
-            </a:extLst>
-          </p:cNvPr>
-          <p:cNvSpPr txBox="1"/>
-          <p:nvPr/>
-        </p:nvSpPr>
-        <p:spPr>
-          <a:xfrm>
-            <a:off x="329832" y="1045068"/>
-            <a:ext cx="11069012" cy="461665"/>
-          </a:xfrm>
-          <a:prstGeom prst="rect">
-            <a:avLst/>
-          </a:prstGeom>
-          <a:noFill/>
-        </p:spPr>
-        <p:txBody>
-          <a:bodyPr wrap="square" rtlCol="0">
-            <a:spAutoFit/>
-          </a:bodyPr>
-          <a:lstStyle/>
-          <a:p>
-            <a:r>
-              <a:rPr lang="zh-CN" altLang="en-US" sz="2400" dirty="0"/>
-              <a:t>         </a:t>
-            </a:r>
-            <a:r>
-              <a:rPr lang="en-US" altLang="zh-CN" sz="2400" dirty="0"/>
-              <a:t>http://localhost:8080</a:t>
-            </a:r>
-          </a:p>
-        </p:txBody>
-      </p:sp>
     </p:spTree>
     <p:extLst>
       <p:ext uri="{BB962C8B-B14F-4D97-AF65-F5344CB8AC3E}">
@@ -19008,10 +18969,10 @@
       </p:sp>
       <p:pic>
         <p:nvPicPr>
-          <p:cNvPr id="13" name="图片 12">
+          <p:cNvPr id="4" name="图片 3">
             <a:extLst>
               <a:ext uri="{FF2B5EF4-FFF2-40B4-BE49-F238E27FC236}">
-                <a16:creationId xmlns:a16="http://schemas.microsoft.com/office/drawing/2014/main" id="{0722AB3B-8D32-E30A-BF2A-1EE20EA602FD}"/>
+                <a16:creationId xmlns:a16="http://schemas.microsoft.com/office/drawing/2014/main" id="{ABECAF08-4A32-E3AE-55BD-06B029D8D293}"/>
               </a:ext>
             </a:extLst>
           </p:cNvPr>
@@ -19028,8 +18989,8 @@
         </p:blipFill>
         <p:spPr>
           <a:xfrm>
-            <a:off x="1105098" y="1686043"/>
-            <a:ext cx="9688162" cy="4837219"/>
+            <a:off x="1182031" y="1686043"/>
+            <a:ext cx="10301654" cy="4866458"/>
           </a:xfrm>
           <a:prstGeom prst="rect">
             <a:avLst/>
@@ -21040,11 +21001,14 @@
                   <a14:m>
                     <m:oMath xmlns:m="http://schemas.openxmlformats.org/officeDocument/2006/math">
                       <m:r>
-                        <a:rPr lang="en-US" altLang="zh-CN" sz="2000" b="0" i="1" smtClean="0"/>
+                        <a:rPr lang="en-US" altLang="zh-CN" sz="2000" b="0" i="1" smtClean="0">
+                          <a:latin typeface="Cambria Math" panose="02040503050406030204" pitchFamily="18" charset="0"/>
+                        </a:rPr>
                         <m:t>𝑖𝑑</m:t>
                       </m:r>
                       <m:r>
                         <a:rPr lang="en-US" altLang="zh-CN" sz="2000" b="0" i="1" smtClean="0">
+                          <a:latin typeface="Cambria Math" panose="02040503050406030204" pitchFamily="18" charset="0"/>
                           <a:ea typeface="Cambria Math" panose="02040503050406030204" pitchFamily="18" charset="0"/>
                         </a:rPr>
                         <m:t>=</m:t>
@@ -21053,6 +21017,7 @@
                         <m:sSupPr>
                           <m:ctrlPr>
                             <a:rPr lang="en-US" altLang="zh-CN" sz="2000" b="0" i="1" smtClean="0">
+                              <a:latin typeface="Cambria Math" panose="02040503050406030204" pitchFamily="18" charset="0"/>
                               <a:ea typeface="Cambria Math" panose="02040503050406030204" pitchFamily="18" charset="0"/>
                             </a:rPr>
                           </m:ctrlPr>
@@ -21060,36 +21025,42 @@
                         <m:e>
                           <m:r>
                             <a:rPr lang="en-US" altLang="zh-CN" sz="2000" i="1">
+                              <a:latin typeface="Cambria Math" panose="02040503050406030204" pitchFamily="18" charset="0"/>
                               <a:ea typeface="Cambria Math" panose="02040503050406030204" pitchFamily="18" charset="0"/>
                             </a:rPr>
                             <m:t>𝑐h𝑎𝑟</m:t>
                           </m:r>
                           <m:r>
                             <a:rPr lang="en-US" altLang="zh-CN" sz="2000" i="1">
+                              <a:latin typeface="Cambria Math" panose="02040503050406030204" pitchFamily="18" charset="0"/>
                               <a:ea typeface="Cambria Math" panose="02040503050406030204" pitchFamily="18" charset="0"/>
                             </a:rPr>
                             <m:t>(</m:t>
                           </m:r>
                           <m:r>
                             <a:rPr lang="en-US" altLang="zh-CN" sz="2000" i="1">
+                              <a:latin typeface="Cambria Math" panose="02040503050406030204" pitchFamily="18" charset="0"/>
                               <a:ea typeface="Cambria Math" panose="02040503050406030204" pitchFamily="18" charset="0"/>
                             </a:rPr>
                             <m:t>𝑐h𝑎𝑟</m:t>
                           </m:r>
                           <m:r>
                             <a:rPr lang="en-US" altLang="zh-CN" sz="2000" i="1">
+                              <a:latin typeface="Cambria Math" panose="02040503050406030204" pitchFamily="18" charset="0"/>
                               <a:ea typeface="Cambria Math" panose="02040503050406030204" pitchFamily="18" charset="0"/>
                             </a:rPr>
                             <m:t>|</m:t>
                           </m:r>
                           <m:r>
                             <a:rPr lang="en-US" altLang="zh-CN" sz="2000" i="1">
+                              <a:latin typeface="Cambria Math" panose="02040503050406030204" pitchFamily="18" charset="0"/>
                               <a:ea typeface="Cambria Math" panose="02040503050406030204" pitchFamily="18" charset="0"/>
                             </a:rPr>
                             <m:t>𝑑𝑖𝑔𝑖𝑡</m:t>
                           </m:r>
                           <m:r>
                             <a:rPr lang="en-US" altLang="zh-CN" sz="2000" i="1">
+                              <a:latin typeface="Cambria Math" panose="02040503050406030204" pitchFamily="18" charset="0"/>
                               <a:ea typeface="Cambria Math" panose="02040503050406030204" pitchFamily="18" charset="0"/>
                             </a:rPr>
                             <m:t>)</m:t>
@@ -21098,6 +21069,7 @@
                         <m:sup>
                           <m:r>
                             <a:rPr lang="en-US" altLang="zh-CN" sz="2000" b="0" i="1" smtClean="0">
+                              <a:latin typeface="Cambria Math" panose="02040503050406030204" pitchFamily="18" charset="0"/>
                               <a:ea typeface="Cambria Math" panose="02040503050406030204" pitchFamily="18" charset="0"/>
                             </a:rPr>
                             <m:t>∗</m:t>
@@ -21121,36 +21093,47 @@
                   <a14:m>
                     <m:oMath xmlns:m="http://schemas.openxmlformats.org/officeDocument/2006/math">
                       <m:r>
-                        <a:rPr lang="en-US" altLang="zh-CN" sz="2000" b="0" i="1" smtClean="0"/>
+                        <a:rPr lang="en-US" altLang="zh-CN" sz="2000" b="0" i="1" smtClean="0">
+                          <a:latin typeface="Cambria Math" panose="02040503050406030204" pitchFamily="18" charset="0"/>
+                        </a:rPr>
                         <m:t>𝑛𝑢𝑚</m:t>
                       </m:r>
                       <m:r>
-                        <a:rPr lang="en-US" altLang="zh-CN" sz="2000" b="0" i="1" smtClean="0"/>
+                        <a:rPr lang="en-US" altLang="zh-CN" sz="2000" b="0" i="1" smtClean="0">
+                          <a:latin typeface="Cambria Math" panose="02040503050406030204" pitchFamily="18" charset="0"/>
+                        </a:rPr>
                         <m:t>=</m:t>
                       </m:r>
                       <m:r>
-                        <a:rPr lang="en-US" altLang="zh-CN" sz="2000" b="0" i="1" smtClean="0"/>
-                        <m:t>𝑑𝑖𝑔𝑖𝑡𝑠𝑜𝑝𝑡𝑖𝑜𝑛𝑎</m:t>
+                        <a:rPr lang="en-US" altLang="zh-CN" sz="2000" b="0" i="1" smtClean="0">
+                          <a:latin typeface="Cambria Math" panose="02040503050406030204" pitchFamily="18" charset="0"/>
+                        </a:rPr>
+                        <m:t>𝑑𝑖𝑔𝑖𝑡𝑠</m:t>
                       </m:r>
-                      <m:sSub>
-                        <m:sSubPr>
-                          <m:ctrlPr>
-                            <a:rPr lang="en-US" altLang="zh-CN" sz="2000" b="0" i="1" smtClean="0"/>
-                          </m:ctrlPr>
-                        </m:sSubPr>
-                        <m:e>
-                          <m:r>
-                            <a:rPr lang="en-US" altLang="zh-CN" sz="2000" b="0" i="1" smtClean="0"/>
-                            <m:t>𝑙</m:t>
-                          </m:r>
-                        </m:e>
-                        <m:sub>
-                          <m:r>
-                            <a:rPr lang="en-US" altLang="zh-CN" sz="2000" b="0" i="1" smtClean="0"/>
-                            <m:t>𝑓𝑟𝑎𝑐𝑡𝑖𝑜𝑛</m:t>
-                          </m:r>
-                        </m:sub>
-                      </m:sSub>
+                      <m:r>
+                        <a:rPr lang="en-US" altLang="zh-CN" sz="2000" b="0" i="1" smtClean="0">
+                          <a:latin typeface="Cambria Math" panose="02040503050406030204" pitchFamily="18" charset="0"/>
+                        </a:rPr>
+                        <m:t> </m:t>
+                      </m:r>
+                      <m:r>
+                        <a:rPr lang="en-US" altLang="zh-CN" sz="2000" i="1">
+                          <a:latin typeface="Cambria Math" panose="02040503050406030204" pitchFamily="18" charset="0"/>
+                        </a:rPr>
+                        <m:t>𝑜𝑝𝑡𝑖𝑜𝑛𝑎𝑙</m:t>
+                      </m:r>
+                      <m:r>
+                        <a:rPr lang="en-US" altLang="zh-CN" sz="2000" i="1">
+                          <a:latin typeface="Cambria Math" panose="02040503050406030204" pitchFamily="18" charset="0"/>
+                        </a:rPr>
+                        <m:t>_</m:t>
+                      </m:r>
+                      <m:r>
+                        <a:rPr lang="en-US" altLang="zh-CN" sz="2000" i="1">
+                          <a:latin typeface="Cambria Math" panose="02040503050406030204" pitchFamily="18" charset="0"/>
+                        </a:rPr>
+                        <m:t>𝑓𝑟𝑎𝑐𝑡𝑖𝑜𝑛</m:t>
+                      </m:r>
                     </m:oMath>
                   </a14:m>
                   <a:endParaRPr lang="en-US" altLang="zh-CN" sz="2000" b="0" dirty="0"/>
@@ -21168,42 +21151,44 @@
                   <a14:m>
                     <m:oMath xmlns:m="http://schemas.openxmlformats.org/officeDocument/2006/math">
                       <m:r>
-                        <a:rPr lang="en-US" altLang="zh-CN" sz="2000" b="0" i="1" smtClean="0"/>
+                        <a:rPr lang="en-US" altLang="zh-CN" sz="2000" b="0" i="1" smtClean="0">
+                          <a:latin typeface="Cambria Math" panose="02040503050406030204" pitchFamily="18" charset="0"/>
+                        </a:rPr>
                         <m:t>𝑜𝑝𝑒𝑟𝑎𝑡𝑜𝑟</m:t>
                       </m:r>
                       <m:r>
-                        <a:rPr lang="en-US" altLang="zh-CN" sz="2000" b="0" i="1" smtClean="0"/>
+                        <a:rPr lang="en-US" altLang="zh-CN" sz="2000" b="0" i="1" smtClean="0">
+                          <a:latin typeface="Cambria Math" panose="02040503050406030204" pitchFamily="18" charset="0"/>
+                        </a:rPr>
                         <m:t>= ∩|∪|−|×|⋈|</m:t>
                       </m:r>
                       <m:r>
                         <a:rPr lang="el-GR" altLang="zh-CN" sz="2000" i="1">
+                          <a:latin typeface="Cambria Math" panose="02040503050406030204" pitchFamily="18" charset="0"/>
                           <a:ea typeface="Cambria Math" panose="02040503050406030204" pitchFamily="18" charset="0"/>
                         </a:rPr>
                         <m:t>𝜋</m:t>
                       </m:r>
                       <m:r>
                         <a:rPr lang="el-GR" altLang="zh-CN" sz="2000" i="1">
+                          <a:latin typeface="Cambria Math" panose="02040503050406030204" pitchFamily="18" charset="0"/>
                           <a:ea typeface="Cambria Math" panose="02040503050406030204" pitchFamily="18" charset="0"/>
                         </a:rPr>
                         <m:t>|</m:t>
                       </m:r>
                       <m:r>
                         <a:rPr lang="el-GR" altLang="zh-CN" sz="2000" i="1">
+                          <a:latin typeface="Cambria Math" panose="02040503050406030204" pitchFamily="18" charset="0"/>
                           <a:ea typeface="Cambria Math" panose="02040503050406030204" pitchFamily="18" charset="0"/>
                         </a:rPr>
                         <m:t>𝜎</m:t>
                       </m:r>
                       <m:r>
                         <a:rPr lang="el-GR" altLang="zh-CN" sz="2000" i="1">
+                          <a:latin typeface="Cambria Math" panose="02040503050406030204" pitchFamily="18" charset="0"/>
                           <a:ea typeface="Cambria Math" panose="02040503050406030204" pitchFamily="18" charset="0"/>
                         </a:rPr>
-                        <m:t>|∧|∨|(|)|[|]|.|≤|≥|≠|&gt;|&lt;|=</m:t>
-                      </m:r>
-                      <m:r>
-                        <a:rPr lang="en-US" altLang="zh-CN" sz="2000" i="1">
-                          <a:ea typeface="Cambria Math" panose="02040503050406030204" pitchFamily="18" charset="0"/>
-                        </a:rPr>
-                        <m:t>|</m:t>
+                        <m:t>|∧|∨|(|)|[|]|.|≤|≥|≠|&gt;|&lt;|=|</m:t>
                       </m:r>
                     </m:oMath>
                   </a14:m>
@@ -21238,11 +21223,15 @@
                   <a14:m>
                     <m:oMath xmlns:m="http://schemas.openxmlformats.org/officeDocument/2006/math">
                       <m:r>
-                        <a:rPr lang="en-US" altLang="zh-CN" sz="2000" b="0" i="1" smtClean="0"/>
+                        <a:rPr lang="en-US" altLang="zh-CN" sz="2000" b="0" i="1" smtClean="0">
+                          <a:latin typeface="Cambria Math" panose="02040503050406030204" pitchFamily="18" charset="0"/>
+                        </a:rPr>
                         <m:t>𝑐h𝑎𝑟</m:t>
                       </m:r>
                       <m:r>
-                        <a:rPr lang="en-US" altLang="zh-CN" sz="2000" b="0" i="1" smtClean="0"/>
+                        <a:rPr lang="en-US" altLang="zh-CN" sz="2000" b="0" i="1" smtClean="0">
+                          <a:latin typeface="Cambria Math" panose="02040503050406030204" pitchFamily="18" charset="0"/>
+                        </a:rPr>
                         <m:t>=</m:t>
                       </m:r>
                       <m:d>
@@ -21250,42 +21239,60 @@
                           <m:begChr m:val="["/>
                           <m:endChr m:val="]"/>
                           <m:ctrlPr>
-                            <a:rPr lang="en-US" altLang="zh-CN" sz="2000" b="0" i="1" smtClean="0"/>
+                            <a:rPr lang="en-US" altLang="zh-CN" sz="2000" b="0" i="1" smtClean="0">
+                              <a:latin typeface="Cambria Math" panose="02040503050406030204" pitchFamily="18" charset="0"/>
+                            </a:rPr>
                           </m:ctrlPr>
                         </m:dPr>
                         <m:e>
                           <m:r>
-                            <a:rPr lang="en-US" altLang="zh-CN" sz="2000" b="0" i="1" smtClean="0"/>
+                            <a:rPr lang="en-US" altLang="zh-CN" sz="2000" b="0" i="1" smtClean="0">
+                              <a:latin typeface="Cambria Math" panose="02040503050406030204" pitchFamily="18" charset="0"/>
+                            </a:rPr>
                             <m:t>𝑎</m:t>
                           </m:r>
                           <m:r>
-                            <a:rPr lang="en-US" altLang="zh-CN" sz="2000" b="0" i="1" smtClean="0"/>
+                            <a:rPr lang="en-US" altLang="zh-CN" sz="2000" b="0" i="1" smtClean="0">
+                              <a:latin typeface="Cambria Math" panose="02040503050406030204" pitchFamily="18" charset="0"/>
+                            </a:rPr>
                             <m:t>−</m:t>
                           </m:r>
                           <m:r>
-                            <a:rPr lang="en-US" altLang="zh-CN" sz="2000" b="0" i="1" smtClean="0"/>
+                            <a:rPr lang="en-US" altLang="zh-CN" sz="2000" b="0" i="1" smtClean="0">
+                              <a:latin typeface="Cambria Math" panose="02040503050406030204" pitchFamily="18" charset="0"/>
+                            </a:rPr>
                             <m:t>𝑧𝐴</m:t>
                           </m:r>
                           <m:r>
-                            <a:rPr lang="en-US" altLang="zh-CN" sz="2000" b="0" i="1" smtClean="0"/>
+                            <a:rPr lang="en-US" altLang="zh-CN" sz="2000" b="0" i="1" smtClean="0">
+                              <a:latin typeface="Cambria Math" panose="02040503050406030204" pitchFamily="18" charset="0"/>
+                            </a:rPr>
                             <m:t>−</m:t>
                           </m:r>
                           <m:r>
-                            <a:rPr lang="en-US" altLang="zh-CN" sz="2000" b="0" i="1" smtClean="0"/>
+                            <a:rPr lang="en-US" altLang="zh-CN" sz="2000" b="0" i="1" smtClean="0">
+                              <a:latin typeface="Cambria Math" panose="02040503050406030204" pitchFamily="18" charset="0"/>
+                            </a:rPr>
                             <m:t>𝑍</m:t>
                           </m:r>
                         </m:e>
                       </m:d>
                       <m:r>
-                        <a:rPr lang="zh-CN" altLang="en-US" sz="2000" i="1"/>
+                        <a:rPr lang="zh-CN" altLang="en-US" sz="2000" i="1">
+                          <a:latin typeface="Cambria Math" panose="02040503050406030204" pitchFamily="18" charset="0"/>
+                        </a:rPr>
                         <m:t>、</m:t>
                       </m:r>
                       <m:r>
-                        <a:rPr lang="en-US" altLang="zh-CN" sz="2000" i="1"/>
+                        <a:rPr lang="en-US" altLang="zh-CN" sz="2000" i="1">
+                          <a:latin typeface="Cambria Math" panose="02040503050406030204" pitchFamily="18" charset="0"/>
+                        </a:rPr>
                         <m:t>𝑑𝑖𝑔𝑖𝑡</m:t>
                       </m:r>
                       <m:r>
-                        <a:rPr lang="en-US" altLang="zh-CN" sz="2000" i="1"/>
+                        <a:rPr lang="en-US" altLang="zh-CN" sz="2000" i="1">
+                          <a:latin typeface="Cambria Math" panose="02040503050406030204" pitchFamily="18" charset="0"/>
+                        </a:rPr>
                         <m:t> = </m:t>
                       </m:r>
                       <m:d>
@@ -21293,73 +21300,103 @@
                           <m:begChr m:val="["/>
                           <m:endChr m:val="]"/>
                           <m:ctrlPr>
-                            <a:rPr lang="en-US" altLang="zh-CN" sz="2000" i="1"/>
+                            <a:rPr lang="en-US" altLang="zh-CN" sz="2000" i="1">
+                              <a:latin typeface="Cambria Math" panose="02040503050406030204" pitchFamily="18" charset="0"/>
+                            </a:rPr>
                           </m:ctrlPr>
                         </m:dPr>
                         <m:e>
                           <m:r>
-                            <a:rPr lang="en-US" altLang="zh-CN" sz="2000" i="1"/>
-                            <m:t>0-9</m:t>
+                            <a:rPr lang="en-US" altLang="zh-CN" sz="2000" i="1">
+                              <a:latin typeface="Cambria Math" panose="02040503050406030204" pitchFamily="18" charset="0"/>
+                            </a:rPr>
+                            <m:t>0−9</m:t>
                           </m:r>
                         </m:e>
                       </m:d>
                       <m:r>
-                        <a:rPr lang="zh-CN" altLang="en-US" sz="2000" i="1" smtClean="0"/>
+                        <a:rPr lang="zh-CN" altLang="en-US" sz="2000" i="1" smtClean="0">
+                          <a:latin typeface="Cambria Math" panose="02040503050406030204" pitchFamily="18" charset="0"/>
+                        </a:rPr>
                         <m:t>、</m:t>
                       </m:r>
                       <m:r>
-                        <a:rPr lang="en-US" altLang="zh-CN" sz="2000" i="1"/>
+                        <a:rPr lang="en-US" altLang="zh-CN" sz="2000" i="1">
+                          <a:latin typeface="Cambria Math" panose="02040503050406030204" pitchFamily="18" charset="0"/>
+                        </a:rPr>
                         <m:t>𝑑𝑖𝑔𝑖𝑡𝑠</m:t>
                       </m:r>
                       <m:r>
-                        <a:rPr lang="en-US" altLang="zh-CN" sz="2000" i="1"/>
+                        <a:rPr lang="en-US" altLang="zh-CN" sz="2000" i="1">
+                          <a:latin typeface="Cambria Math" panose="02040503050406030204" pitchFamily="18" charset="0"/>
+                        </a:rPr>
                         <m:t> = </m:t>
                       </m:r>
                       <m:sSup>
                         <m:sSupPr>
                           <m:ctrlPr>
-                            <a:rPr lang="en-US" altLang="zh-CN" sz="2000" i="1" smtClean="0"/>
+                            <a:rPr lang="en-US" altLang="zh-CN" sz="2000" i="1" smtClean="0">
+                              <a:latin typeface="Cambria Math" panose="02040503050406030204" pitchFamily="18" charset="0"/>
+                            </a:rPr>
                           </m:ctrlPr>
                         </m:sSupPr>
                         <m:e>
                           <m:r>
-                            <a:rPr lang="en-US" altLang="zh-CN" sz="2000" b="0" i="1" smtClean="0"/>
+                            <a:rPr lang="en-US" altLang="zh-CN" sz="2000" b="0" i="1" smtClean="0">
+                              <a:latin typeface="Cambria Math" panose="02040503050406030204" pitchFamily="18" charset="0"/>
+                            </a:rPr>
                             <m:t>𝑑𝑖𝑔𝑖𝑡</m:t>
                           </m:r>
                         </m:e>
                         <m:sup>
                           <m:r>
-                            <a:rPr lang="en-US" altLang="zh-CN" sz="2000" b="0" i="1" smtClean="0"/>
+                            <a:rPr lang="en-US" altLang="zh-CN" sz="2000" b="0" i="1" smtClean="0">
+                              <a:latin typeface="Cambria Math" panose="02040503050406030204" pitchFamily="18" charset="0"/>
+                            </a:rPr>
                             <m:t>+</m:t>
                           </m:r>
                         </m:sup>
                       </m:sSup>
                       <m:r>
-                        <a:rPr lang="zh-CN" altLang="en-US" sz="2000" i="1" smtClean="0"/>
+                        <a:rPr lang="zh-CN" altLang="en-US" sz="2000" i="1" smtClean="0">
+                          <a:latin typeface="Cambria Math" panose="02040503050406030204" pitchFamily="18" charset="0"/>
+                        </a:rPr>
                         <m:t>、</m:t>
                       </m:r>
                       <m:r>
-                        <a:rPr lang="en-US" altLang="zh-CN" sz="2000" i="1"/>
+                        <a:rPr lang="en-US" altLang="zh-CN" sz="2000" i="1">
+                          <a:latin typeface="Cambria Math" panose="02040503050406030204" pitchFamily="18" charset="0"/>
+                        </a:rPr>
                         <m:t>𝑜𝑝𝑡𝑖𝑜𝑛𝑎𝑙</m:t>
                       </m:r>
                       <m:r>
-                        <a:rPr lang="en-US" altLang="zh-CN" sz="2000" i="1"/>
+                        <a:rPr lang="en-US" altLang="zh-CN" sz="2000" i="1">
+                          <a:latin typeface="Cambria Math" panose="02040503050406030204" pitchFamily="18" charset="0"/>
+                        </a:rPr>
                         <m:t>_</m:t>
                       </m:r>
                       <m:r>
-                        <a:rPr lang="en-US" altLang="zh-CN" sz="2000" i="1"/>
+                        <a:rPr lang="en-US" altLang="zh-CN" sz="2000" i="1">
+                          <a:latin typeface="Cambria Math" panose="02040503050406030204" pitchFamily="18" charset="0"/>
+                        </a:rPr>
                         <m:t>𝑓𝑟𝑎𝑐𝑡𝑖𝑜𝑛</m:t>
                       </m:r>
                       <m:r>
-                        <a:rPr lang="en-US" altLang="zh-CN" sz="2000" i="1"/>
+                        <a:rPr lang="en-US" altLang="zh-CN" sz="2000" i="1">
+                          <a:latin typeface="Cambria Math" panose="02040503050406030204" pitchFamily="18" charset="0"/>
+                        </a:rPr>
                         <m:t> = (.</m:t>
                       </m:r>
                       <m:r>
-                        <a:rPr lang="en-US" altLang="zh-CN" sz="2000" i="1"/>
+                        <a:rPr lang="en-US" altLang="zh-CN" sz="2000" i="1">
+                          <a:latin typeface="Cambria Math" panose="02040503050406030204" pitchFamily="18" charset="0"/>
+                        </a:rPr>
                         <m:t>𝑑𝑖𝑔𝑖𝑡𝑠</m:t>
                       </m:r>
                       <m:r>
-                        <a:rPr lang="en-US" altLang="zh-CN" sz="2000" i="1"/>
+                        <a:rPr lang="en-US" altLang="zh-CN" sz="2000" i="1">
+                          <a:latin typeface="Cambria Math" panose="02040503050406030204" pitchFamily="18" charset="0"/>
+                        </a:rPr>
                         <m:t>)?</m:t>
                       </m:r>
                     </m:oMath>
@@ -21395,7 +21432,7 @@
                 <a:blipFill>
                   <a:blip r:embed="rId3"/>
                   <a:stretch>
-                    <a:fillRect l="-600" b="-509"/>
+                    <a:fillRect l="-600"/>
                   </a:stretch>
                 </a:blipFill>
               </p:spPr>

--- a/doc/终期答辩.pptx
+++ b/doc/终期答辩.pptx
@@ -9658,7 +9658,7 @@
             </a:pPr>
             <a:r>
               <a:rPr lang="zh-CN" altLang="en-US" sz="2000" dirty="0"/>
-              <a:t>        逆波兰表达式中，所有操作符置于操作数的后面，因此也被称为后缀表达式、后序表达式。逆波兰记法不需要括号来标识操作符的优先级。因为逆波兰表达式的处理更符合计算的处理逻辑，所以先通过程序将输入的中缀表达式转换为逆波兰表达式以便后续的计算处理。</a:t>
+              <a:t>        逆波兰表达式中，所有操作符置于操作数的后面，因此也被称为后缀表达式、后序表达式。逆波兰记法不需要括号来标识操作符的优先级。因为逆波兰表达式的处理更符合计算机的处理逻辑，所以先通过程序将输入的中缀表达式转换为逆波兰表达式以便后续的计算处理。</a:t>
             </a:r>
             <a:endParaRPr lang="en-US" altLang="zh-CN" sz="2000" dirty="0"/>
           </a:p>
@@ -11439,7 +11439,7 @@
             </a:pPr>
             <a:r>
               <a:rPr lang="en-US" altLang="zh-CN" sz="2400" b="1" dirty="0"/>
-              <a:t>       1</a:t>
+              <a:t>       2</a:t>
             </a:r>
             <a:r>
               <a:rPr lang="zh-CN" altLang="en-US" sz="2400" b="1" dirty="0"/>
@@ -12241,7 +12241,7 @@
               </a:pPr>
               <a:r>
                 <a:rPr lang="zh-CN" altLang="en-US" sz="2000" dirty="0"/>
-                <a:t>        上述借助处理四则运算的思路衍生出的逆波兰表达式计算法其实对于处理关系运算有个问题，就是关系代数运算中存在着选择以及投影两个单目运算符。而上面的算法实际上处理不了单目运算符的，回一下四则运算中的单目运算符也就是负号，在计算过程中实在中缀表达式转逆波兰表达式这一步就将其与数字合并成一个整体供后续计算。</a:t>
+                <a:t>        上述借助处理四则运算的思路衍生出的逆波兰表达式计算法其实对于处理关系运算有个问题，就是关系代数运算中存在着选择以及投影两个单目运算符。而上面的算法实际上处理不了单目运算符的，回想一下四则运算中的单目运算符也就是负号，在计算过程中实在中缀表达式转逆波兰表达式这一步就将其与数字合并成一个整体供后续计算。</a:t>
               </a:r>
             </a:p>
             <a:p>
@@ -13498,7 +13498,7 @@
                   <a:latin typeface="黑体" panose="02010609060101010101" pitchFamily="49" charset="-122"/>
                   <a:ea typeface="黑体" panose="02010609060101010101" pitchFamily="49" charset="-122"/>
                 </a:rPr>
-                <a:t>运算符背后的算法</a:t>
+                <a:t>运算符的求解算法</a:t>
               </a:r>
               <a:endParaRPr lang="en-US" altLang="zh-CN" sz="2500" b="1" dirty="0">
                 <a:latin typeface="黑体" panose="02010609060101010101" pitchFamily="49" charset="-122"/>
@@ -13542,7 +13542,7 @@
               </a:pPr>
               <a:r>
                 <a:rPr lang="zh-CN" altLang="en-US" sz="2000" dirty="0"/>
-                <a:t>        对于每个运算符，我们在后端程序中分别写了单独的算法，以支持关系代数的运算，以简单例子介绍一下运算符背后的算法思路。</a:t>
+                <a:t>        对于每个运算符，我们在后端程序中分别写了单独的算法，以支持关系代数的运算，以简单例子介绍一下运算符的求解思路。</a:t>
               </a:r>
             </a:p>
           </p:txBody>
@@ -14186,7 +14186,7 @@
         </p:nvSpPr>
         <p:spPr>
           <a:xfrm>
-            <a:off x="414672" y="1070853"/>
+            <a:off x="414673" y="1121653"/>
             <a:ext cx="10963481" cy="4286943"/>
           </a:xfrm>
           <a:prstGeom prst="rect">
@@ -19591,7 +19591,7 @@
               </a:r>
               <a:r>
                 <a:rPr lang="zh-CN" altLang="en-US" sz="2000" dirty="0"/>
-                <a:t>如图所示，为了实际开发的遍历以及后期的可维护性，我们将整个系统分割为若干模块。各个模块各司其职，通过数据通信共同完成功能。</a:t>
+                <a:t>如图所示，为了实际开发的便利以及后期的可维护性，我们将整个系统分割为若干模块。各个模块各司其职，通过数据通信共同完成功能。</a:t>
               </a:r>
               <a:endParaRPr lang="en-US" altLang="zh-CN" sz="2000" dirty="0"/>
             </a:p>
@@ -19927,7 +19927,7 @@
         <p:spPr>
           <a:xfrm>
             <a:off x="3069482" y="3297843"/>
-            <a:ext cx="6357833" cy="1255024"/>
+            <a:ext cx="6357833" cy="1955215"/>
           </a:xfrm>
           <a:prstGeom prst="rect">
             <a:avLst/>
@@ -19941,6 +19941,29 @@
           <a:lstStyle/>
           <a:p>
             <a:pPr marL="457200" indent="-457200">
+              <a:lnSpc>
+                <a:spcPct val="150000"/>
+              </a:lnSpc>
+              <a:buFont typeface="Arial" panose="020B0604020202020204" pitchFamily="34" charset="0"/>
+              <a:buChar char="•"/>
+            </a:pPr>
+            <a:r>
+              <a:rPr lang="zh-CN" altLang="en-US" sz="2800" b="1" dirty="0">
+                <a:latin typeface="微软雅黑" panose="020B0503020204020204" pitchFamily="34" charset="-122"/>
+                <a:ea typeface="微软雅黑" panose="020B0503020204020204" pitchFamily="34" charset="-122"/>
+              </a:rPr>
+              <a:t>怎么表示各种特殊符号以便于处理？</a:t>
+            </a:r>
+            <a:endParaRPr lang="en-US" altLang="zh-CN" sz="2800" b="1" dirty="0">
+              <a:latin typeface="微软雅黑" panose="020B0503020204020204" pitchFamily="34" charset="-122"/>
+              <a:ea typeface="微软雅黑" panose="020B0503020204020204" pitchFamily="34" charset="-122"/>
+            </a:endParaRPr>
+          </a:p>
+          <a:p>
+            <a:pPr marL="457200" indent="-457200">
+              <a:lnSpc>
+                <a:spcPct val="150000"/>
+              </a:lnSpc>
               <a:buFont typeface="Arial" panose="020B0604020202020204" pitchFamily="34" charset="0"/>
               <a:buChar char="•"/>
             </a:pPr>
@@ -19959,7 +19982,7 @@
           <a:p>
             <a:pPr marL="457200" indent="-457200">
               <a:lnSpc>
-                <a:spcPct val="200000"/>
+                <a:spcPct val="150000"/>
               </a:lnSpc>
               <a:buFont typeface="Arial" panose="020B0604020202020204" pitchFamily="34" charset="0"/>
               <a:buChar char="•"/>
@@ -20868,8 +20891,8 @@
             </a:p>
           </p:txBody>
         </p:sp>
-        <mc:AlternateContent xmlns:mc="http://schemas.openxmlformats.org/markup-compatibility/2006">
-          <mc:Choice xmlns:a14="http://schemas.microsoft.com/office/drawing/2010/main" Requires="a14">
+        <mc:AlternateContent xmlns:mc="http://schemas.openxmlformats.org/markup-compatibility/2006" xmlns:a14="http://schemas.microsoft.com/office/drawing/2010/main">
+          <mc:Choice Requires="a14">
             <p:sp>
               <p:nvSpPr>
                 <p:cNvPr id="7" name="文本框 6">
@@ -21406,7 +21429,7 @@
               </p:txBody>
             </p:sp>
           </mc:Choice>
-          <mc:Fallback>
+          <mc:Fallback xmlns="">
             <p:sp>
               <p:nvSpPr>
                 <p:cNvPr id="7" name="文本框 6">

--- a/doc/终期答辩.pptx
+++ b/doc/终期答辩.pptx
@@ -5,7 +5,7 @@
     <p:sldMasterId id="2147483648" r:id="rId1"/>
   </p:sldMasterIdLst>
   <p:notesMasterIdLst>
-    <p:notesMasterId r:id="rId30"/>
+    <p:notesMasterId r:id="rId32"/>
   </p:notesMasterIdLst>
   <p:sldIdLst>
     <p:sldId id="257" r:id="rId2"/>
@@ -16,26 +16,28 @@
     <p:sldId id="297" r:id="rId7"/>
     <p:sldId id="298" r:id="rId8"/>
     <p:sldId id="300" r:id="rId9"/>
-    <p:sldId id="301" r:id="rId10"/>
-    <p:sldId id="302" r:id="rId11"/>
-    <p:sldId id="303" r:id="rId12"/>
-    <p:sldId id="304" r:id="rId13"/>
-    <p:sldId id="305" r:id="rId14"/>
-    <p:sldId id="306" r:id="rId15"/>
-    <p:sldId id="307" r:id="rId16"/>
-    <p:sldId id="308" r:id="rId17"/>
-    <p:sldId id="309" r:id="rId18"/>
-    <p:sldId id="310" r:id="rId19"/>
-    <p:sldId id="311" r:id="rId20"/>
-    <p:sldId id="312" r:id="rId21"/>
-    <p:sldId id="313" r:id="rId22"/>
-    <p:sldId id="314" r:id="rId23"/>
-    <p:sldId id="315" r:id="rId24"/>
-    <p:sldId id="316" r:id="rId25"/>
-    <p:sldId id="317" r:id="rId26"/>
-    <p:sldId id="295" r:id="rId27"/>
-    <p:sldId id="296" r:id="rId28"/>
-    <p:sldId id="265" r:id="rId29"/>
+    <p:sldId id="320" r:id="rId10"/>
+    <p:sldId id="301" r:id="rId11"/>
+    <p:sldId id="319" r:id="rId12"/>
+    <p:sldId id="302" r:id="rId13"/>
+    <p:sldId id="303" r:id="rId14"/>
+    <p:sldId id="304" r:id="rId15"/>
+    <p:sldId id="305" r:id="rId16"/>
+    <p:sldId id="306" r:id="rId17"/>
+    <p:sldId id="307" r:id="rId18"/>
+    <p:sldId id="308" r:id="rId19"/>
+    <p:sldId id="309" r:id="rId20"/>
+    <p:sldId id="310" r:id="rId21"/>
+    <p:sldId id="311" r:id="rId22"/>
+    <p:sldId id="312" r:id="rId23"/>
+    <p:sldId id="313" r:id="rId24"/>
+    <p:sldId id="314" r:id="rId25"/>
+    <p:sldId id="315" r:id="rId26"/>
+    <p:sldId id="316" r:id="rId27"/>
+    <p:sldId id="317" r:id="rId28"/>
+    <p:sldId id="295" r:id="rId29"/>
+    <p:sldId id="296" r:id="rId30"/>
+    <p:sldId id="265" r:id="rId31"/>
   </p:sldIdLst>
   <p:sldSz cx="12192000" cy="6858000"/>
   <p:notesSz cx="6858000" cy="9144000"/>
@@ -4396,6 +4398,1949 @@
           </a:p>
         </p:txBody>
       </p:sp>
+      <p:grpSp>
+        <p:nvGrpSpPr>
+          <p:cNvPr id="2" name="组合 1">
+            <a:extLst>
+              <a:ext uri="{FF2B5EF4-FFF2-40B4-BE49-F238E27FC236}">
+                <a16:creationId xmlns:a16="http://schemas.microsoft.com/office/drawing/2014/main" id="{6C13EB53-B08B-134D-2059-6F18D5B1B6A3}"/>
+              </a:ext>
+            </a:extLst>
+          </p:cNvPr>
+          <p:cNvGrpSpPr/>
+          <p:nvPr/>
+        </p:nvGrpSpPr>
+        <p:grpSpPr>
+          <a:xfrm>
+            <a:off x="-122549" y="1022667"/>
+            <a:ext cx="11651531" cy="2018374"/>
+            <a:chOff x="-84842" y="1195818"/>
+            <a:chExt cx="11651531" cy="2018374"/>
+          </a:xfrm>
+        </p:grpSpPr>
+        <p:sp>
+          <p:nvSpPr>
+            <p:cNvPr id="5" name="文本框 4">
+              <a:extLst>
+                <a:ext uri="{FF2B5EF4-FFF2-40B4-BE49-F238E27FC236}">
+                  <a16:creationId xmlns:a16="http://schemas.microsoft.com/office/drawing/2014/main" id="{2F62E8DC-94DB-B28C-95A3-52E91F2A67B7}"/>
+                </a:ext>
+              </a:extLst>
+            </p:cNvPr>
+            <p:cNvSpPr txBox="1"/>
+            <p:nvPr/>
+          </p:nvSpPr>
+          <p:spPr>
+            <a:xfrm>
+              <a:off x="-84842" y="1195818"/>
+              <a:ext cx="11069012" cy="477054"/>
+            </a:xfrm>
+            <a:prstGeom prst="rect">
+              <a:avLst/>
+            </a:prstGeom>
+            <a:noFill/>
+          </p:spPr>
+          <p:txBody>
+            <a:bodyPr wrap="square" rtlCol="0">
+              <a:spAutoFit/>
+            </a:bodyPr>
+            <a:lstStyle/>
+            <a:p>
+              <a:r>
+                <a:rPr lang="en-US" altLang="zh-CN" sz="2500" b="1" dirty="0">
+                  <a:latin typeface="黑体" panose="02010609060101010101" pitchFamily="49" charset="-122"/>
+                  <a:ea typeface="黑体" panose="02010609060101010101" pitchFamily="49" charset="-122"/>
+                </a:rPr>
+                <a:t>	1.</a:t>
+              </a:r>
+              <a:r>
+                <a:rPr lang="zh-CN" altLang="en-US" sz="2500" b="1" dirty="0">
+                  <a:latin typeface="黑体" panose="02010609060101010101" pitchFamily="49" charset="-122"/>
+                  <a:ea typeface="黑体" panose="02010609060101010101" pitchFamily="49" charset="-122"/>
+                </a:rPr>
+                <a:t>特殊运算符在表达式中的表示</a:t>
+              </a:r>
+              <a:endParaRPr lang="en-US" altLang="zh-CN" sz="2500" b="1" dirty="0">
+                <a:latin typeface="黑体" panose="02010609060101010101" pitchFamily="49" charset="-122"/>
+                <a:ea typeface="黑体" panose="02010609060101010101" pitchFamily="49" charset="-122"/>
+              </a:endParaRPr>
+            </a:p>
+          </p:txBody>
+        </p:sp>
+        <p:sp>
+          <p:nvSpPr>
+            <p:cNvPr id="7" name="文本框 6">
+              <a:extLst>
+                <a:ext uri="{FF2B5EF4-FFF2-40B4-BE49-F238E27FC236}">
+                  <a16:creationId xmlns:a16="http://schemas.microsoft.com/office/drawing/2014/main" id="{3BCFD3A5-941E-A3FF-554D-046E7DA5D53F}"/>
+                </a:ext>
+              </a:extLst>
+            </p:cNvPr>
+            <p:cNvSpPr txBox="1"/>
+            <p:nvPr/>
+          </p:nvSpPr>
+          <p:spPr>
+            <a:xfrm>
+              <a:off x="382691" y="1692237"/>
+              <a:ext cx="11183998" cy="1521955"/>
+            </a:xfrm>
+            <a:prstGeom prst="rect">
+              <a:avLst/>
+            </a:prstGeom>
+            <a:noFill/>
+          </p:spPr>
+          <p:txBody>
+            <a:bodyPr wrap="square" rtlCol="0">
+              <a:spAutoFit/>
+            </a:bodyPr>
+            <a:lstStyle/>
+            <a:p>
+              <a:pPr>
+                <a:lnSpc>
+                  <a:spcPct val="150000"/>
+                </a:lnSpc>
+              </a:pPr>
+              <a:r>
+                <a:rPr lang="en-US" altLang="zh-CN" sz="2400" b="1" dirty="0"/>
+                <a:t>       2</a:t>
+              </a:r>
+              <a:r>
+                <a:rPr lang="zh-CN" altLang="en-US" sz="2400" b="1" dirty="0"/>
+                <a:t>）前端处理传递给后端</a:t>
+              </a:r>
+              <a:endParaRPr lang="en-US" altLang="zh-CN" sz="2000" b="1" dirty="0"/>
+            </a:p>
+            <a:p>
+              <a:pPr>
+                <a:lnSpc>
+                  <a:spcPct val="150000"/>
+                </a:lnSpc>
+              </a:pPr>
+              <a:r>
+                <a:rPr lang="zh-CN" altLang="en-US" sz="2000" dirty="0"/>
+                <a:t>       </a:t>
+              </a:r>
+              <a:r>
+                <a:rPr lang="en-US" altLang="zh-CN" sz="2000" dirty="0"/>
+                <a:t>	</a:t>
+              </a:r>
+              <a:r>
+                <a:rPr lang="zh-CN" altLang="en-US" sz="2000" dirty="0"/>
+                <a:t>符号表达的规则如下。通过</a:t>
+              </a:r>
+              <a:r>
+                <a:rPr lang="en-US" altLang="zh-CN" sz="2000" dirty="0"/>
+                <a:t>#</a:t>
+              </a:r>
+              <a:r>
+                <a:rPr lang="zh-CN" altLang="en-US" sz="2000" dirty="0"/>
+                <a:t>号开头以区分当前字符串为关系名还是运算符。</a:t>
+              </a:r>
+            </a:p>
+            <a:p>
+              <a:pPr>
+                <a:lnSpc>
+                  <a:spcPct val="150000"/>
+                </a:lnSpc>
+              </a:pPr>
+              <a:endParaRPr lang="en-US" altLang="zh-CN" sz="2000" dirty="0"/>
+            </a:p>
+          </p:txBody>
+        </p:sp>
+      </p:grpSp>
+      <p:sp>
+        <p:nvSpPr>
+          <p:cNvPr id="4" name="Rectangle 2">
+            <a:extLst>
+              <a:ext uri="{FF2B5EF4-FFF2-40B4-BE49-F238E27FC236}">
+                <a16:creationId xmlns:a16="http://schemas.microsoft.com/office/drawing/2014/main" id="{3CEF5677-BCF0-65DA-D417-D70D14D81F64}"/>
+              </a:ext>
+            </a:extLst>
+          </p:cNvPr>
+          <p:cNvSpPr>
+            <a:spLocks noChangeArrowheads="1"/>
+          </p:cNvSpPr>
+          <p:nvPr/>
+        </p:nvSpPr>
+        <p:spPr bwMode="auto">
+          <a:xfrm>
+            <a:off x="0" y="0"/>
+            <a:ext cx="12192000" cy="0"/>
+          </a:xfrm>
+          <a:prstGeom prst="rect">
+            <a:avLst/>
+          </a:prstGeom>
+          <a:noFill/>
+          <a:ln>
+            <a:noFill/>
+          </a:ln>
+          <a:effectLst/>
+          <a:extLst>
+            <a:ext uri="{909E8E84-426E-40DD-AFC4-6F175D3DCCD1}">
+              <a14:hiddenFill xmlns:a14="http://schemas.microsoft.com/office/drawing/2010/main">
+                <a:solidFill>
+                  <a:schemeClr val="accent1"/>
+                </a:solidFill>
+              </a14:hiddenFill>
+            </a:ext>
+            <a:ext uri="{91240B29-F687-4F45-9708-019B960494DF}">
+              <a14:hiddenLine xmlns:a14="http://schemas.microsoft.com/office/drawing/2010/main" w="9525">
+                <a:solidFill>
+                  <a:schemeClr val="tx1"/>
+                </a:solidFill>
+                <a:miter lim="800000"/>
+                <a:headEnd/>
+                <a:tailEnd/>
+              </a14:hiddenLine>
+            </a:ext>
+            <a:ext uri="{AF507438-7753-43E0-B8FC-AC1667EBCBE1}">
+              <a14:hiddenEffects xmlns:a14="http://schemas.microsoft.com/office/drawing/2010/main">
+                <a:effectLst>
+                  <a:outerShdw dist="35921" dir="2700000" algn="ctr" rotWithShape="0">
+                    <a:schemeClr val="bg2"/>
+                  </a:outerShdw>
+                </a:effectLst>
+              </a14:hiddenEffects>
+            </a:ext>
+          </a:extLst>
+        </p:spPr>
+        <p:txBody>
+          <a:bodyPr vert="horz" wrap="none" lIns="91440" tIns="45720" rIns="91440" bIns="45720" numCol="1" anchor="ctr" anchorCtr="0" compatLnSpc="1">
+            <a:prstTxWarp prst="textNoShape">
+              <a:avLst/>
+            </a:prstTxWarp>
+            <a:spAutoFit/>
+          </a:bodyPr>
+          <a:lstStyle/>
+          <a:p>
+            <a:endParaRPr lang="zh-CN" altLang="en-US"/>
+          </a:p>
+        </p:txBody>
+      </p:sp>
+      <p:pic>
+        <p:nvPicPr>
+          <p:cNvPr id="6" name="图片 5">
+            <a:extLst>
+              <a:ext uri="{FF2B5EF4-FFF2-40B4-BE49-F238E27FC236}">
+                <a16:creationId xmlns:a16="http://schemas.microsoft.com/office/drawing/2014/main" id="{89128675-77F7-0E49-3F18-A357B87F5020}"/>
+              </a:ext>
+            </a:extLst>
+          </p:cNvPr>
+          <p:cNvPicPr>
+            <a:picLocks noChangeAspect="1"/>
+          </p:cNvPicPr>
+          <p:nvPr/>
+        </p:nvPicPr>
+        <p:blipFill>
+          <a:blip r:embed="rId3"/>
+          <a:stretch>
+            <a:fillRect/>
+          </a:stretch>
+        </p:blipFill>
+        <p:spPr>
+          <a:xfrm>
+            <a:off x="2989385" y="2640976"/>
+            <a:ext cx="5061377" cy="4038761"/>
+          </a:xfrm>
+          <a:prstGeom prst="rect">
+            <a:avLst/>
+          </a:prstGeom>
+        </p:spPr>
+      </p:pic>
+    </p:spTree>
+    <p:extLst>
+      <p:ext uri="{BB962C8B-B14F-4D97-AF65-F5344CB8AC3E}">
+        <p14:creationId xmlns:p14="http://schemas.microsoft.com/office/powerpoint/2010/main" val="532600485"/>
+      </p:ext>
+    </p:extLst>
+  </p:cSld>
+  <p:clrMapOvr>
+    <a:masterClrMapping/>
+  </p:clrMapOvr>
+  <p:transition spd="slow" advTm="0">
+    <p:push dir="r"/>
+  </p:transition>
+  <p:timing>
+    <p:tnLst>
+      <p:par>
+        <p:cTn id="1" dur="indefinite" restart="never" nodeType="tmRoot">
+          <p:childTnLst>
+            <p:seq concurrent="1" nextAc="seek">
+              <p:cTn id="2" dur="indefinite" nodeType="mainSeq">
+                <p:childTnLst>
+                  <p:par>
+                    <p:cTn id="3" fill="hold">
+                      <p:stCondLst>
+                        <p:cond delay="indefinite"/>
+                        <p:cond evt="onBegin" delay="0">
+                          <p:tn val="2"/>
+                        </p:cond>
+                      </p:stCondLst>
+                      <p:childTnLst>
+                        <p:par>
+                          <p:cTn id="4" fill="hold">
+                            <p:stCondLst>
+                              <p:cond delay="0"/>
+                            </p:stCondLst>
+                            <p:childTnLst>
+                              <p:par>
+                                <p:cTn id="5" presetID="12" presetClass="entr" presetSubtype="1" fill="hold" nodeType="withEffect">
+                                  <p:stCondLst>
+                                    <p:cond delay="0"/>
+                                  </p:stCondLst>
+                                  <p:childTnLst>
+                                    <p:set>
+                                      <p:cBhvr>
+                                        <p:cTn id="6" dur="1" fill="hold">
+                                          <p:stCondLst>
+                                            <p:cond delay="0"/>
+                                          </p:stCondLst>
+                                        </p:cTn>
+                                        <p:tgtEl>
+                                          <p:spTgt spid="9"/>
+                                        </p:tgtEl>
+                                        <p:attrNameLst>
+                                          <p:attrName>style.visibility</p:attrName>
+                                        </p:attrNameLst>
+                                      </p:cBhvr>
+                                      <p:to>
+                                        <p:strVal val="visible"/>
+                                      </p:to>
+                                    </p:set>
+                                    <p:anim calcmode="lin" valueType="num">
+                                      <p:cBhvr additive="base">
+                                        <p:cTn id="7" dur="500"/>
+                                        <p:tgtEl>
+                                          <p:spTgt spid="9"/>
+                                        </p:tgtEl>
+                                        <p:attrNameLst>
+                                          <p:attrName>ppt_y</p:attrName>
+                                        </p:attrNameLst>
+                                      </p:cBhvr>
+                                      <p:tavLst>
+                                        <p:tav tm="0">
+                                          <p:val>
+                                            <p:strVal val="#ppt_y-#ppt_h*1.125000"/>
+                                          </p:val>
+                                        </p:tav>
+                                        <p:tav tm="100000">
+                                          <p:val>
+                                            <p:strVal val="#ppt_y"/>
+                                          </p:val>
+                                        </p:tav>
+                                      </p:tavLst>
+                                    </p:anim>
+                                    <p:animEffect transition="in" filter="wipe(down)">
+                                      <p:cBhvr>
+                                        <p:cTn id="8" dur="500"/>
+                                        <p:tgtEl>
+                                          <p:spTgt spid="9"/>
+                                        </p:tgtEl>
+                                      </p:cBhvr>
+                                    </p:animEffect>
+                                  </p:childTnLst>
+                                </p:cTn>
+                              </p:par>
+                              <p:par>
+                                <p:cTn id="9" presetID="41" presetClass="entr" presetSubtype="0" fill="hold" grpId="0" nodeType="withEffect">
+                                  <p:stCondLst>
+                                    <p:cond delay="0"/>
+                                  </p:stCondLst>
+                                  <p:iterate type="lt">
+                                    <p:tmPct val="10000"/>
+                                  </p:iterate>
+                                  <p:childTnLst>
+                                    <p:set>
+                                      <p:cBhvr>
+                                        <p:cTn id="10" dur="1" fill="hold">
+                                          <p:stCondLst>
+                                            <p:cond delay="0"/>
+                                          </p:stCondLst>
+                                        </p:cTn>
+                                        <p:tgtEl>
+                                          <p:spTgt spid="8"/>
+                                        </p:tgtEl>
+                                        <p:attrNameLst>
+                                          <p:attrName>style.visibility</p:attrName>
+                                        </p:attrNameLst>
+                                      </p:cBhvr>
+                                      <p:to>
+                                        <p:strVal val="visible"/>
+                                      </p:to>
+                                    </p:set>
+                                    <p:anim calcmode="lin" valueType="num">
+                                      <p:cBhvr>
+                                        <p:cTn id="11" dur="500" fill="hold"/>
+                                        <p:tgtEl>
+                                          <p:spTgt spid="8"/>
+                                        </p:tgtEl>
+                                        <p:attrNameLst>
+                                          <p:attrName>ppt_x</p:attrName>
+                                        </p:attrNameLst>
+                                      </p:cBhvr>
+                                      <p:tavLst>
+                                        <p:tav tm="0">
+                                          <p:val>
+                                            <p:strVal val="#ppt_x"/>
+                                          </p:val>
+                                        </p:tav>
+                                        <p:tav tm="50000">
+                                          <p:val>
+                                            <p:strVal val="#ppt_x+.1"/>
+                                          </p:val>
+                                        </p:tav>
+                                        <p:tav tm="100000">
+                                          <p:val>
+                                            <p:strVal val="#ppt_x"/>
+                                          </p:val>
+                                        </p:tav>
+                                      </p:tavLst>
+                                    </p:anim>
+                                    <p:anim calcmode="lin" valueType="num">
+                                      <p:cBhvr>
+                                        <p:cTn id="12" dur="500" fill="hold"/>
+                                        <p:tgtEl>
+                                          <p:spTgt spid="8"/>
+                                        </p:tgtEl>
+                                        <p:attrNameLst>
+                                          <p:attrName>ppt_y</p:attrName>
+                                        </p:attrNameLst>
+                                      </p:cBhvr>
+                                      <p:tavLst>
+                                        <p:tav tm="0">
+                                          <p:val>
+                                            <p:strVal val="#ppt_y"/>
+                                          </p:val>
+                                        </p:tav>
+                                        <p:tav tm="100000">
+                                          <p:val>
+                                            <p:strVal val="#ppt_y"/>
+                                          </p:val>
+                                        </p:tav>
+                                      </p:tavLst>
+                                    </p:anim>
+                                    <p:anim calcmode="lin" valueType="num">
+                                      <p:cBhvr>
+                                        <p:cTn id="13" dur="500" fill="hold"/>
+                                        <p:tgtEl>
+                                          <p:spTgt spid="8"/>
+                                        </p:tgtEl>
+                                        <p:attrNameLst>
+                                          <p:attrName>ppt_h</p:attrName>
+                                        </p:attrNameLst>
+                                      </p:cBhvr>
+                                      <p:tavLst>
+                                        <p:tav tm="0">
+                                          <p:val>
+                                            <p:strVal val="#ppt_h/10"/>
+                                          </p:val>
+                                        </p:tav>
+                                        <p:tav tm="50000">
+                                          <p:val>
+                                            <p:strVal val="#ppt_h+.01"/>
+                                          </p:val>
+                                        </p:tav>
+                                        <p:tav tm="100000">
+                                          <p:val>
+                                            <p:strVal val="#ppt_h"/>
+                                          </p:val>
+                                        </p:tav>
+                                      </p:tavLst>
+                                    </p:anim>
+                                    <p:anim calcmode="lin" valueType="num">
+                                      <p:cBhvr>
+                                        <p:cTn id="14" dur="500" fill="hold"/>
+                                        <p:tgtEl>
+                                          <p:spTgt spid="8"/>
+                                        </p:tgtEl>
+                                        <p:attrNameLst>
+                                          <p:attrName>ppt_w</p:attrName>
+                                        </p:attrNameLst>
+                                      </p:cBhvr>
+                                      <p:tavLst>
+                                        <p:tav tm="0">
+                                          <p:val>
+                                            <p:strVal val="#ppt_w/10"/>
+                                          </p:val>
+                                        </p:tav>
+                                        <p:tav tm="50000">
+                                          <p:val>
+                                            <p:strVal val="#ppt_w+.01"/>
+                                          </p:val>
+                                        </p:tav>
+                                        <p:tav tm="100000">
+                                          <p:val>
+                                            <p:strVal val="#ppt_w"/>
+                                          </p:val>
+                                        </p:tav>
+                                      </p:tavLst>
+                                    </p:anim>
+                                    <p:animEffect transition="in" filter="fade">
+                                      <p:cBhvr>
+                                        <p:cTn id="15" dur="500" tmFilter="0,0; .5, 1; 1, 1"/>
+                                        <p:tgtEl>
+                                          <p:spTgt spid="8"/>
+                                        </p:tgtEl>
+                                      </p:cBhvr>
+                                    </p:animEffect>
+                                  </p:childTnLst>
+                                </p:cTn>
+                              </p:par>
+                            </p:childTnLst>
+                          </p:cTn>
+                        </p:par>
+                      </p:childTnLst>
+                    </p:cTn>
+                  </p:par>
+                </p:childTnLst>
+              </p:cTn>
+              <p:prevCondLst>
+                <p:cond evt="onPrev" delay="0">
+                  <p:tgtEl>
+                    <p:sldTgt/>
+                  </p:tgtEl>
+                </p:cond>
+              </p:prevCondLst>
+              <p:nextCondLst>
+                <p:cond evt="onNext" delay="0">
+                  <p:tgtEl>
+                    <p:sldTgt/>
+                  </p:tgtEl>
+                </p:cond>
+              </p:nextCondLst>
+            </p:seq>
+          </p:childTnLst>
+        </p:cTn>
+      </p:par>
+    </p:tnLst>
+    <p:bldLst>
+      <p:bldP spid="8" grpId="0"/>
+    </p:bldLst>
+  </p:timing>
+</p:sld>
+</file>
+
+<file path=ppt/slides/slide11.xml><?xml version="1.0" encoding="utf-8"?>
+<p:sld xmlns:a="http://schemas.openxmlformats.org/drawingml/2006/main" xmlns:r="http://schemas.openxmlformats.org/officeDocument/2006/relationships" xmlns:p="http://schemas.openxmlformats.org/presentationml/2006/main">
+  <p:cSld>
+    <p:spTree>
+      <p:nvGrpSpPr>
+        <p:cNvPr id="1" name=""/>
+        <p:cNvGrpSpPr/>
+        <p:nvPr/>
+      </p:nvGrpSpPr>
+      <p:grpSpPr>
+        <a:xfrm>
+          <a:off x="0" y="0"/>
+          <a:ext cx="0" cy="0"/>
+          <a:chOff x="0" y="0"/>
+          <a:chExt cx="0" cy="0"/>
+        </a:xfrm>
+      </p:grpSpPr>
+      <p:pic>
+        <p:nvPicPr>
+          <p:cNvPr id="28" name="图片 27"/>
+          <p:cNvPicPr>
+            <a:picLocks noChangeAspect="1"/>
+          </p:cNvPicPr>
+          <p:nvPr/>
+        </p:nvPicPr>
+        <p:blipFill>
+          <a:blip r:embed="rId2" cstate="print">
+            <a:extLst>
+              <a:ext uri="{28A0092B-C50C-407E-A947-70E740481C1C}">
+                <a14:useLocalDpi xmlns:a14="http://schemas.microsoft.com/office/drawing/2010/main" val="0"/>
+              </a:ext>
+            </a:extLst>
+          </a:blip>
+          <a:stretch>
+            <a:fillRect/>
+          </a:stretch>
+        </p:blipFill>
+        <p:spPr>
+          <a:xfrm>
+            <a:off x="11170897" y="0"/>
+            <a:ext cx="1003301" cy="1003301"/>
+          </a:xfrm>
+          <a:prstGeom prst="rect">
+            <a:avLst/>
+          </a:prstGeom>
+        </p:spPr>
+      </p:pic>
+      <p:grpSp>
+        <p:nvGrpSpPr>
+          <p:cNvPr id="9" name="组合 8">
+            <a:extLst>
+              <a:ext uri="{FF2B5EF4-FFF2-40B4-BE49-F238E27FC236}">
+                <a16:creationId xmlns:a16="http://schemas.microsoft.com/office/drawing/2014/main" id="{1E87FA18-E309-46C3-88C5-69127E8B627A}"/>
+              </a:ext>
+            </a:extLst>
+          </p:cNvPr>
+          <p:cNvGrpSpPr/>
+          <p:nvPr/>
+        </p:nvGrpSpPr>
+        <p:grpSpPr>
+          <a:xfrm>
+            <a:off x="0" y="188687"/>
+            <a:ext cx="188686" cy="592364"/>
+            <a:chOff x="11571416" y="3959358"/>
+            <a:chExt cx="620584" cy="1723139"/>
+          </a:xfrm>
+        </p:grpSpPr>
+        <p:sp>
+          <p:nvSpPr>
+            <p:cNvPr id="10" name="矩形 9">
+              <a:extLst>
+                <a:ext uri="{FF2B5EF4-FFF2-40B4-BE49-F238E27FC236}">
+                  <a16:creationId xmlns:a16="http://schemas.microsoft.com/office/drawing/2014/main" id="{A58BEC02-D06B-452D-8F7B-1C1336BD8F99}"/>
+                </a:ext>
+              </a:extLst>
+            </p:cNvPr>
+            <p:cNvSpPr/>
+            <p:nvPr/>
+          </p:nvSpPr>
+          <p:spPr>
+            <a:xfrm>
+              <a:off x="11571416" y="3959358"/>
+              <a:ext cx="620584" cy="1723137"/>
+            </a:xfrm>
+            <a:prstGeom prst="rect">
+              <a:avLst/>
+            </a:prstGeom>
+            <a:solidFill>
+              <a:srgbClr val="3E4150"/>
+            </a:solidFill>
+            <a:ln>
+              <a:noFill/>
+            </a:ln>
+          </p:spPr>
+          <p:style>
+            <a:lnRef idx="2">
+              <a:schemeClr val="accent1">
+                <a:shade val="50000"/>
+              </a:schemeClr>
+            </a:lnRef>
+            <a:fillRef idx="1">
+              <a:schemeClr val="accent1"/>
+            </a:fillRef>
+            <a:effectRef idx="0">
+              <a:schemeClr val="accent1"/>
+            </a:effectRef>
+            <a:fontRef idx="minor">
+              <a:schemeClr val="lt1"/>
+            </a:fontRef>
+          </p:style>
+          <p:txBody>
+            <a:bodyPr rtlCol="0" anchor="ctr"/>
+            <a:lstStyle/>
+            <a:p>
+              <a:pPr algn="ctr"/>
+              <a:endParaRPr lang="zh-CN" altLang="en-US"/>
+            </a:p>
+          </p:txBody>
+        </p:sp>
+        <p:sp>
+          <p:nvSpPr>
+            <p:cNvPr id="11" name="矩形 10">
+              <a:extLst>
+                <a:ext uri="{FF2B5EF4-FFF2-40B4-BE49-F238E27FC236}">
+                  <a16:creationId xmlns:a16="http://schemas.microsoft.com/office/drawing/2014/main" id="{209B855B-0480-496A-86C1-B9AF7565F315}"/>
+                </a:ext>
+              </a:extLst>
+            </p:cNvPr>
+            <p:cNvSpPr/>
+            <p:nvPr/>
+          </p:nvSpPr>
+          <p:spPr>
+            <a:xfrm>
+              <a:off x="11571416" y="5115169"/>
+              <a:ext cx="620584" cy="567328"/>
+            </a:xfrm>
+            <a:prstGeom prst="rect">
+              <a:avLst/>
+            </a:prstGeom>
+            <a:solidFill>
+              <a:srgbClr val="CF0101"/>
+            </a:solidFill>
+            <a:ln>
+              <a:noFill/>
+            </a:ln>
+          </p:spPr>
+          <p:style>
+            <a:lnRef idx="2">
+              <a:schemeClr val="accent1">
+                <a:shade val="50000"/>
+              </a:schemeClr>
+            </a:lnRef>
+            <a:fillRef idx="1">
+              <a:schemeClr val="accent1"/>
+            </a:fillRef>
+            <a:effectRef idx="0">
+              <a:schemeClr val="accent1"/>
+            </a:effectRef>
+            <a:fontRef idx="minor">
+              <a:schemeClr val="lt1"/>
+            </a:fontRef>
+          </p:style>
+          <p:txBody>
+            <a:bodyPr rtlCol="0" anchor="ctr"/>
+            <a:lstStyle/>
+            <a:p>
+              <a:pPr algn="ctr"/>
+              <a:endParaRPr lang="zh-CN" altLang="en-US"/>
+            </a:p>
+          </p:txBody>
+        </p:sp>
+      </p:grpSp>
+      <p:sp>
+        <p:nvSpPr>
+          <p:cNvPr id="8" name="文本框 7">
+            <a:extLst>
+              <a:ext uri="{FF2B5EF4-FFF2-40B4-BE49-F238E27FC236}">
+                <a16:creationId xmlns:a16="http://schemas.microsoft.com/office/drawing/2014/main" id="{3BEDCBC1-F8B4-45D4-8F8F-4F5C2F49F8C8}"/>
+              </a:ext>
+            </a:extLst>
+          </p:cNvPr>
+          <p:cNvSpPr txBox="1"/>
+          <p:nvPr/>
+        </p:nvSpPr>
+        <p:spPr>
+          <a:xfrm>
+            <a:off x="414673" y="178263"/>
+            <a:ext cx="4339650" cy="646331"/>
+          </a:xfrm>
+          <a:prstGeom prst="rect">
+            <a:avLst/>
+          </a:prstGeom>
+          <a:noFill/>
+        </p:spPr>
+        <p:txBody>
+          <a:bodyPr wrap="none" rtlCol="0">
+            <a:spAutoFit/>
+          </a:bodyPr>
+          <a:lstStyle/>
+          <a:p>
+            <a:r>
+              <a:rPr lang="zh-CN" altLang="en-US" sz="3600" b="1" dirty="0">
+                <a:solidFill>
+                  <a:srgbClr val="3E4150"/>
+                </a:solidFill>
+                <a:latin typeface="微软雅黑" panose="020B0503020204020204" pitchFamily="34" charset="-122"/>
+                <a:ea typeface="微软雅黑" panose="020B0503020204020204" pitchFamily="34" charset="-122"/>
+              </a:rPr>
+              <a:t>解决关键问题的算法</a:t>
+            </a:r>
+          </a:p>
+        </p:txBody>
+      </p:sp>
+      <p:grpSp>
+        <p:nvGrpSpPr>
+          <p:cNvPr id="2" name="组合 1">
+            <a:extLst>
+              <a:ext uri="{FF2B5EF4-FFF2-40B4-BE49-F238E27FC236}">
+                <a16:creationId xmlns:a16="http://schemas.microsoft.com/office/drawing/2014/main" id="{6C13EB53-B08B-134D-2059-6F18D5B1B6A3}"/>
+              </a:ext>
+            </a:extLst>
+          </p:cNvPr>
+          <p:cNvGrpSpPr/>
+          <p:nvPr/>
+        </p:nvGrpSpPr>
+        <p:grpSpPr>
+          <a:xfrm>
+            <a:off x="-122549" y="1022667"/>
+            <a:ext cx="11651531" cy="5286192"/>
+            <a:chOff x="-84842" y="1195818"/>
+            <a:chExt cx="11651531" cy="5286192"/>
+          </a:xfrm>
+        </p:grpSpPr>
+        <p:sp>
+          <p:nvSpPr>
+            <p:cNvPr id="5" name="文本框 4">
+              <a:extLst>
+                <a:ext uri="{FF2B5EF4-FFF2-40B4-BE49-F238E27FC236}">
+                  <a16:creationId xmlns:a16="http://schemas.microsoft.com/office/drawing/2014/main" id="{2F62E8DC-94DB-B28C-95A3-52E91F2A67B7}"/>
+                </a:ext>
+              </a:extLst>
+            </p:cNvPr>
+            <p:cNvSpPr txBox="1"/>
+            <p:nvPr/>
+          </p:nvSpPr>
+          <p:spPr>
+            <a:xfrm>
+              <a:off x="-84842" y="1195818"/>
+              <a:ext cx="11069012" cy="477054"/>
+            </a:xfrm>
+            <a:prstGeom prst="rect">
+              <a:avLst/>
+            </a:prstGeom>
+            <a:noFill/>
+          </p:spPr>
+          <p:txBody>
+            <a:bodyPr wrap="square" rtlCol="0">
+              <a:spAutoFit/>
+            </a:bodyPr>
+            <a:lstStyle/>
+            <a:p>
+              <a:r>
+                <a:rPr lang="en-US" altLang="zh-CN" sz="2500" b="1" dirty="0">
+                  <a:latin typeface="黑体" panose="02010609060101010101" pitchFamily="49" charset="-122"/>
+                  <a:ea typeface="黑体" panose="02010609060101010101" pitchFamily="49" charset="-122"/>
+                </a:rPr>
+                <a:t>	2.</a:t>
+              </a:r>
+              <a:r>
+                <a:rPr lang="zh-CN" altLang="en-US" sz="2500" b="1" dirty="0">
+                  <a:latin typeface="黑体" panose="02010609060101010101" pitchFamily="49" charset="-122"/>
+                  <a:ea typeface="黑体" panose="02010609060101010101" pitchFamily="49" charset="-122"/>
+                </a:rPr>
+                <a:t>词法分析与语法分析解决输入合法性问题</a:t>
+              </a:r>
+              <a:endParaRPr lang="en-US" altLang="zh-CN" sz="2500" b="1" dirty="0">
+                <a:latin typeface="黑体" panose="02010609060101010101" pitchFamily="49" charset="-122"/>
+                <a:ea typeface="黑体" panose="02010609060101010101" pitchFamily="49" charset="-122"/>
+              </a:endParaRPr>
+            </a:p>
+          </p:txBody>
+        </p:sp>
+        <mc:AlternateContent xmlns:mc="http://schemas.openxmlformats.org/markup-compatibility/2006">
+          <mc:Choice xmlns:a14="http://schemas.microsoft.com/office/drawing/2010/main" Requires="a14">
+            <p:sp>
+              <p:nvSpPr>
+                <p:cNvPr id="7" name="文本框 6">
+                  <a:extLst>
+                    <a:ext uri="{FF2B5EF4-FFF2-40B4-BE49-F238E27FC236}">
+                      <a16:creationId xmlns:a16="http://schemas.microsoft.com/office/drawing/2014/main" id="{3BCFD3A5-941E-A3FF-554D-046E7DA5D53F}"/>
+                    </a:ext>
+                  </a:extLst>
+                </p:cNvPr>
+                <p:cNvSpPr txBox="1"/>
+                <p:nvPr/>
+              </p:nvSpPr>
+              <p:spPr>
+                <a:xfrm>
+                  <a:off x="382691" y="1692237"/>
+                  <a:ext cx="11183998" cy="4789773"/>
+                </a:xfrm>
+                <a:prstGeom prst="rect">
+                  <a:avLst/>
+                </a:prstGeom>
+                <a:noFill/>
+              </p:spPr>
+              <p:txBody>
+                <a:bodyPr wrap="square" rtlCol="0">
+                  <a:spAutoFit/>
+                </a:bodyPr>
+                <a:lstStyle/>
+                <a:p>
+                  <a:pPr>
+                    <a:lnSpc>
+                      <a:spcPct val="150000"/>
+                    </a:lnSpc>
+                  </a:pPr>
+                  <a:r>
+                    <a:rPr lang="en-US" altLang="zh-CN" sz="2400" b="1" dirty="0"/>
+                    <a:t>       1</a:t>
+                  </a:r>
+                  <a:r>
+                    <a:rPr lang="zh-CN" altLang="en-US" sz="2400" b="1" dirty="0"/>
+                    <a:t>）词法分析</a:t>
+                  </a:r>
+                  <a:endParaRPr lang="en-US" altLang="zh-CN" sz="2400" b="1" dirty="0"/>
+                </a:p>
+                <a:p>
+                  <a:pPr>
+                    <a:lnSpc>
+                      <a:spcPct val="150000"/>
+                    </a:lnSpc>
+                  </a:pPr>
+                  <a:r>
+                    <a:rPr lang="en-US" altLang="zh-CN" sz="2000" b="1" dirty="0"/>
+                    <a:t>        DFA</a:t>
+                  </a:r>
+                  <a:r>
+                    <a:rPr lang="zh-CN" altLang="en-US" sz="2000" b="1" dirty="0"/>
+                    <a:t>推导过程：</a:t>
+                  </a:r>
+                  <a:endParaRPr lang="en-US" altLang="zh-CN" sz="2000" b="1" dirty="0"/>
+                </a:p>
+                <a:p>
+                  <a:pPr>
+                    <a:lnSpc>
+                      <a:spcPct val="150000"/>
+                    </a:lnSpc>
+                  </a:pPr>
+                  <a:r>
+                    <a:rPr lang="zh-CN" altLang="en-US" sz="2000" dirty="0"/>
+                    <a:t>       通过词法分析，我们可以判断输入的计算表达式中是否含非法的字符。这一步骤由程序实现，则需要首先推导出我们的</a:t>
+                  </a:r>
+                  <a:r>
+                    <a:rPr lang="en-US" altLang="zh-CN" sz="2000" dirty="0"/>
+                    <a:t>DFA</a:t>
+                  </a:r>
+                  <a:r>
+                    <a:rPr lang="zh-CN" altLang="en-US" sz="2000" dirty="0"/>
+                    <a:t>（</a:t>
+                  </a:r>
+                  <a:r>
+                    <a:rPr lang="en-US" altLang="zh-CN" sz="2000" dirty="0"/>
+                    <a:t>deterministic finite automaton </a:t>
+                  </a:r>
+                  <a:r>
+                    <a:rPr lang="zh-CN" altLang="en-US" sz="2000" dirty="0"/>
+                    <a:t>有限状态自动机）。</a:t>
+                  </a:r>
+                  <a:endParaRPr lang="en-US" altLang="zh-CN" sz="2000" dirty="0"/>
+                </a:p>
+                <a:p>
+                  <a:pPr>
+                    <a:lnSpc>
+                      <a:spcPct val="150000"/>
+                    </a:lnSpc>
+                  </a:pPr>
+                  <a:r>
+                    <a:rPr lang="zh-CN" altLang="en-US" sz="2000" dirty="0"/>
+                    <a:t>       使用正规式定义标识符记号</a:t>
+                  </a:r>
+                  <a:r>
+                    <a:rPr lang="en-US" altLang="zh-CN" sz="2000" dirty="0"/>
+                    <a:t>id</a:t>
+                  </a:r>
+                  <a:r>
+                    <a:rPr lang="zh-CN" altLang="en-US" sz="2000" dirty="0"/>
+                    <a:t>，数字记号</a:t>
+                  </a:r>
+                  <a:r>
+                    <a:rPr lang="en-US" altLang="zh-CN" sz="2000" dirty="0"/>
+                    <a:t>num</a:t>
+                  </a:r>
+                  <a:r>
+                    <a:rPr lang="zh-CN" altLang="en-US" sz="2000" dirty="0"/>
+                    <a:t>，运算符记号</a:t>
+                  </a:r>
+                  <a:r>
+                    <a:rPr lang="en-US" altLang="zh-CN" sz="2000" dirty="0"/>
+                    <a:t>operator:</a:t>
+                  </a:r>
+                </a:p>
+                <a:p>
+                  <a:pPr>
+                    <a:lnSpc>
+                      <a:spcPct val="150000"/>
+                    </a:lnSpc>
+                  </a:pPr>
+                  <a:r>
+                    <a:rPr lang="en-US" altLang="zh-CN" sz="2000" dirty="0"/>
+                    <a:t>        </a:t>
+                  </a:r>
+                  <a14:m>
+                    <m:oMath xmlns:m="http://schemas.openxmlformats.org/officeDocument/2006/math">
+                      <m:r>
+                        <a:rPr lang="en-US" altLang="zh-CN" sz="2000" b="0" i="1" smtClean="0">
+                          <a:latin typeface="Cambria Math" panose="02040503050406030204" pitchFamily="18" charset="0"/>
+                        </a:rPr>
+                        <m:t>𝑖𝑑</m:t>
+                      </m:r>
+                      <m:r>
+                        <a:rPr lang="en-US" altLang="zh-CN" sz="2000" b="0" i="1" smtClean="0">
+                          <a:latin typeface="Cambria Math" panose="02040503050406030204" pitchFamily="18" charset="0"/>
+                          <a:ea typeface="Cambria Math" panose="02040503050406030204" pitchFamily="18" charset="0"/>
+                        </a:rPr>
+                        <m:t>=</m:t>
+                      </m:r>
+                      <m:sSup>
+                        <m:sSupPr>
+                          <m:ctrlPr>
+                            <a:rPr lang="en-US" altLang="zh-CN" sz="2000" b="0" i="1" smtClean="0">
+                              <a:latin typeface="Cambria Math" panose="02040503050406030204" pitchFamily="18" charset="0"/>
+                              <a:ea typeface="Cambria Math" panose="02040503050406030204" pitchFamily="18" charset="0"/>
+                            </a:rPr>
+                          </m:ctrlPr>
+                        </m:sSupPr>
+                        <m:e>
+                          <m:r>
+                            <a:rPr lang="en-US" altLang="zh-CN" sz="2000" i="1">
+                              <a:latin typeface="Cambria Math" panose="02040503050406030204" pitchFamily="18" charset="0"/>
+                              <a:ea typeface="Cambria Math" panose="02040503050406030204" pitchFamily="18" charset="0"/>
+                            </a:rPr>
+                            <m:t>𝑐h𝑎𝑟</m:t>
+                          </m:r>
+                          <m:r>
+                            <a:rPr lang="en-US" altLang="zh-CN" sz="2000" i="1">
+                              <a:latin typeface="Cambria Math" panose="02040503050406030204" pitchFamily="18" charset="0"/>
+                              <a:ea typeface="Cambria Math" panose="02040503050406030204" pitchFamily="18" charset="0"/>
+                            </a:rPr>
+                            <m:t>(</m:t>
+                          </m:r>
+                          <m:r>
+                            <a:rPr lang="en-US" altLang="zh-CN" sz="2000" i="1">
+                              <a:latin typeface="Cambria Math" panose="02040503050406030204" pitchFamily="18" charset="0"/>
+                              <a:ea typeface="Cambria Math" panose="02040503050406030204" pitchFamily="18" charset="0"/>
+                            </a:rPr>
+                            <m:t>𝑐h𝑎𝑟</m:t>
+                          </m:r>
+                          <m:r>
+                            <a:rPr lang="en-US" altLang="zh-CN" sz="2000" i="1">
+                              <a:latin typeface="Cambria Math" panose="02040503050406030204" pitchFamily="18" charset="0"/>
+                              <a:ea typeface="Cambria Math" panose="02040503050406030204" pitchFamily="18" charset="0"/>
+                            </a:rPr>
+                            <m:t>|</m:t>
+                          </m:r>
+                          <m:r>
+                            <a:rPr lang="en-US" altLang="zh-CN" sz="2000" i="1">
+                              <a:latin typeface="Cambria Math" panose="02040503050406030204" pitchFamily="18" charset="0"/>
+                              <a:ea typeface="Cambria Math" panose="02040503050406030204" pitchFamily="18" charset="0"/>
+                            </a:rPr>
+                            <m:t>𝑑𝑖𝑔𝑖𝑡</m:t>
+                          </m:r>
+                          <m:r>
+                            <a:rPr lang="en-US" altLang="zh-CN" sz="2000" i="1">
+                              <a:latin typeface="Cambria Math" panose="02040503050406030204" pitchFamily="18" charset="0"/>
+                              <a:ea typeface="Cambria Math" panose="02040503050406030204" pitchFamily="18" charset="0"/>
+                            </a:rPr>
+                            <m:t>)</m:t>
+                          </m:r>
+                        </m:e>
+                        <m:sup>
+                          <m:r>
+                            <a:rPr lang="en-US" altLang="zh-CN" sz="2000" b="0" i="1" smtClean="0">
+                              <a:latin typeface="Cambria Math" panose="02040503050406030204" pitchFamily="18" charset="0"/>
+                              <a:ea typeface="Cambria Math" panose="02040503050406030204" pitchFamily="18" charset="0"/>
+                            </a:rPr>
+                            <m:t>∗</m:t>
+                          </m:r>
+                        </m:sup>
+                      </m:sSup>
+                    </m:oMath>
+                  </a14:m>
+                  <a:endParaRPr lang="en-US" altLang="zh-CN" sz="2000" dirty="0"/>
+                </a:p>
+                <a:p>
+                  <a:pPr>
+                    <a:lnSpc>
+                      <a:spcPct val="150000"/>
+                    </a:lnSpc>
+                  </a:pPr>
+                  <a:r>
+                    <a:rPr lang="en-US" altLang="zh-CN" sz="2000" dirty="0"/>
+                    <a:t>        </a:t>
+                  </a:r>
+                  <a14:m>
+                    <m:oMath xmlns:m="http://schemas.openxmlformats.org/officeDocument/2006/math">
+                      <m:r>
+                        <a:rPr lang="en-US" altLang="zh-CN" sz="2000" b="0" i="1" smtClean="0">
+                          <a:latin typeface="Cambria Math" panose="02040503050406030204" pitchFamily="18" charset="0"/>
+                        </a:rPr>
+                        <m:t>𝑛𝑢𝑚</m:t>
+                      </m:r>
+                      <m:r>
+                        <a:rPr lang="en-US" altLang="zh-CN" sz="2000" b="0" i="1" smtClean="0">
+                          <a:latin typeface="Cambria Math" panose="02040503050406030204" pitchFamily="18" charset="0"/>
+                        </a:rPr>
+                        <m:t>=</m:t>
+                      </m:r>
+                      <m:r>
+                        <a:rPr lang="en-US" altLang="zh-CN" sz="2000" b="0" i="1" smtClean="0">
+                          <a:latin typeface="Cambria Math" panose="02040503050406030204" pitchFamily="18" charset="0"/>
+                        </a:rPr>
+                        <m:t>𝑑𝑖𝑔𝑖𝑡𝑠</m:t>
+                      </m:r>
+                      <m:r>
+                        <a:rPr lang="en-US" altLang="zh-CN" sz="2000" b="0" i="1" smtClean="0">
+                          <a:latin typeface="Cambria Math" panose="02040503050406030204" pitchFamily="18" charset="0"/>
+                        </a:rPr>
+                        <m:t> </m:t>
+                      </m:r>
+                      <m:r>
+                        <a:rPr lang="en-US" altLang="zh-CN" sz="2000" i="1">
+                          <a:latin typeface="Cambria Math" panose="02040503050406030204" pitchFamily="18" charset="0"/>
+                        </a:rPr>
+                        <m:t>𝑜𝑝𝑡𝑖𝑜𝑛𝑎𝑙</m:t>
+                      </m:r>
+                      <m:r>
+                        <a:rPr lang="en-US" altLang="zh-CN" sz="2000" i="1">
+                          <a:latin typeface="Cambria Math" panose="02040503050406030204" pitchFamily="18" charset="0"/>
+                        </a:rPr>
+                        <m:t>_</m:t>
+                      </m:r>
+                      <m:r>
+                        <a:rPr lang="en-US" altLang="zh-CN" sz="2000" i="1">
+                          <a:latin typeface="Cambria Math" panose="02040503050406030204" pitchFamily="18" charset="0"/>
+                        </a:rPr>
+                        <m:t>𝑓𝑟𝑎𝑐𝑡𝑖𝑜𝑛</m:t>
+                      </m:r>
+                    </m:oMath>
+                  </a14:m>
+                  <a:endParaRPr lang="en-US" altLang="zh-CN" sz="2000" b="0" dirty="0"/>
+                </a:p>
+                <a:p>
+                  <a:pPr>
+                    <a:lnSpc>
+                      <a:spcPct val="150000"/>
+                    </a:lnSpc>
+                  </a:pPr>
+                  <a:r>
+                    <a:rPr lang="en-US" altLang="zh-CN" sz="2000" dirty="0"/>
+                    <a:t>        </a:t>
+                  </a:r>
+                  <a14:m>
+                    <m:oMath xmlns:m="http://schemas.openxmlformats.org/officeDocument/2006/math">
+                      <m:r>
+                        <a:rPr lang="en-US" altLang="zh-CN" sz="2000" b="0" i="1" smtClean="0">
+                          <a:latin typeface="Cambria Math" panose="02040503050406030204" pitchFamily="18" charset="0"/>
+                        </a:rPr>
+                        <m:t>𝑜𝑝𝑒𝑟𝑎𝑡𝑜𝑟</m:t>
+                      </m:r>
+                      <m:r>
+                        <a:rPr lang="en-US" altLang="zh-CN" sz="2000" b="0" i="1" smtClean="0">
+                          <a:latin typeface="Cambria Math" panose="02040503050406030204" pitchFamily="18" charset="0"/>
+                        </a:rPr>
+                        <m:t>= ∩|∪|−|×|⋈|</m:t>
+                      </m:r>
+                      <m:r>
+                        <a:rPr lang="el-GR" altLang="zh-CN" sz="2000" i="1">
+                          <a:latin typeface="Cambria Math" panose="02040503050406030204" pitchFamily="18" charset="0"/>
+                          <a:ea typeface="Cambria Math" panose="02040503050406030204" pitchFamily="18" charset="0"/>
+                        </a:rPr>
+                        <m:t>𝜋</m:t>
+                      </m:r>
+                      <m:r>
+                        <a:rPr lang="el-GR" altLang="zh-CN" sz="2000" i="1">
+                          <a:latin typeface="Cambria Math" panose="02040503050406030204" pitchFamily="18" charset="0"/>
+                          <a:ea typeface="Cambria Math" panose="02040503050406030204" pitchFamily="18" charset="0"/>
+                        </a:rPr>
+                        <m:t>|</m:t>
+                      </m:r>
+                      <m:r>
+                        <a:rPr lang="el-GR" altLang="zh-CN" sz="2000" i="1">
+                          <a:latin typeface="Cambria Math" panose="02040503050406030204" pitchFamily="18" charset="0"/>
+                          <a:ea typeface="Cambria Math" panose="02040503050406030204" pitchFamily="18" charset="0"/>
+                        </a:rPr>
+                        <m:t>𝜎</m:t>
+                      </m:r>
+                      <m:r>
+                        <a:rPr lang="el-GR" altLang="zh-CN" sz="2000" i="1">
+                          <a:latin typeface="Cambria Math" panose="02040503050406030204" pitchFamily="18" charset="0"/>
+                          <a:ea typeface="Cambria Math" panose="02040503050406030204" pitchFamily="18" charset="0"/>
+                        </a:rPr>
+                        <m:t>|∧|∨|(|)|[|]|.|≤|≥|≠|&gt;|&lt;|=|</m:t>
+                      </m:r>
+                    </m:oMath>
+                  </a14:m>
+                  <a:endParaRPr lang="en-US" altLang="zh-CN" sz="2000" dirty="0"/>
+                </a:p>
+                <a:p>
+                  <a:pPr>
+                    <a:lnSpc>
+                      <a:spcPct val="150000"/>
+                    </a:lnSpc>
+                  </a:pPr>
+                  <a:r>
+                    <a:rPr lang="en-US" altLang="zh-CN" sz="2000" dirty="0"/>
+                    <a:t>        </a:t>
+                  </a:r>
+                  <a:r>
+                    <a:rPr lang="zh-CN" altLang="en-US" sz="2000" dirty="0"/>
+                    <a:t>其中，辅助定义式：</a:t>
+                  </a:r>
+                  <a:endParaRPr lang="en-US" altLang="zh-CN" sz="2000" dirty="0"/>
+                </a:p>
+                <a:p>
+                  <a:pPr>
+                    <a:lnSpc>
+                      <a:spcPct val="150000"/>
+                    </a:lnSpc>
+                  </a:pPr>
+                  <a:r>
+                    <a:rPr lang="en-US" altLang="zh-CN" sz="2000" dirty="0"/>
+                    <a:t>        </a:t>
+                  </a:r>
+                  <a14:m>
+                    <m:oMath xmlns:m="http://schemas.openxmlformats.org/officeDocument/2006/math">
+                      <m:r>
+                        <a:rPr lang="en-US" altLang="zh-CN" sz="2000" b="0" i="1" smtClean="0">
+                          <a:latin typeface="Cambria Math" panose="02040503050406030204" pitchFamily="18" charset="0"/>
+                        </a:rPr>
+                        <m:t>𝑐h𝑎𝑟</m:t>
+                      </m:r>
+                      <m:r>
+                        <a:rPr lang="en-US" altLang="zh-CN" sz="2000" b="0" i="1" smtClean="0">
+                          <a:latin typeface="Cambria Math" panose="02040503050406030204" pitchFamily="18" charset="0"/>
+                        </a:rPr>
+                        <m:t>=</m:t>
+                      </m:r>
+                      <m:d>
+                        <m:dPr>
+                          <m:begChr m:val="["/>
+                          <m:endChr m:val="]"/>
+                          <m:ctrlPr>
+                            <a:rPr lang="en-US" altLang="zh-CN" sz="2000" b="0" i="1" smtClean="0">
+                              <a:latin typeface="Cambria Math" panose="02040503050406030204" pitchFamily="18" charset="0"/>
+                            </a:rPr>
+                          </m:ctrlPr>
+                        </m:dPr>
+                        <m:e>
+                          <m:r>
+                            <a:rPr lang="en-US" altLang="zh-CN" sz="2000" b="0" i="1" smtClean="0">
+                              <a:latin typeface="Cambria Math" panose="02040503050406030204" pitchFamily="18" charset="0"/>
+                            </a:rPr>
+                            <m:t>𝑎</m:t>
+                          </m:r>
+                          <m:r>
+                            <a:rPr lang="en-US" altLang="zh-CN" sz="2000" b="0" i="1" smtClean="0">
+                              <a:latin typeface="Cambria Math" panose="02040503050406030204" pitchFamily="18" charset="0"/>
+                            </a:rPr>
+                            <m:t>−</m:t>
+                          </m:r>
+                          <m:r>
+                            <a:rPr lang="en-US" altLang="zh-CN" sz="2000" b="0" i="1" smtClean="0">
+                              <a:latin typeface="Cambria Math" panose="02040503050406030204" pitchFamily="18" charset="0"/>
+                            </a:rPr>
+                            <m:t>𝑧𝐴</m:t>
+                          </m:r>
+                          <m:r>
+                            <a:rPr lang="en-US" altLang="zh-CN" sz="2000" b="0" i="1" smtClean="0">
+                              <a:latin typeface="Cambria Math" panose="02040503050406030204" pitchFamily="18" charset="0"/>
+                            </a:rPr>
+                            <m:t>−</m:t>
+                          </m:r>
+                          <m:r>
+                            <a:rPr lang="en-US" altLang="zh-CN" sz="2000" b="0" i="1" smtClean="0">
+                              <a:latin typeface="Cambria Math" panose="02040503050406030204" pitchFamily="18" charset="0"/>
+                            </a:rPr>
+                            <m:t>𝑍</m:t>
+                          </m:r>
+                        </m:e>
+                      </m:d>
+                      <m:r>
+                        <a:rPr lang="zh-CN" altLang="en-US" sz="2000" i="1">
+                          <a:latin typeface="Cambria Math" panose="02040503050406030204" pitchFamily="18" charset="0"/>
+                        </a:rPr>
+                        <m:t>、</m:t>
+                      </m:r>
+                      <m:r>
+                        <a:rPr lang="en-US" altLang="zh-CN" sz="2000" i="1">
+                          <a:latin typeface="Cambria Math" panose="02040503050406030204" pitchFamily="18" charset="0"/>
+                        </a:rPr>
+                        <m:t>𝑑𝑖𝑔𝑖𝑡</m:t>
+                      </m:r>
+                      <m:r>
+                        <a:rPr lang="en-US" altLang="zh-CN" sz="2000" i="1">
+                          <a:latin typeface="Cambria Math" panose="02040503050406030204" pitchFamily="18" charset="0"/>
+                        </a:rPr>
+                        <m:t> = </m:t>
+                      </m:r>
+                      <m:d>
+                        <m:dPr>
+                          <m:begChr m:val="["/>
+                          <m:endChr m:val="]"/>
+                          <m:ctrlPr>
+                            <a:rPr lang="en-US" altLang="zh-CN" sz="2000" i="1">
+                              <a:latin typeface="Cambria Math" panose="02040503050406030204" pitchFamily="18" charset="0"/>
+                            </a:rPr>
+                          </m:ctrlPr>
+                        </m:dPr>
+                        <m:e>
+                          <m:r>
+                            <a:rPr lang="en-US" altLang="zh-CN" sz="2000" i="1">
+                              <a:latin typeface="Cambria Math" panose="02040503050406030204" pitchFamily="18" charset="0"/>
+                            </a:rPr>
+                            <m:t>0−9</m:t>
+                          </m:r>
+                        </m:e>
+                      </m:d>
+                      <m:r>
+                        <a:rPr lang="zh-CN" altLang="en-US" sz="2000" i="1" smtClean="0">
+                          <a:latin typeface="Cambria Math" panose="02040503050406030204" pitchFamily="18" charset="0"/>
+                        </a:rPr>
+                        <m:t>、</m:t>
+                      </m:r>
+                      <m:r>
+                        <a:rPr lang="en-US" altLang="zh-CN" sz="2000" i="1">
+                          <a:latin typeface="Cambria Math" panose="02040503050406030204" pitchFamily="18" charset="0"/>
+                        </a:rPr>
+                        <m:t>𝑑𝑖𝑔𝑖𝑡𝑠</m:t>
+                      </m:r>
+                      <m:r>
+                        <a:rPr lang="en-US" altLang="zh-CN" sz="2000" i="1">
+                          <a:latin typeface="Cambria Math" panose="02040503050406030204" pitchFamily="18" charset="0"/>
+                        </a:rPr>
+                        <m:t> = </m:t>
+                      </m:r>
+                      <m:sSup>
+                        <m:sSupPr>
+                          <m:ctrlPr>
+                            <a:rPr lang="en-US" altLang="zh-CN" sz="2000" i="1" smtClean="0">
+                              <a:latin typeface="Cambria Math" panose="02040503050406030204" pitchFamily="18" charset="0"/>
+                            </a:rPr>
+                          </m:ctrlPr>
+                        </m:sSupPr>
+                        <m:e>
+                          <m:r>
+                            <a:rPr lang="en-US" altLang="zh-CN" sz="2000" b="0" i="1" smtClean="0">
+                              <a:latin typeface="Cambria Math" panose="02040503050406030204" pitchFamily="18" charset="0"/>
+                            </a:rPr>
+                            <m:t>𝑑𝑖𝑔𝑖𝑡</m:t>
+                          </m:r>
+                        </m:e>
+                        <m:sup>
+                          <m:r>
+                            <a:rPr lang="en-US" altLang="zh-CN" sz="2000" b="0" i="1" smtClean="0">
+                              <a:latin typeface="Cambria Math" panose="02040503050406030204" pitchFamily="18" charset="0"/>
+                            </a:rPr>
+                            <m:t>+</m:t>
+                          </m:r>
+                        </m:sup>
+                      </m:sSup>
+                      <m:r>
+                        <a:rPr lang="zh-CN" altLang="en-US" sz="2000" i="1" smtClean="0">
+                          <a:latin typeface="Cambria Math" panose="02040503050406030204" pitchFamily="18" charset="0"/>
+                        </a:rPr>
+                        <m:t>、</m:t>
+                      </m:r>
+                      <m:r>
+                        <a:rPr lang="en-US" altLang="zh-CN" sz="2000" i="1">
+                          <a:latin typeface="Cambria Math" panose="02040503050406030204" pitchFamily="18" charset="0"/>
+                        </a:rPr>
+                        <m:t>𝑜𝑝𝑡𝑖𝑜𝑛𝑎𝑙</m:t>
+                      </m:r>
+                      <m:r>
+                        <a:rPr lang="en-US" altLang="zh-CN" sz="2000" i="1">
+                          <a:latin typeface="Cambria Math" panose="02040503050406030204" pitchFamily="18" charset="0"/>
+                        </a:rPr>
+                        <m:t>_</m:t>
+                      </m:r>
+                      <m:r>
+                        <a:rPr lang="en-US" altLang="zh-CN" sz="2000" i="1">
+                          <a:latin typeface="Cambria Math" panose="02040503050406030204" pitchFamily="18" charset="0"/>
+                        </a:rPr>
+                        <m:t>𝑓𝑟𝑎𝑐𝑡𝑖𝑜𝑛</m:t>
+                      </m:r>
+                      <m:r>
+                        <a:rPr lang="en-US" altLang="zh-CN" sz="2000" i="1">
+                          <a:latin typeface="Cambria Math" panose="02040503050406030204" pitchFamily="18" charset="0"/>
+                        </a:rPr>
+                        <m:t> = (.</m:t>
+                      </m:r>
+                      <m:r>
+                        <a:rPr lang="en-US" altLang="zh-CN" sz="2000" i="1">
+                          <a:latin typeface="Cambria Math" panose="02040503050406030204" pitchFamily="18" charset="0"/>
+                        </a:rPr>
+                        <m:t>𝑑𝑖𝑔𝑖𝑡𝑠</m:t>
+                      </m:r>
+                      <m:r>
+                        <a:rPr lang="en-US" altLang="zh-CN" sz="2000" i="1">
+                          <a:latin typeface="Cambria Math" panose="02040503050406030204" pitchFamily="18" charset="0"/>
+                        </a:rPr>
+                        <m:t>)?</m:t>
+                      </m:r>
+                    </m:oMath>
+                  </a14:m>
+                  <a:endParaRPr lang="en-US" altLang="zh-CN" sz="2000" dirty="0"/>
+                </a:p>
+              </p:txBody>
+            </p:sp>
+          </mc:Choice>
+          <mc:Fallback>
+            <p:sp>
+              <p:nvSpPr>
+                <p:cNvPr id="7" name="文本框 6">
+                  <a:extLst>
+                    <a:ext uri="{FF2B5EF4-FFF2-40B4-BE49-F238E27FC236}">
+                      <a16:creationId xmlns:a16="http://schemas.microsoft.com/office/drawing/2014/main" id="{3BCFD3A5-941E-A3FF-554D-046E7DA5D53F}"/>
+                    </a:ext>
+                  </a:extLst>
+                </p:cNvPr>
+                <p:cNvSpPr txBox="1">
+                  <a:spLocks noRot="1" noChangeAspect="1" noMove="1" noResize="1" noEditPoints="1" noAdjustHandles="1" noChangeArrowheads="1" noChangeShapeType="1" noTextEdit="1"/>
+                </p:cNvSpPr>
+                <p:nvPr/>
+              </p:nvSpPr>
+              <p:spPr>
+                <a:xfrm>
+                  <a:off x="382691" y="1692237"/>
+                  <a:ext cx="11183998" cy="4789773"/>
+                </a:xfrm>
+                <a:prstGeom prst="rect">
+                  <a:avLst/>
+                </a:prstGeom>
+                <a:blipFill>
+                  <a:blip r:embed="rId3"/>
+                  <a:stretch>
+                    <a:fillRect l="-600"/>
+                  </a:stretch>
+                </a:blipFill>
+              </p:spPr>
+              <p:txBody>
+                <a:bodyPr/>
+                <a:lstStyle/>
+                <a:p>
+                  <a:r>
+                    <a:rPr lang="zh-CN" altLang="en-US">
+                      <a:noFill/>
+                    </a:rPr>
+                    <a:t> </a:t>
+                  </a:r>
+                </a:p>
+              </p:txBody>
+            </p:sp>
+          </mc:Fallback>
+        </mc:AlternateContent>
+      </p:grpSp>
+      <p:sp>
+        <p:nvSpPr>
+          <p:cNvPr id="4" name="Rectangle 2">
+            <a:extLst>
+              <a:ext uri="{FF2B5EF4-FFF2-40B4-BE49-F238E27FC236}">
+                <a16:creationId xmlns:a16="http://schemas.microsoft.com/office/drawing/2014/main" id="{3CEF5677-BCF0-65DA-D417-D70D14D81F64}"/>
+              </a:ext>
+            </a:extLst>
+          </p:cNvPr>
+          <p:cNvSpPr>
+            <a:spLocks noChangeArrowheads="1"/>
+          </p:cNvSpPr>
+          <p:nvPr/>
+        </p:nvSpPr>
+        <p:spPr bwMode="auto">
+          <a:xfrm>
+            <a:off x="0" y="0"/>
+            <a:ext cx="12192000" cy="0"/>
+          </a:xfrm>
+          <a:prstGeom prst="rect">
+            <a:avLst/>
+          </a:prstGeom>
+          <a:noFill/>
+          <a:ln>
+            <a:noFill/>
+          </a:ln>
+          <a:effectLst/>
+          <a:extLst>
+            <a:ext uri="{909E8E84-426E-40DD-AFC4-6F175D3DCCD1}">
+              <a14:hiddenFill xmlns:a14="http://schemas.microsoft.com/office/drawing/2010/main">
+                <a:solidFill>
+                  <a:schemeClr val="accent1"/>
+                </a:solidFill>
+              </a14:hiddenFill>
+            </a:ext>
+            <a:ext uri="{91240B29-F687-4F45-9708-019B960494DF}">
+              <a14:hiddenLine xmlns:a14="http://schemas.microsoft.com/office/drawing/2010/main" w="9525">
+                <a:solidFill>
+                  <a:schemeClr val="tx1"/>
+                </a:solidFill>
+                <a:miter lim="800000"/>
+                <a:headEnd/>
+                <a:tailEnd/>
+              </a14:hiddenLine>
+            </a:ext>
+            <a:ext uri="{AF507438-7753-43E0-B8FC-AC1667EBCBE1}">
+              <a14:hiddenEffects xmlns:a14="http://schemas.microsoft.com/office/drawing/2010/main">
+                <a:effectLst>
+                  <a:outerShdw dist="35921" dir="2700000" algn="ctr" rotWithShape="0">
+                    <a:schemeClr val="bg2"/>
+                  </a:outerShdw>
+                </a:effectLst>
+              </a14:hiddenEffects>
+            </a:ext>
+          </a:extLst>
+        </p:spPr>
+        <p:txBody>
+          <a:bodyPr vert="horz" wrap="none" lIns="91440" tIns="45720" rIns="91440" bIns="45720" numCol="1" anchor="ctr" anchorCtr="0" compatLnSpc="1">
+            <a:prstTxWarp prst="textNoShape">
+              <a:avLst/>
+            </a:prstTxWarp>
+            <a:spAutoFit/>
+          </a:bodyPr>
+          <a:lstStyle/>
+          <a:p>
+            <a:endParaRPr lang="zh-CN" altLang="en-US"/>
+          </a:p>
+        </p:txBody>
+      </p:sp>
+    </p:spTree>
+    <p:extLst>
+      <p:ext uri="{BB962C8B-B14F-4D97-AF65-F5344CB8AC3E}">
+        <p14:creationId xmlns:p14="http://schemas.microsoft.com/office/powerpoint/2010/main" val="3877373622"/>
+      </p:ext>
+    </p:extLst>
+  </p:cSld>
+  <p:clrMapOvr>
+    <a:masterClrMapping/>
+  </p:clrMapOvr>
+  <p:transition spd="slow" advTm="0">
+    <p:push dir="r"/>
+  </p:transition>
+  <p:timing>
+    <p:tnLst>
+      <p:par>
+        <p:cTn id="1" dur="indefinite" restart="never" nodeType="tmRoot">
+          <p:childTnLst>
+            <p:seq concurrent="1" nextAc="seek">
+              <p:cTn id="2" dur="indefinite" nodeType="mainSeq">
+                <p:childTnLst>
+                  <p:par>
+                    <p:cTn id="3" fill="hold">
+                      <p:stCondLst>
+                        <p:cond delay="indefinite"/>
+                        <p:cond evt="onBegin" delay="0">
+                          <p:tn val="2"/>
+                        </p:cond>
+                      </p:stCondLst>
+                      <p:childTnLst>
+                        <p:par>
+                          <p:cTn id="4" fill="hold">
+                            <p:stCondLst>
+                              <p:cond delay="0"/>
+                            </p:stCondLst>
+                            <p:childTnLst>
+                              <p:par>
+                                <p:cTn id="5" presetID="12" presetClass="entr" presetSubtype="1" fill="hold" nodeType="withEffect">
+                                  <p:stCondLst>
+                                    <p:cond delay="0"/>
+                                  </p:stCondLst>
+                                  <p:childTnLst>
+                                    <p:set>
+                                      <p:cBhvr>
+                                        <p:cTn id="6" dur="1" fill="hold">
+                                          <p:stCondLst>
+                                            <p:cond delay="0"/>
+                                          </p:stCondLst>
+                                        </p:cTn>
+                                        <p:tgtEl>
+                                          <p:spTgt spid="9"/>
+                                        </p:tgtEl>
+                                        <p:attrNameLst>
+                                          <p:attrName>style.visibility</p:attrName>
+                                        </p:attrNameLst>
+                                      </p:cBhvr>
+                                      <p:to>
+                                        <p:strVal val="visible"/>
+                                      </p:to>
+                                    </p:set>
+                                    <p:anim calcmode="lin" valueType="num">
+                                      <p:cBhvr additive="base">
+                                        <p:cTn id="7" dur="500"/>
+                                        <p:tgtEl>
+                                          <p:spTgt spid="9"/>
+                                        </p:tgtEl>
+                                        <p:attrNameLst>
+                                          <p:attrName>ppt_y</p:attrName>
+                                        </p:attrNameLst>
+                                      </p:cBhvr>
+                                      <p:tavLst>
+                                        <p:tav tm="0">
+                                          <p:val>
+                                            <p:strVal val="#ppt_y-#ppt_h*1.125000"/>
+                                          </p:val>
+                                        </p:tav>
+                                        <p:tav tm="100000">
+                                          <p:val>
+                                            <p:strVal val="#ppt_y"/>
+                                          </p:val>
+                                        </p:tav>
+                                      </p:tavLst>
+                                    </p:anim>
+                                    <p:animEffect transition="in" filter="wipe(down)">
+                                      <p:cBhvr>
+                                        <p:cTn id="8" dur="500"/>
+                                        <p:tgtEl>
+                                          <p:spTgt spid="9"/>
+                                        </p:tgtEl>
+                                      </p:cBhvr>
+                                    </p:animEffect>
+                                  </p:childTnLst>
+                                </p:cTn>
+                              </p:par>
+                              <p:par>
+                                <p:cTn id="9" presetID="41" presetClass="entr" presetSubtype="0" fill="hold" grpId="0" nodeType="withEffect">
+                                  <p:stCondLst>
+                                    <p:cond delay="0"/>
+                                  </p:stCondLst>
+                                  <p:iterate type="lt">
+                                    <p:tmPct val="10000"/>
+                                  </p:iterate>
+                                  <p:childTnLst>
+                                    <p:set>
+                                      <p:cBhvr>
+                                        <p:cTn id="10" dur="1" fill="hold">
+                                          <p:stCondLst>
+                                            <p:cond delay="0"/>
+                                          </p:stCondLst>
+                                        </p:cTn>
+                                        <p:tgtEl>
+                                          <p:spTgt spid="8"/>
+                                        </p:tgtEl>
+                                        <p:attrNameLst>
+                                          <p:attrName>style.visibility</p:attrName>
+                                        </p:attrNameLst>
+                                      </p:cBhvr>
+                                      <p:to>
+                                        <p:strVal val="visible"/>
+                                      </p:to>
+                                    </p:set>
+                                    <p:anim calcmode="lin" valueType="num">
+                                      <p:cBhvr>
+                                        <p:cTn id="11" dur="500" fill="hold"/>
+                                        <p:tgtEl>
+                                          <p:spTgt spid="8"/>
+                                        </p:tgtEl>
+                                        <p:attrNameLst>
+                                          <p:attrName>ppt_x</p:attrName>
+                                        </p:attrNameLst>
+                                      </p:cBhvr>
+                                      <p:tavLst>
+                                        <p:tav tm="0">
+                                          <p:val>
+                                            <p:strVal val="#ppt_x"/>
+                                          </p:val>
+                                        </p:tav>
+                                        <p:tav tm="50000">
+                                          <p:val>
+                                            <p:strVal val="#ppt_x+.1"/>
+                                          </p:val>
+                                        </p:tav>
+                                        <p:tav tm="100000">
+                                          <p:val>
+                                            <p:strVal val="#ppt_x"/>
+                                          </p:val>
+                                        </p:tav>
+                                      </p:tavLst>
+                                    </p:anim>
+                                    <p:anim calcmode="lin" valueType="num">
+                                      <p:cBhvr>
+                                        <p:cTn id="12" dur="500" fill="hold"/>
+                                        <p:tgtEl>
+                                          <p:spTgt spid="8"/>
+                                        </p:tgtEl>
+                                        <p:attrNameLst>
+                                          <p:attrName>ppt_y</p:attrName>
+                                        </p:attrNameLst>
+                                      </p:cBhvr>
+                                      <p:tavLst>
+                                        <p:tav tm="0">
+                                          <p:val>
+                                            <p:strVal val="#ppt_y"/>
+                                          </p:val>
+                                        </p:tav>
+                                        <p:tav tm="100000">
+                                          <p:val>
+                                            <p:strVal val="#ppt_y"/>
+                                          </p:val>
+                                        </p:tav>
+                                      </p:tavLst>
+                                    </p:anim>
+                                    <p:anim calcmode="lin" valueType="num">
+                                      <p:cBhvr>
+                                        <p:cTn id="13" dur="500" fill="hold"/>
+                                        <p:tgtEl>
+                                          <p:spTgt spid="8"/>
+                                        </p:tgtEl>
+                                        <p:attrNameLst>
+                                          <p:attrName>ppt_h</p:attrName>
+                                        </p:attrNameLst>
+                                      </p:cBhvr>
+                                      <p:tavLst>
+                                        <p:tav tm="0">
+                                          <p:val>
+                                            <p:strVal val="#ppt_h/10"/>
+                                          </p:val>
+                                        </p:tav>
+                                        <p:tav tm="50000">
+                                          <p:val>
+                                            <p:strVal val="#ppt_h+.01"/>
+                                          </p:val>
+                                        </p:tav>
+                                        <p:tav tm="100000">
+                                          <p:val>
+                                            <p:strVal val="#ppt_h"/>
+                                          </p:val>
+                                        </p:tav>
+                                      </p:tavLst>
+                                    </p:anim>
+                                    <p:anim calcmode="lin" valueType="num">
+                                      <p:cBhvr>
+                                        <p:cTn id="14" dur="500" fill="hold"/>
+                                        <p:tgtEl>
+                                          <p:spTgt spid="8"/>
+                                        </p:tgtEl>
+                                        <p:attrNameLst>
+                                          <p:attrName>ppt_w</p:attrName>
+                                        </p:attrNameLst>
+                                      </p:cBhvr>
+                                      <p:tavLst>
+                                        <p:tav tm="0">
+                                          <p:val>
+                                            <p:strVal val="#ppt_w/10"/>
+                                          </p:val>
+                                        </p:tav>
+                                        <p:tav tm="50000">
+                                          <p:val>
+                                            <p:strVal val="#ppt_w+.01"/>
+                                          </p:val>
+                                        </p:tav>
+                                        <p:tav tm="100000">
+                                          <p:val>
+                                            <p:strVal val="#ppt_w"/>
+                                          </p:val>
+                                        </p:tav>
+                                      </p:tavLst>
+                                    </p:anim>
+                                    <p:animEffect transition="in" filter="fade">
+                                      <p:cBhvr>
+                                        <p:cTn id="15" dur="500" tmFilter="0,0; .5, 1; 1, 1"/>
+                                        <p:tgtEl>
+                                          <p:spTgt spid="8"/>
+                                        </p:tgtEl>
+                                      </p:cBhvr>
+                                    </p:animEffect>
+                                  </p:childTnLst>
+                                </p:cTn>
+                              </p:par>
+                            </p:childTnLst>
+                          </p:cTn>
+                        </p:par>
+                      </p:childTnLst>
+                    </p:cTn>
+                  </p:par>
+                </p:childTnLst>
+              </p:cTn>
+              <p:prevCondLst>
+                <p:cond evt="onPrev" delay="0">
+                  <p:tgtEl>
+                    <p:sldTgt/>
+                  </p:tgtEl>
+                </p:cond>
+              </p:prevCondLst>
+              <p:nextCondLst>
+                <p:cond evt="onNext" delay="0">
+                  <p:tgtEl>
+                    <p:sldTgt/>
+                  </p:tgtEl>
+                </p:cond>
+              </p:nextCondLst>
+            </p:seq>
+          </p:childTnLst>
+        </p:cTn>
+      </p:par>
+    </p:tnLst>
+    <p:bldLst>
+      <p:bldP spid="8" grpId="0"/>
+    </p:bldLst>
+  </p:timing>
+</p:sld>
+</file>
+
+<file path=ppt/slides/slide12.xml><?xml version="1.0" encoding="utf-8"?>
+<p:sld xmlns:a="http://schemas.openxmlformats.org/drawingml/2006/main" xmlns:r="http://schemas.openxmlformats.org/officeDocument/2006/relationships" xmlns:p="http://schemas.openxmlformats.org/presentationml/2006/main">
+  <p:cSld>
+    <p:spTree>
+      <p:nvGrpSpPr>
+        <p:cNvPr id="1" name=""/>
+        <p:cNvGrpSpPr/>
+        <p:nvPr/>
+      </p:nvGrpSpPr>
+      <p:grpSpPr>
+        <a:xfrm>
+          <a:off x="0" y="0"/>
+          <a:ext cx="0" cy="0"/>
+          <a:chOff x="0" y="0"/>
+          <a:chExt cx="0" cy="0"/>
+        </a:xfrm>
+      </p:grpSpPr>
+      <p:pic>
+        <p:nvPicPr>
+          <p:cNvPr id="28" name="图片 27"/>
+          <p:cNvPicPr>
+            <a:picLocks noChangeAspect="1"/>
+          </p:cNvPicPr>
+          <p:nvPr/>
+        </p:nvPicPr>
+        <p:blipFill>
+          <a:blip r:embed="rId2" cstate="print">
+            <a:extLst>
+              <a:ext uri="{28A0092B-C50C-407E-A947-70E740481C1C}">
+                <a14:useLocalDpi xmlns:a14="http://schemas.microsoft.com/office/drawing/2010/main" val="0"/>
+              </a:ext>
+            </a:extLst>
+          </a:blip>
+          <a:stretch>
+            <a:fillRect/>
+          </a:stretch>
+        </p:blipFill>
+        <p:spPr>
+          <a:xfrm>
+            <a:off x="11170897" y="0"/>
+            <a:ext cx="1003301" cy="1003301"/>
+          </a:xfrm>
+          <a:prstGeom prst="rect">
+            <a:avLst/>
+          </a:prstGeom>
+        </p:spPr>
+      </p:pic>
+      <p:grpSp>
+        <p:nvGrpSpPr>
+          <p:cNvPr id="9" name="组合 8">
+            <a:extLst>
+              <a:ext uri="{FF2B5EF4-FFF2-40B4-BE49-F238E27FC236}">
+                <a16:creationId xmlns:a16="http://schemas.microsoft.com/office/drawing/2014/main" id="{1E87FA18-E309-46C3-88C5-69127E8B627A}"/>
+              </a:ext>
+            </a:extLst>
+          </p:cNvPr>
+          <p:cNvGrpSpPr/>
+          <p:nvPr/>
+        </p:nvGrpSpPr>
+        <p:grpSpPr>
+          <a:xfrm>
+            <a:off x="0" y="188687"/>
+            <a:ext cx="188686" cy="592364"/>
+            <a:chOff x="11571416" y="3959358"/>
+            <a:chExt cx="620584" cy="1723139"/>
+          </a:xfrm>
+        </p:grpSpPr>
+        <p:sp>
+          <p:nvSpPr>
+            <p:cNvPr id="10" name="矩形 9">
+              <a:extLst>
+                <a:ext uri="{FF2B5EF4-FFF2-40B4-BE49-F238E27FC236}">
+                  <a16:creationId xmlns:a16="http://schemas.microsoft.com/office/drawing/2014/main" id="{A58BEC02-D06B-452D-8F7B-1C1336BD8F99}"/>
+                </a:ext>
+              </a:extLst>
+            </p:cNvPr>
+            <p:cNvSpPr/>
+            <p:nvPr/>
+          </p:nvSpPr>
+          <p:spPr>
+            <a:xfrm>
+              <a:off x="11571416" y="3959358"/>
+              <a:ext cx="620584" cy="1723137"/>
+            </a:xfrm>
+            <a:prstGeom prst="rect">
+              <a:avLst/>
+            </a:prstGeom>
+            <a:solidFill>
+              <a:srgbClr val="3E4150"/>
+            </a:solidFill>
+            <a:ln>
+              <a:noFill/>
+            </a:ln>
+          </p:spPr>
+          <p:style>
+            <a:lnRef idx="2">
+              <a:schemeClr val="accent1">
+                <a:shade val="50000"/>
+              </a:schemeClr>
+            </a:lnRef>
+            <a:fillRef idx="1">
+              <a:schemeClr val="accent1"/>
+            </a:fillRef>
+            <a:effectRef idx="0">
+              <a:schemeClr val="accent1"/>
+            </a:effectRef>
+            <a:fontRef idx="minor">
+              <a:schemeClr val="lt1"/>
+            </a:fontRef>
+          </p:style>
+          <p:txBody>
+            <a:bodyPr rtlCol="0" anchor="ctr"/>
+            <a:lstStyle/>
+            <a:p>
+              <a:pPr algn="ctr"/>
+              <a:endParaRPr lang="zh-CN" altLang="en-US"/>
+            </a:p>
+          </p:txBody>
+        </p:sp>
+        <p:sp>
+          <p:nvSpPr>
+            <p:cNvPr id="11" name="矩形 10">
+              <a:extLst>
+                <a:ext uri="{FF2B5EF4-FFF2-40B4-BE49-F238E27FC236}">
+                  <a16:creationId xmlns:a16="http://schemas.microsoft.com/office/drawing/2014/main" id="{209B855B-0480-496A-86C1-B9AF7565F315}"/>
+                </a:ext>
+              </a:extLst>
+            </p:cNvPr>
+            <p:cNvSpPr/>
+            <p:nvPr/>
+          </p:nvSpPr>
+          <p:spPr>
+            <a:xfrm>
+              <a:off x="11571416" y="5115169"/>
+              <a:ext cx="620584" cy="567328"/>
+            </a:xfrm>
+            <a:prstGeom prst="rect">
+              <a:avLst/>
+            </a:prstGeom>
+            <a:solidFill>
+              <a:srgbClr val="CF0101"/>
+            </a:solidFill>
+            <a:ln>
+              <a:noFill/>
+            </a:ln>
+          </p:spPr>
+          <p:style>
+            <a:lnRef idx="2">
+              <a:schemeClr val="accent1">
+                <a:shade val="50000"/>
+              </a:schemeClr>
+            </a:lnRef>
+            <a:fillRef idx="1">
+              <a:schemeClr val="accent1"/>
+            </a:fillRef>
+            <a:effectRef idx="0">
+              <a:schemeClr val="accent1"/>
+            </a:effectRef>
+            <a:fontRef idx="minor">
+              <a:schemeClr val="lt1"/>
+            </a:fontRef>
+          </p:style>
+          <p:txBody>
+            <a:bodyPr rtlCol="0" anchor="ctr"/>
+            <a:lstStyle/>
+            <a:p>
+              <a:pPr algn="ctr"/>
+              <a:endParaRPr lang="zh-CN" altLang="en-US"/>
+            </a:p>
+          </p:txBody>
+        </p:sp>
+      </p:grpSp>
+      <p:sp>
+        <p:nvSpPr>
+          <p:cNvPr id="8" name="文本框 7">
+            <a:extLst>
+              <a:ext uri="{FF2B5EF4-FFF2-40B4-BE49-F238E27FC236}">
+                <a16:creationId xmlns:a16="http://schemas.microsoft.com/office/drawing/2014/main" id="{3BEDCBC1-F8B4-45D4-8F8F-4F5C2F49F8C8}"/>
+              </a:ext>
+            </a:extLst>
+          </p:cNvPr>
+          <p:cNvSpPr txBox="1"/>
+          <p:nvPr/>
+        </p:nvSpPr>
+        <p:spPr>
+          <a:xfrm>
+            <a:off x="414673" y="178263"/>
+            <a:ext cx="4339650" cy="646331"/>
+          </a:xfrm>
+          <a:prstGeom prst="rect">
+            <a:avLst/>
+          </a:prstGeom>
+          <a:noFill/>
+        </p:spPr>
+        <p:txBody>
+          <a:bodyPr wrap="none" rtlCol="0">
+            <a:spAutoFit/>
+          </a:bodyPr>
+          <a:lstStyle/>
+          <a:p>
+            <a:r>
+              <a:rPr lang="zh-CN" altLang="en-US" sz="3600" b="1" dirty="0">
+                <a:solidFill>
+                  <a:srgbClr val="3E4150"/>
+                </a:solidFill>
+                <a:latin typeface="微软雅黑" panose="020B0503020204020204" pitchFamily="34" charset="-122"/>
+                <a:ea typeface="微软雅黑" panose="020B0503020204020204" pitchFamily="34" charset="-122"/>
+              </a:rPr>
+              <a:t>解决关键问题的算法</a:t>
+            </a:r>
+          </a:p>
+        </p:txBody>
+      </p:sp>
       <p:sp>
         <p:nvSpPr>
           <p:cNvPr id="4" name="Rectangle 2">
@@ -4859,7 +6804,7 @@
 </p:sld>
 </file>
 
-<file path=ppt/slides/slide11.xml><?xml version="1.0" encoding="utf-8"?>
+<file path=ppt/slides/slide13.xml><?xml version="1.0" encoding="utf-8"?>
 <p:sld xmlns:a="http://schemas.openxmlformats.org/drawingml/2006/main" xmlns:r="http://schemas.openxmlformats.org/officeDocument/2006/relationships" xmlns:p="http://schemas.openxmlformats.org/presentationml/2006/main">
   <p:cSld>
     <p:spTree>
@@ -5502,7 +7447,7 @@
 </p:sld>
 </file>
 
-<file path=ppt/slides/slide12.xml><?xml version="1.0" encoding="utf-8"?>
+<file path=ppt/slides/slide14.xml><?xml version="1.0" encoding="utf-8"?>
 <p:sld xmlns:a="http://schemas.openxmlformats.org/drawingml/2006/main" xmlns:r="http://schemas.openxmlformats.org/officeDocument/2006/relationships" xmlns:p="http://schemas.openxmlformats.org/presentationml/2006/main">
   <p:cSld>
     <p:spTree>
@@ -6152,7 +8097,7 @@
 </p:sld>
 </file>
 
-<file path=ppt/slides/slide13.xml><?xml version="1.0" encoding="utf-8"?>
+<file path=ppt/slides/slide15.xml><?xml version="1.0" encoding="utf-8"?>
 <p:sld xmlns:a="http://schemas.openxmlformats.org/drawingml/2006/main" xmlns:r="http://schemas.openxmlformats.org/officeDocument/2006/relationships" xmlns:p="http://schemas.openxmlformats.org/presentationml/2006/main">
   <p:cSld>
     <p:spTree>
@@ -6777,7 +8722,7 @@
 </p:sld>
 </file>
 
-<file path=ppt/slides/slide14.xml><?xml version="1.0" encoding="utf-8"?>
+<file path=ppt/slides/slide16.xml><?xml version="1.0" encoding="utf-8"?>
 <p:sld xmlns:a="http://schemas.openxmlformats.org/drawingml/2006/main" xmlns:r="http://schemas.openxmlformats.org/officeDocument/2006/relationships" xmlns:p="http://schemas.openxmlformats.org/presentationml/2006/main">
   <p:cSld>
     <p:spTree>
@@ -7425,7 +9370,7 @@
 </p:sld>
 </file>
 
-<file path=ppt/slides/slide15.xml><?xml version="1.0" encoding="utf-8"?>
+<file path=ppt/slides/slide17.xml><?xml version="1.0" encoding="utf-8"?>
 <p:sld xmlns:a="http://schemas.openxmlformats.org/drawingml/2006/main" xmlns:r="http://schemas.openxmlformats.org/officeDocument/2006/relationships" xmlns:p="http://schemas.openxmlformats.org/presentationml/2006/main">
   <p:cSld>
     <p:spTree>
@@ -8051,7 +9996,7 @@
 </p:sld>
 </file>
 
-<file path=ppt/slides/slide16.xml><?xml version="1.0" encoding="utf-8"?>
+<file path=ppt/slides/slide18.xml><?xml version="1.0" encoding="utf-8"?>
 <p:sld xmlns:a="http://schemas.openxmlformats.org/drawingml/2006/main" xmlns:r="http://schemas.openxmlformats.org/officeDocument/2006/relationships" xmlns:p="http://schemas.openxmlformats.org/presentationml/2006/main">
   <p:cSld>
     <p:spTree>
@@ -8728,7 +10673,7 @@
 </p:sld>
 </file>
 
-<file path=ppt/slides/slide17.xml><?xml version="1.0" encoding="utf-8"?>
+<file path=ppt/slides/slide19.xml><?xml version="1.0" encoding="utf-8"?>
 <p:sld xmlns:a="http://schemas.openxmlformats.org/drawingml/2006/main" xmlns:r="http://schemas.openxmlformats.org/officeDocument/2006/relationships" xmlns:p="http://schemas.openxmlformats.org/presentationml/2006/main">
   <p:cSld>
     <p:spTree>
@@ -8994,7 +10939,7 @@
                   <a:latin typeface="黑体" panose="02010609060101010101" pitchFamily="49" charset="-122"/>
                   <a:ea typeface="黑体" panose="02010609060101010101" pitchFamily="49" charset="-122"/>
                 </a:rPr>
-                <a:t>	2.</a:t>
+                <a:t>	3.</a:t>
               </a:r>
               <a:r>
                 <a:rPr lang="zh-CN" altLang="en-US" sz="2500" b="1" dirty="0">
@@ -9394,7 +11339,487 @@
 </p:sld>
 </file>
 
-<file path=ppt/slides/slide18.xml><?xml version="1.0" encoding="utf-8"?>
+<file path=ppt/slides/slide2.xml><?xml version="1.0" encoding="utf-8"?>
+<p:sld xmlns:a="http://schemas.openxmlformats.org/drawingml/2006/main" xmlns:r="http://schemas.openxmlformats.org/officeDocument/2006/relationships" xmlns:p="http://schemas.openxmlformats.org/presentationml/2006/main">
+  <p:cSld>
+    <p:spTree>
+      <p:nvGrpSpPr>
+        <p:cNvPr id="1" name=""/>
+        <p:cNvGrpSpPr/>
+        <p:nvPr/>
+      </p:nvGrpSpPr>
+      <p:grpSpPr>
+        <a:xfrm>
+          <a:off x="0" y="0"/>
+          <a:ext cx="0" cy="0"/>
+          <a:chOff x="0" y="0"/>
+          <a:chExt cx="0" cy="0"/>
+        </a:xfrm>
+      </p:grpSpPr>
+      <p:sp>
+        <p:nvSpPr>
+          <p:cNvPr id="7" name="文本框 6"/>
+          <p:cNvSpPr txBox="1"/>
+          <p:nvPr/>
+        </p:nvSpPr>
+        <p:spPr>
+          <a:xfrm>
+            <a:off x="4618672" y="2967335"/>
+            <a:ext cx="2954655" cy="923330"/>
+          </a:xfrm>
+          <a:prstGeom prst="rect">
+            <a:avLst/>
+          </a:prstGeom>
+          <a:noFill/>
+        </p:spPr>
+        <p:txBody>
+          <a:bodyPr wrap="none" rtlCol="0">
+            <a:spAutoFit/>
+          </a:bodyPr>
+          <a:lstStyle/>
+          <a:p>
+            <a:r>
+              <a:rPr lang="zh-CN" altLang="en-US" sz="5400" b="1" dirty="0">
+                <a:solidFill>
+                  <a:srgbClr val="3E4150"/>
+                </a:solidFill>
+                <a:latin typeface="微软雅黑" panose="020B0503020204020204" pitchFamily="34" charset="-122"/>
+                <a:ea typeface="微软雅黑" panose="020B0503020204020204" pitchFamily="34" charset="-122"/>
+              </a:rPr>
+              <a:t>需求分析</a:t>
+            </a:r>
+          </a:p>
+        </p:txBody>
+      </p:sp>
+      <p:pic>
+        <p:nvPicPr>
+          <p:cNvPr id="28" name="图片 27"/>
+          <p:cNvPicPr>
+            <a:picLocks noChangeAspect="1"/>
+          </p:cNvPicPr>
+          <p:nvPr/>
+        </p:nvPicPr>
+        <p:blipFill>
+          <a:blip r:embed="rId2" cstate="print">
+            <a:extLst>
+              <a:ext uri="{28A0092B-C50C-407E-A947-70E740481C1C}">
+                <a14:useLocalDpi xmlns:a14="http://schemas.microsoft.com/office/drawing/2010/main" val="0"/>
+              </a:ext>
+            </a:extLst>
+          </a:blip>
+          <a:stretch>
+            <a:fillRect/>
+          </a:stretch>
+        </p:blipFill>
+        <p:spPr>
+          <a:xfrm>
+            <a:off x="11170897" y="0"/>
+            <a:ext cx="1003301" cy="1003301"/>
+          </a:xfrm>
+          <a:prstGeom prst="rect">
+            <a:avLst/>
+          </a:prstGeom>
+        </p:spPr>
+      </p:pic>
+      <p:grpSp>
+        <p:nvGrpSpPr>
+          <p:cNvPr id="9" name="组合 8">
+            <a:extLst>
+              <a:ext uri="{FF2B5EF4-FFF2-40B4-BE49-F238E27FC236}">
+                <a16:creationId xmlns:a16="http://schemas.microsoft.com/office/drawing/2014/main" id="{1E87FA18-E309-46C3-88C5-69127E8B627A}"/>
+              </a:ext>
+            </a:extLst>
+          </p:cNvPr>
+          <p:cNvGrpSpPr/>
+          <p:nvPr/>
+        </p:nvGrpSpPr>
+        <p:grpSpPr>
+          <a:xfrm>
+            <a:off x="0" y="188687"/>
+            <a:ext cx="188686" cy="592364"/>
+            <a:chOff x="11571416" y="3959358"/>
+            <a:chExt cx="620584" cy="1723139"/>
+          </a:xfrm>
+        </p:grpSpPr>
+        <p:sp>
+          <p:nvSpPr>
+            <p:cNvPr id="10" name="矩形 9">
+              <a:extLst>
+                <a:ext uri="{FF2B5EF4-FFF2-40B4-BE49-F238E27FC236}">
+                  <a16:creationId xmlns:a16="http://schemas.microsoft.com/office/drawing/2014/main" id="{A58BEC02-D06B-452D-8F7B-1C1336BD8F99}"/>
+                </a:ext>
+              </a:extLst>
+            </p:cNvPr>
+            <p:cNvSpPr/>
+            <p:nvPr/>
+          </p:nvSpPr>
+          <p:spPr>
+            <a:xfrm>
+              <a:off x="11571416" y="3959358"/>
+              <a:ext cx="620584" cy="1723137"/>
+            </a:xfrm>
+            <a:prstGeom prst="rect">
+              <a:avLst/>
+            </a:prstGeom>
+            <a:solidFill>
+              <a:srgbClr val="3E4150"/>
+            </a:solidFill>
+            <a:ln>
+              <a:noFill/>
+            </a:ln>
+          </p:spPr>
+          <p:style>
+            <a:lnRef idx="2">
+              <a:schemeClr val="accent1">
+                <a:shade val="50000"/>
+              </a:schemeClr>
+            </a:lnRef>
+            <a:fillRef idx="1">
+              <a:schemeClr val="accent1"/>
+            </a:fillRef>
+            <a:effectRef idx="0">
+              <a:schemeClr val="accent1"/>
+            </a:effectRef>
+            <a:fontRef idx="minor">
+              <a:schemeClr val="lt1"/>
+            </a:fontRef>
+          </p:style>
+          <p:txBody>
+            <a:bodyPr rtlCol="0" anchor="ctr"/>
+            <a:lstStyle/>
+            <a:p>
+              <a:pPr algn="ctr"/>
+              <a:endParaRPr lang="zh-CN" altLang="en-US"/>
+            </a:p>
+          </p:txBody>
+        </p:sp>
+        <p:sp>
+          <p:nvSpPr>
+            <p:cNvPr id="11" name="矩形 10">
+              <a:extLst>
+                <a:ext uri="{FF2B5EF4-FFF2-40B4-BE49-F238E27FC236}">
+                  <a16:creationId xmlns:a16="http://schemas.microsoft.com/office/drawing/2014/main" id="{209B855B-0480-496A-86C1-B9AF7565F315}"/>
+                </a:ext>
+              </a:extLst>
+            </p:cNvPr>
+            <p:cNvSpPr/>
+            <p:nvPr/>
+          </p:nvSpPr>
+          <p:spPr>
+            <a:xfrm>
+              <a:off x="11571416" y="5115169"/>
+              <a:ext cx="620584" cy="567328"/>
+            </a:xfrm>
+            <a:prstGeom prst="rect">
+              <a:avLst/>
+            </a:prstGeom>
+            <a:solidFill>
+              <a:srgbClr val="CF0101"/>
+            </a:solidFill>
+            <a:ln>
+              <a:noFill/>
+            </a:ln>
+          </p:spPr>
+          <p:style>
+            <a:lnRef idx="2">
+              <a:schemeClr val="accent1">
+                <a:shade val="50000"/>
+              </a:schemeClr>
+            </a:lnRef>
+            <a:fillRef idx="1">
+              <a:schemeClr val="accent1"/>
+            </a:fillRef>
+            <a:effectRef idx="0">
+              <a:schemeClr val="accent1"/>
+            </a:effectRef>
+            <a:fontRef idx="minor">
+              <a:schemeClr val="lt1"/>
+            </a:fontRef>
+          </p:style>
+          <p:txBody>
+            <a:bodyPr rtlCol="0" anchor="ctr"/>
+            <a:lstStyle/>
+            <a:p>
+              <a:pPr algn="ctr"/>
+              <a:endParaRPr lang="zh-CN" altLang="en-US"/>
+            </a:p>
+          </p:txBody>
+        </p:sp>
+      </p:grpSp>
+    </p:spTree>
+    <p:extLst>
+      <p:ext uri="{BB962C8B-B14F-4D97-AF65-F5344CB8AC3E}">
+        <p14:creationId xmlns:p14="http://schemas.microsoft.com/office/powerpoint/2010/main" val="2117386590"/>
+      </p:ext>
+    </p:extLst>
+  </p:cSld>
+  <p:clrMapOvr>
+    <a:masterClrMapping/>
+  </p:clrMapOvr>
+  <p:transition spd="slow" advTm="0">
+    <p:push dir="r"/>
+  </p:transition>
+  <p:timing>
+    <p:tnLst>
+      <p:par>
+        <p:cTn id="1" dur="indefinite" restart="never" nodeType="tmRoot">
+          <p:childTnLst>
+            <p:seq concurrent="1" nextAc="seek">
+              <p:cTn id="2" dur="indefinite" nodeType="mainSeq">
+                <p:childTnLst>
+                  <p:par>
+                    <p:cTn id="3" fill="hold">
+                      <p:stCondLst>
+                        <p:cond delay="indefinite"/>
+                        <p:cond evt="onBegin" delay="0">
+                          <p:tn val="2"/>
+                        </p:cond>
+                      </p:stCondLst>
+                      <p:childTnLst>
+                        <p:par>
+                          <p:cTn id="4" fill="hold">
+                            <p:stCondLst>
+                              <p:cond delay="0"/>
+                            </p:stCondLst>
+                            <p:childTnLst>
+                              <p:par>
+                                <p:cTn id="5" presetID="41" presetClass="entr" presetSubtype="0" fill="hold" grpId="0" nodeType="withEffect">
+                                  <p:stCondLst>
+                                    <p:cond delay="0"/>
+                                  </p:stCondLst>
+                                  <p:iterate type="lt">
+                                    <p:tmPct val="10000"/>
+                                  </p:iterate>
+                                  <p:childTnLst>
+                                    <p:set>
+                                      <p:cBhvr>
+                                        <p:cTn id="6" dur="1" fill="hold">
+                                          <p:stCondLst>
+                                            <p:cond delay="0"/>
+                                          </p:stCondLst>
+                                        </p:cTn>
+                                        <p:tgtEl>
+                                          <p:spTgt spid="7"/>
+                                        </p:tgtEl>
+                                        <p:attrNameLst>
+                                          <p:attrName>style.visibility</p:attrName>
+                                        </p:attrNameLst>
+                                      </p:cBhvr>
+                                      <p:to>
+                                        <p:strVal val="visible"/>
+                                      </p:to>
+                                    </p:set>
+                                    <p:anim calcmode="lin" valueType="num">
+                                      <p:cBhvr>
+                                        <p:cTn id="7" dur="500" fill="hold"/>
+                                        <p:tgtEl>
+                                          <p:spTgt spid="7"/>
+                                        </p:tgtEl>
+                                        <p:attrNameLst>
+                                          <p:attrName>ppt_x</p:attrName>
+                                        </p:attrNameLst>
+                                      </p:cBhvr>
+                                      <p:tavLst>
+                                        <p:tav tm="0">
+                                          <p:val>
+                                            <p:strVal val="#ppt_x"/>
+                                          </p:val>
+                                        </p:tav>
+                                        <p:tav tm="50000">
+                                          <p:val>
+                                            <p:strVal val="#ppt_x+.1"/>
+                                          </p:val>
+                                        </p:tav>
+                                        <p:tav tm="100000">
+                                          <p:val>
+                                            <p:strVal val="#ppt_x"/>
+                                          </p:val>
+                                        </p:tav>
+                                      </p:tavLst>
+                                    </p:anim>
+                                    <p:anim calcmode="lin" valueType="num">
+                                      <p:cBhvr>
+                                        <p:cTn id="8" dur="500" fill="hold"/>
+                                        <p:tgtEl>
+                                          <p:spTgt spid="7"/>
+                                        </p:tgtEl>
+                                        <p:attrNameLst>
+                                          <p:attrName>ppt_y</p:attrName>
+                                        </p:attrNameLst>
+                                      </p:cBhvr>
+                                      <p:tavLst>
+                                        <p:tav tm="0">
+                                          <p:val>
+                                            <p:strVal val="#ppt_y"/>
+                                          </p:val>
+                                        </p:tav>
+                                        <p:tav tm="100000">
+                                          <p:val>
+                                            <p:strVal val="#ppt_y"/>
+                                          </p:val>
+                                        </p:tav>
+                                      </p:tavLst>
+                                    </p:anim>
+                                    <p:anim calcmode="lin" valueType="num">
+                                      <p:cBhvr>
+                                        <p:cTn id="9" dur="500" fill="hold"/>
+                                        <p:tgtEl>
+                                          <p:spTgt spid="7"/>
+                                        </p:tgtEl>
+                                        <p:attrNameLst>
+                                          <p:attrName>ppt_h</p:attrName>
+                                        </p:attrNameLst>
+                                      </p:cBhvr>
+                                      <p:tavLst>
+                                        <p:tav tm="0">
+                                          <p:val>
+                                            <p:strVal val="#ppt_h/10"/>
+                                          </p:val>
+                                        </p:tav>
+                                        <p:tav tm="50000">
+                                          <p:val>
+                                            <p:strVal val="#ppt_h+.01"/>
+                                          </p:val>
+                                        </p:tav>
+                                        <p:tav tm="100000">
+                                          <p:val>
+                                            <p:strVal val="#ppt_h"/>
+                                          </p:val>
+                                        </p:tav>
+                                      </p:tavLst>
+                                    </p:anim>
+                                    <p:anim calcmode="lin" valueType="num">
+                                      <p:cBhvr>
+                                        <p:cTn id="10" dur="500" fill="hold"/>
+                                        <p:tgtEl>
+                                          <p:spTgt spid="7"/>
+                                        </p:tgtEl>
+                                        <p:attrNameLst>
+                                          <p:attrName>ppt_w</p:attrName>
+                                        </p:attrNameLst>
+                                      </p:cBhvr>
+                                      <p:tavLst>
+                                        <p:tav tm="0">
+                                          <p:val>
+                                            <p:strVal val="#ppt_w/10"/>
+                                          </p:val>
+                                        </p:tav>
+                                        <p:tav tm="50000">
+                                          <p:val>
+                                            <p:strVal val="#ppt_w+.01"/>
+                                          </p:val>
+                                        </p:tav>
+                                        <p:tav tm="100000">
+                                          <p:val>
+                                            <p:strVal val="#ppt_w"/>
+                                          </p:val>
+                                        </p:tav>
+                                      </p:tavLst>
+                                    </p:anim>
+                                    <p:animEffect transition="in" filter="fade">
+                                      <p:cBhvr>
+                                        <p:cTn id="11" dur="500" tmFilter="0,0; .5, 1; 1, 1"/>
+                                        <p:tgtEl>
+                                          <p:spTgt spid="7"/>
+                                        </p:tgtEl>
+                                      </p:cBhvr>
+                                    </p:animEffect>
+                                  </p:childTnLst>
+                                </p:cTn>
+                              </p:par>
+                              <p:par>
+                                <p:cTn id="12" presetID="12" presetClass="entr" presetSubtype="1" fill="hold" nodeType="withEffect">
+                                  <p:stCondLst>
+                                    <p:cond delay="0"/>
+                                  </p:stCondLst>
+                                  <p:childTnLst>
+                                    <p:set>
+                                      <p:cBhvr>
+                                        <p:cTn id="13" dur="1" fill="hold">
+                                          <p:stCondLst>
+                                            <p:cond delay="0"/>
+                                          </p:stCondLst>
+                                        </p:cTn>
+                                        <p:tgtEl>
+                                          <p:spTgt spid="9"/>
+                                        </p:tgtEl>
+                                        <p:attrNameLst>
+                                          <p:attrName>style.visibility</p:attrName>
+                                        </p:attrNameLst>
+                                      </p:cBhvr>
+                                      <p:to>
+                                        <p:strVal val="visible"/>
+                                      </p:to>
+                                    </p:set>
+                                    <p:anim calcmode="lin" valueType="num">
+                                      <p:cBhvr additive="base">
+                                        <p:cTn id="14" dur="500"/>
+                                        <p:tgtEl>
+                                          <p:spTgt spid="9"/>
+                                        </p:tgtEl>
+                                        <p:attrNameLst>
+                                          <p:attrName>ppt_y</p:attrName>
+                                        </p:attrNameLst>
+                                      </p:cBhvr>
+                                      <p:tavLst>
+                                        <p:tav tm="0">
+                                          <p:val>
+                                            <p:strVal val="#ppt_y-#ppt_h*1.125000"/>
+                                          </p:val>
+                                        </p:tav>
+                                        <p:tav tm="100000">
+                                          <p:val>
+                                            <p:strVal val="#ppt_y"/>
+                                          </p:val>
+                                        </p:tav>
+                                      </p:tavLst>
+                                    </p:anim>
+                                    <p:animEffect transition="in" filter="wipe(down)">
+                                      <p:cBhvr>
+                                        <p:cTn id="15" dur="500"/>
+                                        <p:tgtEl>
+                                          <p:spTgt spid="9"/>
+                                        </p:tgtEl>
+                                      </p:cBhvr>
+                                    </p:animEffect>
+                                  </p:childTnLst>
+                                </p:cTn>
+                              </p:par>
+                            </p:childTnLst>
+                          </p:cTn>
+                        </p:par>
+                      </p:childTnLst>
+                    </p:cTn>
+                  </p:par>
+                </p:childTnLst>
+              </p:cTn>
+              <p:prevCondLst>
+                <p:cond evt="onPrev" delay="0">
+                  <p:tgtEl>
+                    <p:sldTgt/>
+                  </p:tgtEl>
+                </p:cond>
+              </p:prevCondLst>
+              <p:nextCondLst>
+                <p:cond evt="onNext" delay="0">
+                  <p:tgtEl>
+                    <p:sldTgt/>
+                  </p:tgtEl>
+                </p:cond>
+              </p:nextCondLst>
+            </p:seq>
+          </p:childTnLst>
+        </p:cTn>
+      </p:par>
+    </p:tnLst>
+    <p:bldLst>
+      <p:bldP spid="7" grpId="0"/>
+    </p:bldLst>
+  </p:timing>
+</p:sld>
+</file>
+
+<file path=ppt/slides/slide20.xml><?xml version="1.0" encoding="utf-8"?>
 <p:sld xmlns:a="http://schemas.openxmlformats.org/drawingml/2006/main" xmlns:r="http://schemas.openxmlformats.org/officeDocument/2006/relationships" xmlns:p="http://schemas.openxmlformats.org/presentationml/2006/main">
   <p:cSld>
     <p:spTree>
@@ -10036,7 +12461,7 @@
 </p:sld>
 </file>
 
-<file path=ppt/slides/slide19.xml><?xml version="1.0" encoding="utf-8"?>
+<file path=ppt/slides/slide21.xml><?xml version="1.0" encoding="utf-8"?>
 <p:sld xmlns:a="http://schemas.openxmlformats.org/drawingml/2006/main" xmlns:r="http://schemas.openxmlformats.org/officeDocument/2006/relationships" xmlns:p="http://schemas.openxmlformats.org/presentationml/2006/main">
   <p:cSld>
     <p:spTree>
@@ -10711,487 +13136,7 @@
 </p:sld>
 </file>
 
-<file path=ppt/slides/slide2.xml><?xml version="1.0" encoding="utf-8"?>
-<p:sld xmlns:a="http://schemas.openxmlformats.org/drawingml/2006/main" xmlns:r="http://schemas.openxmlformats.org/officeDocument/2006/relationships" xmlns:p="http://schemas.openxmlformats.org/presentationml/2006/main">
-  <p:cSld>
-    <p:spTree>
-      <p:nvGrpSpPr>
-        <p:cNvPr id="1" name=""/>
-        <p:cNvGrpSpPr/>
-        <p:nvPr/>
-      </p:nvGrpSpPr>
-      <p:grpSpPr>
-        <a:xfrm>
-          <a:off x="0" y="0"/>
-          <a:ext cx="0" cy="0"/>
-          <a:chOff x="0" y="0"/>
-          <a:chExt cx="0" cy="0"/>
-        </a:xfrm>
-      </p:grpSpPr>
-      <p:sp>
-        <p:nvSpPr>
-          <p:cNvPr id="7" name="文本框 6"/>
-          <p:cNvSpPr txBox="1"/>
-          <p:nvPr/>
-        </p:nvSpPr>
-        <p:spPr>
-          <a:xfrm>
-            <a:off x="4618672" y="2967335"/>
-            <a:ext cx="2954655" cy="923330"/>
-          </a:xfrm>
-          <a:prstGeom prst="rect">
-            <a:avLst/>
-          </a:prstGeom>
-          <a:noFill/>
-        </p:spPr>
-        <p:txBody>
-          <a:bodyPr wrap="none" rtlCol="0">
-            <a:spAutoFit/>
-          </a:bodyPr>
-          <a:lstStyle/>
-          <a:p>
-            <a:r>
-              <a:rPr lang="zh-CN" altLang="en-US" sz="5400" b="1" dirty="0">
-                <a:solidFill>
-                  <a:srgbClr val="3E4150"/>
-                </a:solidFill>
-                <a:latin typeface="微软雅黑" panose="020B0503020204020204" pitchFamily="34" charset="-122"/>
-                <a:ea typeface="微软雅黑" panose="020B0503020204020204" pitchFamily="34" charset="-122"/>
-              </a:rPr>
-              <a:t>需求分析</a:t>
-            </a:r>
-          </a:p>
-        </p:txBody>
-      </p:sp>
-      <p:pic>
-        <p:nvPicPr>
-          <p:cNvPr id="28" name="图片 27"/>
-          <p:cNvPicPr>
-            <a:picLocks noChangeAspect="1"/>
-          </p:cNvPicPr>
-          <p:nvPr/>
-        </p:nvPicPr>
-        <p:blipFill>
-          <a:blip r:embed="rId2" cstate="print">
-            <a:extLst>
-              <a:ext uri="{28A0092B-C50C-407E-A947-70E740481C1C}">
-                <a14:useLocalDpi xmlns:a14="http://schemas.microsoft.com/office/drawing/2010/main" val="0"/>
-              </a:ext>
-            </a:extLst>
-          </a:blip>
-          <a:stretch>
-            <a:fillRect/>
-          </a:stretch>
-        </p:blipFill>
-        <p:spPr>
-          <a:xfrm>
-            <a:off x="11170897" y="0"/>
-            <a:ext cx="1003301" cy="1003301"/>
-          </a:xfrm>
-          <a:prstGeom prst="rect">
-            <a:avLst/>
-          </a:prstGeom>
-        </p:spPr>
-      </p:pic>
-      <p:grpSp>
-        <p:nvGrpSpPr>
-          <p:cNvPr id="9" name="组合 8">
-            <a:extLst>
-              <a:ext uri="{FF2B5EF4-FFF2-40B4-BE49-F238E27FC236}">
-                <a16:creationId xmlns:a16="http://schemas.microsoft.com/office/drawing/2014/main" id="{1E87FA18-E309-46C3-88C5-69127E8B627A}"/>
-              </a:ext>
-            </a:extLst>
-          </p:cNvPr>
-          <p:cNvGrpSpPr/>
-          <p:nvPr/>
-        </p:nvGrpSpPr>
-        <p:grpSpPr>
-          <a:xfrm>
-            <a:off x="0" y="188687"/>
-            <a:ext cx="188686" cy="592364"/>
-            <a:chOff x="11571416" y="3959358"/>
-            <a:chExt cx="620584" cy="1723139"/>
-          </a:xfrm>
-        </p:grpSpPr>
-        <p:sp>
-          <p:nvSpPr>
-            <p:cNvPr id="10" name="矩形 9">
-              <a:extLst>
-                <a:ext uri="{FF2B5EF4-FFF2-40B4-BE49-F238E27FC236}">
-                  <a16:creationId xmlns:a16="http://schemas.microsoft.com/office/drawing/2014/main" id="{A58BEC02-D06B-452D-8F7B-1C1336BD8F99}"/>
-                </a:ext>
-              </a:extLst>
-            </p:cNvPr>
-            <p:cNvSpPr/>
-            <p:nvPr/>
-          </p:nvSpPr>
-          <p:spPr>
-            <a:xfrm>
-              <a:off x="11571416" y="3959358"/>
-              <a:ext cx="620584" cy="1723137"/>
-            </a:xfrm>
-            <a:prstGeom prst="rect">
-              <a:avLst/>
-            </a:prstGeom>
-            <a:solidFill>
-              <a:srgbClr val="3E4150"/>
-            </a:solidFill>
-            <a:ln>
-              <a:noFill/>
-            </a:ln>
-          </p:spPr>
-          <p:style>
-            <a:lnRef idx="2">
-              <a:schemeClr val="accent1">
-                <a:shade val="50000"/>
-              </a:schemeClr>
-            </a:lnRef>
-            <a:fillRef idx="1">
-              <a:schemeClr val="accent1"/>
-            </a:fillRef>
-            <a:effectRef idx="0">
-              <a:schemeClr val="accent1"/>
-            </a:effectRef>
-            <a:fontRef idx="minor">
-              <a:schemeClr val="lt1"/>
-            </a:fontRef>
-          </p:style>
-          <p:txBody>
-            <a:bodyPr rtlCol="0" anchor="ctr"/>
-            <a:lstStyle/>
-            <a:p>
-              <a:pPr algn="ctr"/>
-              <a:endParaRPr lang="zh-CN" altLang="en-US"/>
-            </a:p>
-          </p:txBody>
-        </p:sp>
-        <p:sp>
-          <p:nvSpPr>
-            <p:cNvPr id="11" name="矩形 10">
-              <a:extLst>
-                <a:ext uri="{FF2B5EF4-FFF2-40B4-BE49-F238E27FC236}">
-                  <a16:creationId xmlns:a16="http://schemas.microsoft.com/office/drawing/2014/main" id="{209B855B-0480-496A-86C1-B9AF7565F315}"/>
-                </a:ext>
-              </a:extLst>
-            </p:cNvPr>
-            <p:cNvSpPr/>
-            <p:nvPr/>
-          </p:nvSpPr>
-          <p:spPr>
-            <a:xfrm>
-              <a:off x="11571416" y="5115169"/>
-              <a:ext cx="620584" cy="567328"/>
-            </a:xfrm>
-            <a:prstGeom prst="rect">
-              <a:avLst/>
-            </a:prstGeom>
-            <a:solidFill>
-              <a:srgbClr val="CF0101"/>
-            </a:solidFill>
-            <a:ln>
-              <a:noFill/>
-            </a:ln>
-          </p:spPr>
-          <p:style>
-            <a:lnRef idx="2">
-              <a:schemeClr val="accent1">
-                <a:shade val="50000"/>
-              </a:schemeClr>
-            </a:lnRef>
-            <a:fillRef idx="1">
-              <a:schemeClr val="accent1"/>
-            </a:fillRef>
-            <a:effectRef idx="0">
-              <a:schemeClr val="accent1"/>
-            </a:effectRef>
-            <a:fontRef idx="minor">
-              <a:schemeClr val="lt1"/>
-            </a:fontRef>
-          </p:style>
-          <p:txBody>
-            <a:bodyPr rtlCol="0" anchor="ctr"/>
-            <a:lstStyle/>
-            <a:p>
-              <a:pPr algn="ctr"/>
-              <a:endParaRPr lang="zh-CN" altLang="en-US"/>
-            </a:p>
-          </p:txBody>
-        </p:sp>
-      </p:grpSp>
-    </p:spTree>
-    <p:extLst>
-      <p:ext uri="{BB962C8B-B14F-4D97-AF65-F5344CB8AC3E}">
-        <p14:creationId xmlns:p14="http://schemas.microsoft.com/office/powerpoint/2010/main" val="2117386590"/>
-      </p:ext>
-    </p:extLst>
-  </p:cSld>
-  <p:clrMapOvr>
-    <a:masterClrMapping/>
-  </p:clrMapOvr>
-  <p:transition spd="slow" advTm="0">
-    <p:push dir="r"/>
-  </p:transition>
-  <p:timing>
-    <p:tnLst>
-      <p:par>
-        <p:cTn id="1" dur="indefinite" restart="never" nodeType="tmRoot">
-          <p:childTnLst>
-            <p:seq concurrent="1" nextAc="seek">
-              <p:cTn id="2" dur="indefinite" nodeType="mainSeq">
-                <p:childTnLst>
-                  <p:par>
-                    <p:cTn id="3" fill="hold">
-                      <p:stCondLst>
-                        <p:cond delay="indefinite"/>
-                        <p:cond evt="onBegin" delay="0">
-                          <p:tn val="2"/>
-                        </p:cond>
-                      </p:stCondLst>
-                      <p:childTnLst>
-                        <p:par>
-                          <p:cTn id="4" fill="hold">
-                            <p:stCondLst>
-                              <p:cond delay="0"/>
-                            </p:stCondLst>
-                            <p:childTnLst>
-                              <p:par>
-                                <p:cTn id="5" presetID="41" presetClass="entr" presetSubtype="0" fill="hold" grpId="0" nodeType="withEffect">
-                                  <p:stCondLst>
-                                    <p:cond delay="0"/>
-                                  </p:stCondLst>
-                                  <p:iterate type="lt">
-                                    <p:tmPct val="10000"/>
-                                  </p:iterate>
-                                  <p:childTnLst>
-                                    <p:set>
-                                      <p:cBhvr>
-                                        <p:cTn id="6" dur="1" fill="hold">
-                                          <p:stCondLst>
-                                            <p:cond delay="0"/>
-                                          </p:stCondLst>
-                                        </p:cTn>
-                                        <p:tgtEl>
-                                          <p:spTgt spid="7"/>
-                                        </p:tgtEl>
-                                        <p:attrNameLst>
-                                          <p:attrName>style.visibility</p:attrName>
-                                        </p:attrNameLst>
-                                      </p:cBhvr>
-                                      <p:to>
-                                        <p:strVal val="visible"/>
-                                      </p:to>
-                                    </p:set>
-                                    <p:anim calcmode="lin" valueType="num">
-                                      <p:cBhvr>
-                                        <p:cTn id="7" dur="500" fill="hold"/>
-                                        <p:tgtEl>
-                                          <p:spTgt spid="7"/>
-                                        </p:tgtEl>
-                                        <p:attrNameLst>
-                                          <p:attrName>ppt_x</p:attrName>
-                                        </p:attrNameLst>
-                                      </p:cBhvr>
-                                      <p:tavLst>
-                                        <p:tav tm="0">
-                                          <p:val>
-                                            <p:strVal val="#ppt_x"/>
-                                          </p:val>
-                                        </p:tav>
-                                        <p:tav tm="50000">
-                                          <p:val>
-                                            <p:strVal val="#ppt_x+.1"/>
-                                          </p:val>
-                                        </p:tav>
-                                        <p:tav tm="100000">
-                                          <p:val>
-                                            <p:strVal val="#ppt_x"/>
-                                          </p:val>
-                                        </p:tav>
-                                      </p:tavLst>
-                                    </p:anim>
-                                    <p:anim calcmode="lin" valueType="num">
-                                      <p:cBhvr>
-                                        <p:cTn id="8" dur="500" fill="hold"/>
-                                        <p:tgtEl>
-                                          <p:spTgt spid="7"/>
-                                        </p:tgtEl>
-                                        <p:attrNameLst>
-                                          <p:attrName>ppt_y</p:attrName>
-                                        </p:attrNameLst>
-                                      </p:cBhvr>
-                                      <p:tavLst>
-                                        <p:tav tm="0">
-                                          <p:val>
-                                            <p:strVal val="#ppt_y"/>
-                                          </p:val>
-                                        </p:tav>
-                                        <p:tav tm="100000">
-                                          <p:val>
-                                            <p:strVal val="#ppt_y"/>
-                                          </p:val>
-                                        </p:tav>
-                                      </p:tavLst>
-                                    </p:anim>
-                                    <p:anim calcmode="lin" valueType="num">
-                                      <p:cBhvr>
-                                        <p:cTn id="9" dur="500" fill="hold"/>
-                                        <p:tgtEl>
-                                          <p:spTgt spid="7"/>
-                                        </p:tgtEl>
-                                        <p:attrNameLst>
-                                          <p:attrName>ppt_h</p:attrName>
-                                        </p:attrNameLst>
-                                      </p:cBhvr>
-                                      <p:tavLst>
-                                        <p:tav tm="0">
-                                          <p:val>
-                                            <p:strVal val="#ppt_h/10"/>
-                                          </p:val>
-                                        </p:tav>
-                                        <p:tav tm="50000">
-                                          <p:val>
-                                            <p:strVal val="#ppt_h+.01"/>
-                                          </p:val>
-                                        </p:tav>
-                                        <p:tav tm="100000">
-                                          <p:val>
-                                            <p:strVal val="#ppt_h"/>
-                                          </p:val>
-                                        </p:tav>
-                                      </p:tavLst>
-                                    </p:anim>
-                                    <p:anim calcmode="lin" valueType="num">
-                                      <p:cBhvr>
-                                        <p:cTn id="10" dur="500" fill="hold"/>
-                                        <p:tgtEl>
-                                          <p:spTgt spid="7"/>
-                                        </p:tgtEl>
-                                        <p:attrNameLst>
-                                          <p:attrName>ppt_w</p:attrName>
-                                        </p:attrNameLst>
-                                      </p:cBhvr>
-                                      <p:tavLst>
-                                        <p:tav tm="0">
-                                          <p:val>
-                                            <p:strVal val="#ppt_w/10"/>
-                                          </p:val>
-                                        </p:tav>
-                                        <p:tav tm="50000">
-                                          <p:val>
-                                            <p:strVal val="#ppt_w+.01"/>
-                                          </p:val>
-                                        </p:tav>
-                                        <p:tav tm="100000">
-                                          <p:val>
-                                            <p:strVal val="#ppt_w"/>
-                                          </p:val>
-                                        </p:tav>
-                                      </p:tavLst>
-                                    </p:anim>
-                                    <p:animEffect transition="in" filter="fade">
-                                      <p:cBhvr>
-                                        <p:cTn id="11" dur="500" tmFilter="0,0; .5, 1; 1, 1"/>
-                                        <p:tgtEl>
-                                          <p:spTgt spid="7"/>
-                                        </p:tgtEl>
-                                      </p:cBhvr>
-                                    </p:animEffect>
-                                  </p:childTnLst>
-                                </p:cTn>
-                              </p:par>
-                              <p:par>
-                                <p:cTn id="12" presetID="12" presetClass="entr" presetSubtype="1" fill="hold" nodeType="withEffect">
-                                  <p:stCondLst>
-                                    <p:cond delay="0"/>
-                                  </p:stCondLst>
-                                  <p:childTnLst>
-                                    <p:set>
-                                      <p:cBhvr>
-                                        <p:cTn id="13" dur="1" fill="hold">
-                                          <p:stCondLst>
-                                            <p:cond delay="0"/>
-                                          </p:stCondLst>
-                                        </p:cTn>
-                                        <p:tgtEl>
-                                          <p:spTgt spid="9"/>
-                                        </p:tgtEl>
-                                        <p:attrNameLst>
-                                          <p:attrName>style.visibility</p:attrName>
-                                        </p:attrNameLst>
-                                      </p:cBhvr>
-                                      <p:to>
-                                        <p:strVal val="visible"/>
-                                      </p:to>
-                                    </p:set>
-                                    <p:anim calcmode="lin" valueType="num">
-                                      <p:cBhvr additive="base">
-                                        <p:cTn id="14" dur="500"/>
-                                        <p:tgtEl>
-                                          <p:spTgt spid="9"/>
-                                        </p:tgtEl>
-                                        <p:attrNameLst>
-                                          <p:attrName>ppt_y</p:attrName>
-                                        </p:attrNameLst>
-                                      </p:cBhvr>
-                                      <p:tavLst>
-                                        <p:tav tm="0">
-                                          <p:val>
-                                            <p:strVal val="#ppt_y-#ppt_h*1.125000"/>
-                                          </p:val>
-                                        </p:tav>
-                                        <p:tav tm="100000">
-                                          <p:val>
-                                            <p:strVal val="#ppt_y"/>
-                                          </p:val>
-                                        </p:tav>
-                                      </p:tavLst>
-                                    </p:anim>
-                                    <p:animEffect transition="in" filter="wipe(down)">
-                                      <p:cBhvr>
-                                        <p:cTn id="15" dur="500"/>
-                                        <p:tgtEl>
-                                          <p:spTgt spid="9"/>
-                                        </p:tgtEl>
-                                      </p:cBhvr>
-                                    </p:animEffect>
-                                  </p:childTnLst>
-                                </p:cTn>
-                              </p:par>
-                            </p:childTnLst>
-                          </p:cTn>
-                        </p:par>
-                      </p:childTnLst>
-                    </p:cTn>
-                  </p:par>
-                </p:childTnLst>
-              </p:cTn>
-              <p:prevCondLst>
-                <p:cond evt="onPrev" delay="0">
-                  <p:tgtEl>
-                    <p:sldTgt/>
-                  </p:tgtEl>
-                </p:cond>
-              </p:prevCondLst>
-              <p:nextCondLst>
-                <p:cond evt="onNext" delay="0">
-                  <p:tgtEl>
-                    <p:sldTgt/>
-                  </p:tgtEl>
-                </p:cond>
-              </p:nextCondLst>
-            </p:seq>
-          </p:childTnLst>
-        </p:cTn>
-      </p:par>
-    </p:tnLst>
-    <p:bldLst>
-      <p:bldP spid="7" grpId="0"/>
-    </p:bldLst>
-  </p:timing>
-</p:sld>
-</file>
-
-<file path=ppt/slides/slide20.xml><?xml version="1.0" encoding="utf-8"?>
+<file path=ppt/slides/slide22.xml><?xml version="1.0" encoding="utf-8"?>
 <p:sld xmlns:a="http://schemas.openxmlformats.org/drawingml/2006/main" xmlns:r="http://schemas.openxmlformats.org/officeDocument/2006/relationships" xmlns:p="http://schemas.openxmlformats.org/presentationml/2006/main">
   <p:cSld>
     <p:spTree>
@@ -11924,7 +13869,7 @@
 </p:sld>
 </file>
 
-<file path=ppt/slides/slide21.xml><?xml version="1.0" encoding="utf-8"?>
+<file path=ppt/slides/slide23.xml><?xml version="1.0" encoding="utf-8"?>
 <p:sld xmlns:a="http://schemas.openxmlformats.org/drawingml/2006/main" xmlns:r="http://schemas.openxmlformats.org/officeDocument/2006/relationships" xmlns:p="http://schemas.openxmlformats.org/presentationml/2006/main">
   <p:cSld>
     <p:spTree>
@@ -12190,7 +14135,7 @@
                   <a:latin typeface="黑体" panose="02010609060101010101" pitchFamily="49" charset="-122"/>
                   <a:ea typeface="黑体" panose="02010609060101010101" pitchFamily="49" charset="-122"/>
                 </a:rPr>
-                <a:t>	3.</a:t>
+                <a:t>	4.</a:t>
               </a:r>
               <a:r>
                 <a:rPr lang="zh-CN" altLang="en-US" sz="2500" b="1" dirty="0">
@@ -12600,7 +14545,7 @@
 </p:sld>
 </file>
 
-<file path=ppt/slides/slide22.xml><?xml version="1.0" encoding="utf-8"?>
+<file path=ppt/slides/slide24.xml><?xml version="1.0" encoding="utf-8"?>
 <p:sld xmlns:a="http://schemas.openxmlformats.org/drawingml/2006/main" xmlns:r="http://schemas.openxmlformats.org/officeDocument/2006/relationships" xmlns:p="http://schemas.openxmlformats.org/presentationml/2006/main">
   <p:cSld>
     <p:spTree>
@@ -13225,7 +15170,7 @@
 </p:sld>
 </file>
 
-<file path=ppt/slides/slide23.xml><?xml version="1.0" encoding="utf-8"?>
+<file path=ppt/slides/slide25.xml><?xml version="1.0" encoding="utf-8"?>
 <p:sld xmlns:a="http://schemas.openxmlformats.org/drawingml/2006/main" xmlns:r="http://schemas.openxmlformats.org/officeDocument/2006/relationships" xmlns:p="http://schemas.openxmlformats.org/presentationml/2006/main">
   <p:cSld>
     <p:spTree>
@@ -13491,7 +15436,7 @@
                   <a:latin typeface="黑体" panose="02010609060101010101" pitchFamily="49" charset="-122"/>
                   <a:ea typeface="黑体" panose="02010609060101010101" pitchFamily="49" charset="-122"/>
                 </a:rPr>
-                <a:t>	4.</a:t>
+                <a:t>	5.</a:t>
               </a:r>
               <a:r>
                 <a:rPr lang="zh-CN" altLang="en-US" sz="2500" b="1" dirty="0">
@@ -13890,7 +15835,7 @@
 </p:sld>
 </file>
 
-<file path=ppt/slides/slide24.xml><?xml version="1.0" encoding="utf-8"?>
+<file path=ppt/slides/slide26.xml><?xml version="1.0" encoding="utf-8"?>
 <p:sld xmlns:a="http://schemas.openxmlformats.org/drawingml/2006/main" xmlns:r="http://schemas.openxmlformats.org/officeDocument/2006/relationships" xmlns:p="http://schemas.openxmlformats.org/presentationml/2006/main">
   <p:cSld>
     <p:spTree>
@@ -14234,12 +16179,12 @@
               </a:lnSpc>
             </a:pPr>
             <a:r>
-              <a:rPr lang="en-US" altLang="zh-CN" sz="2000" dirty="0"/>
+              <a:rPr lang="en-US" altLang="zh-CN" sz="2000" b="1" dirty="0"/>
               <a:t>        </a:t>
             </a:r>
             <a:r>
               <a:rPr lang="zh-CN" altLang="en-US" sz="2000" b="1" dirty="0"/>
-              <a:t>其中每行与表</a:t>
+              <a:t>这个表中每行与表</a:t>
             </a:r>
             <a:r>
               <a:rPr lang="en-US" altLang="zh-CN" sz="2000" b="1" dirty="0"/>
@@ -14681,7 +16626,7 @@
 </p:sld>
 </file>
 
-<file path=ppt/slides/slide25.xml><?xml version="1.0" encoding="utf-8"?>
+<file path=ppt/slides/slide27.xml><?xml version="1.0" encoding="utf-8"?>
 <p:sld xmlns:a="http://schemas.openxmlformats.org/drawingml/2006/main" xmlns:r="http://schemas.openxmlformats.org/officeDocument/2006/relationships" xmlns:p="http://schemas.openxmlformats.org/presentationml/2006/main">
   <p:cSld>
     <p:spTree>
@@ -15349,7 +17294,7 @@
 </p:sld>
 </file>
 
-<file path=ppt/slides/slide26.xml><?xml version="1.0" encoding="utf-8"?>
+<file path=ppt/slides/slide28.xml><?xml version="1.0" encoding="utf-8"?>
 <p:sld xmlns:a="http://schemas.openxmlformats.org/drawingml/2006/main" xmlns:r="http://schemas.openxmlformats.org/officeDocument/2006/relationships" xmlns:p="http://schemas.openxmlformats.org/presentationml/2006/main">
   <p:cSld>
     <p:spTree>
@@ -15829,7 +17774,7 @@
 </p:sld>
 </file>
 
-<file path=ppt/slides/slide27.xml><?xml version="1.0" encoding="utf-8"?>
+<file path=ppt/slides/slide29.xml><?xml version="1.0" encoding="utf-8"?>
 <p:sld xmlns:a="http://schemas.openxmlformats.org/drawingml/2006/main" xmlns:r="http://schemas.openxmlformats.org/officeDocument/2006/relationships" xmlns:p="http://schemas.openxmlformats.org/presentationml/2006/main">
   <p:cSld>
     <p:spTree>
@@ -16341,430 +18286,6 @@
     <p:bldLst>
       <p:bldP spid="4" grpId="0"/>
     </p:bldLst>
-  </p:timing>
-</p:sld>
-</file>
-
-<file path=ppt/slides/slide28.xml><?xml version="1.0" encoding="utf-8"?>
-<p:sld xmlns:a="http://schemas.openxmlformats.org/drawingml/2006/main" xmlns:r="http://schemas.openxmlformats.org/officeDocument/2006/relationships" xmlns:p="http://schemas.openxmlformats.org/presentationml/2006/main">
-  <p:cSld>
-    <p:spTree>
-      <p:nvGrpSpPr>
-        <p:cNvPr id="1" name=""/>
-        <p:cNvGrpSpPr/>
-        <p:nvPr/>
-      </p:nvGrpSpPr>
-      <p:grpSpPr>
-        <a:xfrm>
-          <a:off x="0" y="0"/>
-          <a:ext cx="0" cy="0"/>
-          <a:chOff x="0" y="0"/>
-          <a:chExt cx="0" cy="0"/>
-        </a:xfrm>
-      </p:grpSpPr>
-      <p:pic>
-        <p:nvPicPr>
-          <p:cNvPr id="4" name="图片 3"/>
-          <p:cNvPicPr>
-            <a:picLocks noChangeAspect="1"/>
-          </p:cNvPicPr>
-          <p:nvPr/>
-        </p:nvPicPr>
-        <p:blipFill rotWithShape="1">
-          <a:blip r:embed="rId2" cstate="print">
-            <a:extLst>
-              <a:ext uri="{28A0092B-C50C-407E-A947-70E740481C1C}">
-                <a14:useLocalDpi xmlns:a14="http://schemas.microsoft.com/office/drawing/2010/main" val="0"/>
-              </a:ext>
-            </a:extLst>
-          </a:blip>
-          <a:srcRect t="49851"/>
-          <a:stretch>
-            <a:fillRect/>
-          </a:stretch>
-        </p:blipFill>
-        <p:spPr>
-          <a:xfrm rot="8836188">
-            <a:off x="3825303" y="2380525"/>
-            <a:ext cx="11056882" cy="7666412"/>
-          </a:xfrm>
-          <a:prstGeom prst="rect">
-            <a:avLst/>
-          </a:prstGeom>
-        </p:spPr>
-      </p:pic>
-      <p:grpSp>
-        <p:nvGrpSpPr>
-          <p:cNvPr id="27" name="组合 26"/>
-          <p:cNvGrpSpPr/>
-          <p:nvPr/>
-        </p:nvGrpSpPr>
-        <p:grpSpPr>
-          <a:xfrm>
-            <a:off x="0" y="2710631"/>
-            <a:ext cx="762000" cy="1590622"/>
-            <a:chOff x="11891524" y="3363602"/>
-            <a:chExt cx="3362326" cy="1590622"/>
-          </a:xfrm>
-        </p:grpSpPr>
-        <p:sp>
-          <p:nvSpPr>
-            <p:cNvPr id="29" name="矩形 28"/>
-            <p:cNvSpPr/>
-            <p:nvPr/>
-          </p:nvSpPr>
-          <p:spPr>
-            <a:xfrm>
-              <a:off x="11891524" y="3363602"/>
-              <a:ext cx="3362325" cy="1577634"/>
-            </a:xfrm>
-            <a:prstGeom prst="rect">
-              <a:avLst/>
-            </a:prstGeom>
-            <a:solidFill>
-              <a:srgbClr val="3E4150"/>
-            </a:solidFill>
-            <a:ln>
-              <a:noFill/>
-            </a:ln>
-          </p:spPr>
-          <p:style>
-            <a:lnRef idx="2">
-              <a:schemeClr val="accent1">
-                <a:shade val="50000"/>
-              </a:schemeClr>
-            </a:lnRef>
-            <a:fillRef idx="1">
-              <a:schemeClr val="accent1"/>
-            </a:fillRef>
-            <a:effectRef idx="0">
-              <a:schemeClr val="accent1"/>
-            </a:effectRef>
-            <a:fontRef idx="minor">
-              <a:schemeClr val="lt1"/>
-            </a:fontRef>
-          </p:style>
-          <p:txBody>
-            <a:bodyPr rtlCol="0" anchor="ctr"/>
-            <a:lstStyle/>
-            <a:p>
-              <a:pPr algn="ctr"/>
-              <a:endParaRPr lang="zh-CN" altLang="en-US"/>
-            </a:p>
-          </p:txBody>
-        </p:sp>
-        <p:sp>
-          <p:nvSpPr>
-            <p:cNvPr id="30" name="矩形 29"/>
-            <p:cNvSpPr/>
-            <p:nvPr/>
-          </p:nvSpPr>
-          <p:spPr>
-            <a:xfrm>
-              <a:off x="11891524" y="4500798"/>
-              <a:ext cx="3362326" cy="453426"/>
-            </a:xfrm>
-            <a:prstGeom prst="rect">
-              <a:avLst/>
-            </a:prstGeom>
-            <a:solidFill>
-              <a:srgbClr val="CF0101"/>
-            </a:solidFill>
-            <a:ln>
-              <a:noFill/>
-            </a:ln>
-          </p:spPr>
-          <p:style>
-            <a:lnRef idx="2">
-              <a:schemeClr val="accent1">
-                <a:shade val="50000"/>
-              </a:schemeClr>
-            </a:lnRef>
-            <a:fillRef idx="1">
-              <a:schemeClr val="accent1"/>
-            </a:fillRef>
-            <a:effectRef idx="0">
-              <a:schemeClr val="accent1"/>
-            </a:effectRef>
-            <a:fontRef idx="minor">
-              <a:schemeClr val="lt1"/>
-            </a:fontRef>
-          </p:style>
-          <p:txBody>
-            <a:bodyPr rtlCol="0" anchor="ctr"/>
-            <a:lstStyle/>
-            <a:p>
-              <a:pPr algn="ctr"/>
-              <a:endParaRPr lang="zh-CN" altLang="en-US"/>
-            </a:p>
-          </p:txBody>
-        </p:sp>
-      </p:grpSp>
-      <p:sp>
-        <p:nvSpPr>
-          <p:cNvPr id="31" name="TextBox 12"/>
-          <p:cNvSpPr txBox="1"/>
-          <p:nvPr/>
-        </p:nvSpPr>
-        <p:spPr>
-          <a:xfrm>
-            <a:off x="1200618" y="2837712"/>
-            <a:ext cx="4499177" cy="1323472"/>
-          </a:xfrm>
-          <a:prstGeom prst="rect">
-            <a:avLst/>
-          </a:prstGeom>
-          <a:noFill/>
-        </p:spPr>
-        <p:txBody>
-          <a:bodyPr wrap="square" lIns="91472" tIns="45736" rIns="91472" bIns="45736" rtlCol="0" anchor="ctr">
-            <a:spAutoFit/>
-          </a:bodyPr>
-          <a:lstStyle>
-            <a:defPPr>
-              <a:defRPr lang="zh-CN"/>
-            </a:defPPr>
-            <a:lvl1pPr algn="ctr">
-              <a:defRPr sz="6000" b="1">
-                <a:gradFill>
-                  <a:gsLst>
-                    <a:gs pos="0">
-                      <a:schemeClr val="bg1">
-                        <a:shade val="30000"/>
-                        <a:satMod val="115000"/>
-                      </a:schemeClr>
-                    </a:gs>
-                    <a:gs pos="50000">
-                      <a:schemeClr val="bg1">
-                        <a:shade val="67500"/>
-                        <a:satMod val="115000"/>
-                      </a:schemeClr>
-                    </a:gs>
-                    <a:gs pos="100000">
-                      <a:schemeClr val="bg1">
-                        <a:shade val="100000"/>
-                        <a:satMod val="115000"/>
-                      </a:schemeClr>
-                    </a:gs>
-                  </a:gsLst>
-                  <a:lin ang="16200000" scaled="1"/>
-                </a:gradFill>
-                <a:latin typeface="Arial" panose="020B0604020202020204" pitchFamily="34" charset="0"/>
-                <a:ea typeface="微软雅黑" panose="020B0503020204020204" pitchFamily="34" charset="-122"/>
-                <a:cs typeface="Arial" panose="020B0604020202020204" pitchFamily="34" charset="0"/>
-              </a:defRPr>
-            </a:lvl1pPr>
-          </a:lstStyle>
-          <a:p>
-            <a:r>
-              <a:rPr lang="zh-CN" altLang="en-US" sz="8000" dirty="0">
-                <a:solidFill>
-                  <a:srgbClr val="3E4150"/>
-                </a:solidFill>
-              </a:rPr>
-              <a:t>感谢</a:t>
-            </a:r>
-          </a:p>
-        </p:txBody>
-      </p:sp>
-    </p:spTree>
-  </p:cSld>
-  <p:clrMapOvr>
-    <a:masterClrMapping/>
-  </p:clrMapOvr>
-  <mc:AlternateContent xmlns:mc="http://schemas.openxmlformats.org/markup-compatibility/2006" xmlns:p14="http://schemas.microsoft.com/office/powerpoint/2010/main">
-    <mc:Choice Requires="p14">
-      <p:transition p14:dur="100" advTm="4000">
-        <p:cut/>
-      </p:transition>
-    </mc:Choice>
-    <mc:Fallback xmlns="">
-      <p:transition advTm="4000">
-        <p:cut/>
-      </p:transition>
-    </mc:Fallback>
-  </mc:AlternateContent>
-  <p:timing>
-    <p:tnLst>
-      <p:par>
-        <p:cTn id="1" dur="indefinite" restart="never" nodeType="tmRoot">
-          <p:childTnLst>
-            <p:seq concurrent="1" nextAc="seek">
-              <p:cTn id="2" dur="indefinite" nodeType="mainSeq">
-                <p:childTnLst>
-                  <p:par>
-                    <p:cTn id="3" fill="hold">
-                      <p:stCondLst>
-                        <p:cond delay="indefinite"/>
-                        <p:cond evt="onBegin" delay="0">
-                          <p:tn val="2"/>
-                        </p:cond>
-                      </p:stCondLst>
-                      <p:childTnLst>
-                        <p:par>
-                          <p:cTn id="4" fill="hold">
-                            <p:stCondLst>
-                              <p:cond delay="0"/>
-                            </p:stCondLst>
-                            <p:childTnLst>
-                              <p:par>
-                                <p:cTn id="5" presetID="2" presetClass="entr" presetSubtype="6" fill="hold" nodeType="withEffect">
-                                  <p:stCondLst>
-                                    <p:cond delay="0"/>
-                                  </p:stCondLst>
-                                  <p:childTnLst>
-                                    <p:set>
-                                      <p:cBhvr>
-                                        <p:cTn id="6" dur="1" fill="hold">
-                                          <p:stCondLst>
-                                            <p:cond delay="0"/>
-                                          </p:stCondLst>
-                                        </p:cTn>
-                                        <p:tgtEl>
-                                          <p:spTgt spid="4"/>
-                                        </p:tgtEl>
-                                        <p:attrNameLst>
-                                          <p:attrName>style.visibility</p:attrName>
-                                        </p:attrNameLst>
-                                      </p:cBhvr>
-                                      <p:to>
-                                        <p:strVal val="visible"/>
-                                      </p:to>
-                                    </p:set>
-                                    <p:anim calcmode="lin" valueType="num">
-                                      <p:cBhvr additive="base">
-                                        <p:cTn id="7" dur="600" fill="hold"/>
-                                        <p:tgtEl>
-                                          <p:spTgt spid="4"/>
-                                        </p:tgtEl>
-                                        <p:attrNameLst>
-                                          <p:attrName>ppt_x</p:attrName>
-                                        </p:attrNameLst>
-                                      </p:cBhvr>
-                                      <p:tavLst>
-                                        <p:tav tm="0">
-                                          <p:val>
-                                            <p:strVal val="1+#ppt_w/2"/>
-                                          </p:val>
-                                        </p:tav>
-                                        <p:tav tm="100000">
-                                          <p:val>
-                                            <p:strVal val="#ppt_x"/>
-                                          </p:val>
-                                        </p:tav>
-                                      </p:tavLst>
-                                    </p:anim>
-                                    <p:anim calcmode="lin" valueType="num">
-                                      <p:cBhvr additive="base">
-                                        <p:cTn id="8" dur="600" fill="hold"/>
-                                        <p:tgtEl>
-                                          <p:spTgt spid="4"/>
-                                        </p:tgtEl>
-                                        <p:attrNameLst>
-                                          <p:attrName>ppt_y</p:attrName>
-                                        </p:attrNameLst>
-                                      </p:cBhvr>
-                                      <p:tavLst>
-                                        <p:tav tm="0">
-                                          <p:val>
-                                            <p:strVal val="1+#ppt_h/2"/>
-                                          </p:val>
-                                        </p:tav>
-                                        <p:tav tm="100000">
-                                          <p:val>
-                                            <p:strVal val="#ppt_y"/>
-                                          </p:val>
-                                        </p:tav>
-                                      </p:tavLst>
-                                    </p:anim>
-                                  </p:childTnLst>
-                                </p:cTn>
-                              </p:par>
-                              <p:par>
-                                <p:cTn id="9" presetID="12" presetClass="entr" presetSubtype="8" fill="hold" nodeType="withEffect">
-                                  <p:stCondLst>
-                                    <p:cond delay="0"/>
-                                  </p:stCondLst>
-                                  <p:childTnLst>
-                                    <p:set>
-                                      <p:cBhvr>
-                                        <p:cTn id="10" dur="1" fill="hold">
-                                          <p:stCondLst>
-                                            <p:cond delay="0"/>
-                                          </p:stCondLst>
-                                        </p:cTn>
-                                        <p:tgtEl>
-                                          <p:spTgt spid="27"/>
-                                        </p:tgtEl>
-                                        <p:attrNameLst>
-                                          <p:attrName>style.visibility</p:attrName>
-                                        </p:attrNameLst>
-                                      </p:cBhvr>
-                                      <p:to>
-                                        <p:strVal val="visible"/>
-                                      </p:to>
-                                    </p:set>
-                                    <p:anim calcmode="lin" valueType="num">
-                                      <p:cBhvr additive="base">
-                                        <p:cTn id="11" dur="500"/>
-                                        <p:tgtEl>
-                                          <p:spTgt spid="27"/>
-                                        </p:tgtEl>
-                                        <p:attrNameLst>
-                                          <p:attrName>ppt_x</p:attrName>
-                                        </p:attrNameLst>
-                                      </p:cBhvr>
-                                      <p:tavLst>
-                                        <p:tav tm="0">
-                                          <p:val>
-                                            <p:strVal val="#ppt_x-#ppt_w*1.125000"/>
-                                          </p:val>
-                                        </p:tav>
-                                        <p:tav tm="100000">
-                                          <p:val>
-                                            <p:strVal val="#ppt_x"/>
-                                          </p:val>
-                                        </p:tav>
-                                      </p:tavLst>
-                                    </p:anim>
-                                    <p:animEffect transition="in" filter="wipe(right)">
-                                      <p:cBhvr>
-                                        <p:cTn id="12" dur="500"/>
-                                        <p:tgtEl>
-                                          <p:spTgt spid="27"/>
-                                        </p:tgtEl>
-                                      </p:cBhvr>
-                                    </p:animEffect>
-                                  </p:childTnLst>
-                                </p:cTn>
-                              </p:par>
-                            </p:childTnLst>
-                          </p:cTn>
-                        </p:par>
-                      </p:childTnLst>
-                    </p:cTn>
-                  </p:par>
-                </p:childTnLst>
-              </p:cTn>
-              <p:prevCondLst>
-                <p:cond evt="onPrev" delay="0">
-                  <p:tgtEl>
-                    <p:sldTgt/>
-                  </p:tgtEl>
-                </p:cond>
-              </p:prevCondLst>
-              <p:nextCondLst>
-                <p:cond evt="onNext" delay="0">
-                  <p:tgtEl>
-                    <p:sldTgt/>
-                  </p:tgtEl>
-                </p:cond>
-              </p:nextCondLst>
-            </p:seq>
-          </p:childTnLst>
-        </p:cTn>
-      </p:par>
-    </p:tnLst>
   </p:timing>
 </p:sld>
 </file>
@@ -17565,6 +19086,430 @@
 </p:sld>
 </file>
 
+<file path=ppt/slides/slide30.xml><?xml version="1.0" encoding="utf-8"?>
+<p:sld xmlns:a="http://schemas.openxmlformats.org/drawingml/2006/main" xmlns:r="http://schemas.openxmlformats.org/officeDocument/2006/relationships" xmlns:p="http://schemas.openxmlformats.org/presentationml/2006/main">
+  <p:cSld>
+    <p:spTree>
+      <p:nvGrpSpPr>
+        <p:cNvPr id="1" name=""/>
+        <p:cNvGrpSpPr/>
+        <p:nvPr/>
+      </p:nvGrpSpPr>
+      <p:grpSpPr>
+        <a:xfrm>
+          <a:off x="0" y="0"/>
+          <a:ext cx="0" cy="0"/>
+          <a:chOff x="0" y="0"/>
+          <a:chExt cx="0" cy="0"/>
+        </a:xfrm>
+      </p:grpSpPr>
+      <p:pic>
+        <p:nvPicPr>
+          <p:cNvPr id="4" name="图片 3"/>
+          <p:cNvPicPr>
+            <a:picLocks noChangeAspect="1"/>
+          </p:cNvPicPr>
+          <p:nvPr/>
+        </p:nvPicPr>
+        <p:blipFill rotWithShape="1">
+          <a:blip r:embed="rId2" cstate="print">
+            <a:extLst>
+              <a:ext uri="{28A0092B-C50C-407E-A947-70E740481C1C}">
+                <a14:useLocalDpi xmlns:a14="http://schemas.microsoft.com/office/drawing/2010/main" val="0"/>
+              </a:ext>
+            </a:extLst>
+          </a:blip>
+          <a:srcRect t="49851"/>
+          <a:stretch>
+            <a:fillRect/>
+          </a:stretch>
+        </p:blipFill>
+        <p:spPr>
+          <a:xfrm rot="8836188">
+            <a:off x="3825303" y="2380525"/>
+            <a:ext cx="11056882" cy="7666412"/>
+          </a:xfrm>
+          <a:prstGeom prst="rect">
+            <a:avLst/>
+          </a:prstGeom>
+        </p:spPr>
+      </p:pic>
+      <p:grpSp>
+        <p:nvGrpSpPr>
+          <p:cNvPr id="27" name="组合 26"/>
+          <p:cNvGrpSpPr/>
+          <p:nvPr/>
+        </p:nvGrpSpPr>
+        <p:grpSpPr>
+          <a:xfrm>
+            <a:off x="0" y="2710631"/>
+            <a:ext cx="762000" cy="1590622"/>
+            <a:chOff x="11891524" y="3363602"/>
+            <a:chExt cx="3362326" cy="1590622"/>
+          </a:xfrm>
+        </p:grpSpPr>
+        <p:sp>
+          <p:nvSpPr>
+            <p:cNvPr id="29" name="矩形 28"/>
+            <p:cNvSpPr/>
+            <p:nvPr/>
+          </p:nvSpPr>
+          <p:spPr>
+            <a:xfrm>
+              <a:off x="11891524" y="3363602"/>
+              <a:ext cx="3362325" cy="1577634"/>
+            </a:xfrm>
+            <a:prstGeom prst="rect">
+              <a:avLst/>
+            </a:prstGeom>
+            <a:solidFill>
+              <a:srgbClr val="3E4150"/>
+            </a:solidFill>
+            <a:ln>
+              <a:noFill/>
+            </a:ln>
+          </p:spPr>
+          <p:style>
+            <a:lnRef idx="2">
+              <a:schemeClr val="accent1">
+                <a:shade val="50000"/>
+              </a:schemeClr>
+            </a:lnRef>
+            <a:fillRef idx="1">
+              <a:schemeClr val="accent1"/>
+            </a:fillRef>
+            <a:effectRef idx="0">
+              <a:schemeClr val="accent1"/>
+            </a:effectRef>
+            <a:fontRef idx="minor">
+              <a:schemeClr val="lt1"/>
+            </a:fontRef>
+          </p:style>
+          <p:txBody>
+            <a:bodyPr rtlCol="0" anchor="ctr"/>
+            <a:lstStyle/>
+            <a:p>
+              <a:pPr algn="ctr"/>
+              <a:endParaRPr lang="zh-CN" altLang="en-US"/>
+            </a:p>
+          </p:txBody>
+        </p:sp>
+        <p:sp>
+          <p:nvSpPr>
+            <p:cNvPr id="30" name="矩形 29"/>
+            <p:cNvSpPr/>
+            <p:nvPr/>
+          </p:nvSpPr>
+          <p:spPr>
+            <a:xfrm>
+              <a:off x="11891524" y="4500798"/>
+              <a:ext cx="3362326" cy="453426"/>
+            </a:xfrm>
+            <a:prstGeom prst="rect">
+              <a:avLst/>
+            </a:prstGeom>
+            <a:solidFill>
+              <a:srgbClr val="CF0101"/>
+            </a:solidFill>
+            <a:ln>
+              <a:noFill/>
+            </a:ln>
+          </p:spPr>
+          <p:style>
+            <a:lnRef idx="2">
+              <a:schemeClr val="accent1">
+                <a:shade val="50000"/>
+              </a:schemeClr>
+            </a:lnRef>
+            <a:fillRef idx="1">
+              <a:schemeClr val="accent1"/>
+            </a:fillRef>
+            <a:effectRef idx="0">
+              <a:schemeClr val="accent1"/>
+            </a:effectRef>
+            <a:fontRef idx="minor">
+              <a:schemeClr val="lt1"/>
+            </a:fontRef>
+          </p:style>
+          <p:txBody>
+            <a:bodyPr rtlCol="0" anchor="ctr"/>
+            <a:lstStyle/>
+            <a:p>
+              <a:pPr algn="ctr"/>
+              <a:endParaRPr lang="zh-CN" altLang="en-US"/>
+            </a:p>
+          </p:txBody>
+        </p:sp>
+      </p:grpSp>
+      <p:sp>
+        <p:nvSpPr>
+          <p:cNvPr id="31" name="TextBox 12"/>
+          <p:cNvSpPr txBox="1"/>
+          <p:nvPr/>
+        </p:nvSpPr>
+        <p:spPr>
+          <a:xfrm>
+            <a:off x="1200618" y="2837712"/>
+            <a:ext cx="4499177" cy="1323472"/>
+          </a:xfrm>
+          <a:prstGeom prst="rect">
+            <a:avLst/>
+          </a:prstGeom>
+          <a:noFill/>
+        </p:spPr>
+        <p:txBody>
+          <a:bodyPr wrap="square" lIns="91472" tIns="45736" rIns="91472" bIns="45736" rtlCol="0" anchor="ctr">
+            <a:spAutoFit/>
+          </a:bodyPr>
+          <a:lstStyle>
+            <a:defPPr>
+              <a:defRPr lang="zh-CN"/>
+            </a:defPPr>
+            <a:lvl1pPr algn="ctr">
+              <a:defRPr sz="6000" b="1">
+                <a:gradFill>
+                  <a:gsLst>
+                    <a:gs pos="0">
+                      <a:schemeClr val="bg1">
+                        <a:shade val="30000"/>
+                        <a:satMod val="115000"/>
+                      </a:schemeClr>
+                    </a:gs>
+                    <a:gs pos="50000">
+                      <a:schemeClr val="bg1">
+                        <a:shade val="67500"/>
+                        <a:satMod val="115000"/>
+                      </a:schemeClr>
+                    </a:gs>
+                    <a:gs pos="100000">
+                      <a:schemeClr val="bg1">
+                        <a:shade val="100000"/>
+                        <a:satMod val="115000"/>
+                      </a:schemeClr>
+                    </a:gs>
+                  </a:gsLst>
+                  <a:lin ang="16200000" scaled="1"/>
+                </a:gradFill>
+                <a:latin typeface="Arial" panose="020B0604020202020204" pitchFamily="34" charset="0"/>
+                <a:ea typeface="微软雅黑" panose="020B0503020204020204" pitchFamily="34" charset="-122"/>
+                <a:cs typeface="Arial" panose="020B0604020202020204" pitchFamily="34" charset="0"/>
+              </a:defRPr>
+            </a:lvl1pPr>
+          </a:lstStyle>
+          <a:p>
+            <a:r>
+              <a:rPr lang="zh-CN" altLang="en-US" sz="8000" dirty="0">
+                <a:solidFill>
+                  <a:srgbClr val="3E4150"/>
+                </a:solidFill>
+              </a:rPr>
+              <a:t>感谢</a:t>
+            </a:r>
+          </a:p>
+        </p:txBody>
+      </p:sp>
+    </p:spTree>
+  </p:cSld>
+  <p:clrMapOvr>
+    <a:masterClrMapping/>
+  </p:clrMapOvr>
+  <mc:AlternateContent xmlns:mc="http://schemas.openxmlformats.org/markup-compatibility/2006" xmlns:p14="http://schemas.microsoft.com/office/powerpoint/2010/main">
+    <mc:Choice Requires="p14">
+      <p:transition p14:dur="100" advTm="4000">
+        <p:cut/>
+      </p:transition>
+    </mc:Choice>
+    <mc:Fallback xmlns="">
+      <p:transition advTm="4000">
+        <p:cut/>
+      </p:transition>
+    </mc:Fallback>
+  </mc:AlternateContent>
+  <p:timing>
+    <p:tnLst>
+      <p:par>
+        <p:cTn id="1" dur="indefinite" restart="never" nodeType="tmRoot">
+          <p:childTnLst>
+            <p:seq concurrent="1" nextAc="seek">
+              <p:cTn id="2" dur="indefinite" nodeType="mainSeq">
+                <p:childTnLst>
+                  <p:par>
+                    <p:cTn id="3" fill="hold">
+                      <p:stCondLst>
+                        <p:cond delay="indefinite"/>
+                        <p:cond evt="onBegin" delay="0">
+                          <p:tn val="2"/>
+                        </p:cond>
+                      </p:stCondLst>
+                      <p:childTnLst>
+                        <p:par>
+                          <p:cTn id="4" fill="hold">
+                            <p:stCondLst>
+                              <p:cond delay="0"/>
+                            </p:stCondLst>
+                            <p:childTnLst>
+                              <p:par>
+                                <p:cTn id="5" presetID="2" presetClass="entr" presetSubtype="6" fill="hold" nodeType="withEffect">
+                                  <p:stCondLst>
+                                    <p:cond delay="0"/>
+                                  </p:stCondLst>
+                                  <p:childTnLst>
+                                    <p:set>
+                                      <p:cBhvr>
+                                        <p:cTn id="6" dur="1" fill="hold">
+                                          <p:stCondLst>
+                                            <p:cond delay="0"/>
+                                          </p:stCondLst>
+                                        </p:cTn>
+                                        <p:tgtEl>
+                                          <p:spTgt spid="4"/>
+                                        </p:tgtEl>
+                                        <p:attrNameLst>
+                                          <p:attrName>style.visibility</p:attrName>
+                                        </p:attrNameLst>
+                                      </p:cBhvr>
+                                      <p:to>
+                                        <p:strVal val="visible"/>
+                                      </p:to>
+                                    </p:set>
+                                    <p:anim calcmode="lin" valueType="num">
+                                      <p:cBhvr additive="base">
+                                        <p:cTn id="7" dur="600" fill="hold"/>
+                                        <p:tgtEl>
+                                          <p:spTgt spid="4"/>
+                                        </p:tgtEl>
+                                        <p:attrNameLst>
+                                          <p:attrName>ppt_x</p:attrName>
+                                        </p:attrNameLst>
+                                      </p:cBhvr>
+                                      <p:tavLst>
+                                        <p:tav tm="0">
+                                          <p:val>
+                                            <p:strVal val="1+#ppt_w/2"/>
+                                          </p:val>
+                                        </p:tav>
+                                        <p:tav tm="100000">
+                                          <p:val>
+                                            <p:strVal val="#ppt_x"/>
+                                          </p:val>
+                                        </p:tav>
+                                      </p:tavLst>
+                                    </p:anim>
+                                    <p:anim calcmode="lin" valueType="num">
+                                      <p:cBhvr additive="base">
+                                        <p:cTn id="8" dur="600" fill="hold"/>
+                                        <p:tgtEl>
+                                          <p:spTgt spid="4"/>
+                                        </p:tgtEl>
+                                        <p:attrNameLst>
+                                          <p:attrName>ppt_y</p:attrName>
+                                        </p:attrNameLst>
+                                      </p:cBhvr>
+                                      <p:tavLst>
+                                        <p:tav tm="0">
+                                          <p:val>
+                                            <p:strVal val="1+#ppt_h/2"/>
+                                          </p:val>
+                                        </p:tav>
+                                        <p:tav tm="100000">
+                                          <p:val>
+                                            <p:strVal val="#ppt_y"/>
+                                          </p:val>
+                                        </p:tav>
+                                      </p:tavLst>
+                                    </p:anim>
+                                  </p:childTnLst>
+                                </p:cTn>
+                              </p:par>
+                              <p:par>
+                                <p:cTn id="9" presetID="12" presetClass="entr" presetSubtype="8" fill="hold" nodeType="withEffect">
+                                  <p:stCondLst>
+                                    <p:cond delay="0"/>
+                                  </p:stCondLst>
+                                  <p:childTnLst>
+                                    <p:set>
+                                      <p:cBhvr>
+                                        <p:cTn id="10" dur="1" fill="hold">
+                                          <p:stCondLst>
+                                            <p:cond delay="0"/>
+                                          </p:stCondLst>
+                                        </p:cTn>
+                                        <p:tgtEl>
+                                          <p:spTgt spid="27"/>
+                                        </p:tgtEl>
+                                        <p:attrNameLst>
+                                          <p:attrName>style.visibility</p:attrName>
+                                        </p:attrNameLst>
+                                      </p:cBhvr>
+                                      <p:to>
+                                        <p:strVal val="visible"/>
+                                      </p:to>
+                                    </p:set>
+                                    <p:anim calcmode="lin" valueType="num">
+                                      <p:cBhvr additive="base">
+                                        <p:cTn id="11" dur="500"/>
+                                        <p:tgtEl>
+                                          <p:spTgt spid="27"/>
+                                        </p:tgtEl>
+                                        <p:attrNameLst>
+                                          <p:attrName>ppt_x</p:attrName>
+                                        </p:attrNameLst>
+                                      </p:cBhvr>
+                                      <p:tavLst>
+                                        <p:tav tm="0">
+                                          <p:val>
+                                            <p:strVal val="#ppt_x-#ppt_w*1.125000"/>
+                                          </p:val>
+                                        </p:tav>
+                                        <p:tav tm="100000">
+                                          <p:val>
+                                            <p:strVal val="#ppt_x"/>
+                                          </p:val>
+                                        </p:tav>
+                                      </p:tavLst>
+                                    </p:anim>
+                                    <p:animEffect transition="in" filter="wipe(right)">
+                                      <p:cBhvr>
+                                        <p:cTn id="12" dur="500"/>
+                                        <p:tgtEl>
+                                          <p:spTgt spid="27"/>
+                                        </p:tgtEl>
+                                      </p:cBhvr>
+                                    </p:animEffect>
+                                  </p:childTnLst>
+                                </p:cTn>
+                              </p:par>
+                            </p:childTnLst>
+                          </p:cTn>
+                        </p:par>
+                      </p:childTnLst>
+                    </p:cTn>
+                  </p:par>
+                </p:childTnLst>
+              </p:cTn>
+              <p:prevCondLst>
+                <p:cond evt="onPrev" delay="0">
+                  <p:tgtEl>
+                    <p:sldTgt/>
+                  </p:tgtEl>
+                </p:cond>
+              </p:prevCondLst>
+              <p:nextCondLst>
+                <p:cond evt="onNext" delay="0">
+                  <p:tgtEl>
+                    <p:sldTgt/>
+                  </p:tgtEl>
+                </p:cond>
+              </p:nextCondLst>
+            </p:seq>
+          </p:childTnLst>
+        </p:cTn>
+      </p:par>
+    </p:tnLst>
+  </p:timing>
+</p:sld>
+</file>
+
 <file path=ppt/slides/slide4.xml><?xml version="1.0" encoding="utf-8"?>
 <p:sld xmlns:a="http://schemas.openxmlformats.org/drawingml/2006/main" xmlns:r="http://schemas.openxmlformats.org/officeDocument/2006/relationships" xmlns:p="http://schemas.openxmlformats.org/presentationml/2006/main">
   <p:cSld>
@@ -20837,9 +22782,9 @@
         <p:grpSpPr>
           <a:xfrm>
             <a:off x="-122549" y="1022667"/>
-            <a:ext cx="11651531" cy="5286192"/>
+            <a:ext cx="11651531" cy="2018374"/>
             <a:chOff x="-84842" y="1195818"/>
-            <a:chExt cx="11651531" cy="5286192"/>
+            <a:chExt cx="11651531" cy="2018374"/>
           </a:xfrm>
         </p:grpSpPr>
         <p:sp>
@@ -20882,7 +22827,7 @@
                   <a:latin typeface="黑体" panose="02010609060101010101" pitchFamily="49" charset="-122"/>
                   <a:ea typeface="黑体" panose="02010609060101010101" pitchFamily="49" charset="-122"/>
                 </a:rPr>
-                <a:t>词法分析与语法分析解决输入合法性问题</a:t>
+                <a:t>特殊运算符在表达式中的表示</a:t>
               </a:r>
               <a:endParaRPr lang="en-US" altLang="zh-CN" sz="2500" b="1" dirty="0">
                 <a:latin typeface="黑体" panose="02010609060101010101" pitchFamily="49" charset="-122"/>
@@ -20891,589 +22836,113 @@
             </a:p>
           </p:txBody>
         </p:sp>
-        <mc:AlternateContent xmlns:mc="http://schemas.openxmlformats.org/markup-compatibility/2006" xmlns:a14="http://schemas.microsoft.com/office/drawing/2010/main">
-          <mc:Choice Requires="a14">
-            <p:sp>
-              <p:nvSpPr>
-                <p:cNvPr id="7" name="文本框 6">
-                  <a:extLst>
-                    <a:ext uri="{FF2B5EF4-FFF2-40B4-BE49-F238E27FC236}">
-                      <a16:creationId xmlns:a16="http://schemas.microsoft.com/office/drawing/2014/main" id="{3BCFD3A5-941E-A3FF-554D-046E7DA5D53F}"/>
-                    </a:ext>
-                  </a:extLst>
-                </p:cNvPr>
-                <p:cNvSpPr txBox="1"/>
-                <p:nvPr/>
-              </p:nvSpPr>
-              <p:spPr>
-                <a:xfrm>
-                  <a:off x="382691" y="1692237"/>
-                  <a:ext cx="11183998" cy="4789773"/>
-                </a:xfrm>
-                <a:prstGeom prst="rect">
-                  <a:avLst/>
-                </a:prstGeom>
-                <a:noFill/>
-              </p:spPr>
-              <p:txBody>
-                <a:bodyPr wrap="square" rtlCol="0">
-                  <a:spAutoFit/>
-                </a:bodyPr>
-                <a:lstStyle/>
-                <a:p>
-                  <a:pPr>
-                    <a:lnSpc>
-                      <a:spcPct val="150000"/>
-                    </a:lnSpc>
-                  </a:pPr>
-                  <a:r>
-                    <a:rPr lang="en-US" altLang="zh-CN" sz="2400" b="1" dirty="0"/>
-                    <a:t>       1</a:t>
-                  </a:r>
-                  <a:r>
-                    <a:rPr lang="zh-CN" altLang="en-US" sz="2400" b="1" dirty="0"/>
-                    <a:t>）词法分析</a:t>
-                  </a:r>
-                  <a:endParaRPr lang="en-US" altLang="zh-CN" sz="2400" b="1" dirty="0"/>
-                </a:p>
-                <a:p>
-                  <a:pPr>
-                    <a:lnSpc>
-                      <a:spcPct val="150000"/>
-                    </a:lnSpc>
-                  </a:pPr>
-                  <a:r>
-                    <a:rPr lang="en-US" altLang="zh-CN" sz="2000" b="1" dirty="0"/>
-                    <a:t>        DFA</a:t>
-                  </a:r>
-                  <a:r>
-                    <a:rPr lang="zh-CN" altLang="en-US" sz="2000" b="1" dirty="0"/>
-                    <a:t>推导过程：</a:t>
-                  </a:r>
-                  <a:endParaRPr lang="en-US" altLang="zh-CN" sz="2000" b="1" dirty="0"/>
-                </a:p>
-                <a:p>
-                  <a:pPr>
-                    <a:lnSpc>
-                      <a:spcPct val="150000"/>
-                    </a:lnSpc>
-                  </a:pPr>
-                  <a:r>
-                    <a:rPr lang="zh-CN" altLang="en-US" sz="2000" dirty="0"/>
-                    <a:t>       通过词法分析，我们可以判断输入的计算表达式中是否含非法的字符。这一步骤由程序实现，则需要首先推导出我们的</a:t>
-                  </a:r>
-                  <a:r>
-                    <a:rPr lang="en-US" altLang="zh-CN" sz="2000" dirty="0"/>
-                    <a:t>DFA</a:t>
-                  </a:r>
-                  <a:r>
-                    <a:rPr lang="zh-CN" altLang="en-US" sz="2000" dirty="0"/>
-                    <a:t>（</a:t>
-                  </a:r>
-                  <a:r>
-                    <a:rPr lang="en-US" altLang="zh-CN" sz="2000" dirty="0"/>
-                    <a:t>deterministic finite automaton </a:t>
-                  </a:r>
-                  <a:r>
-                    <a:rPr lang="zh-CN" altLang="en-US" sz="2000" dirty="0"/>
-                    <a:t>有限状态自动机）。</a:t>
-                  </a:r>
-                  <a:endParaRPr lang="en-US" altLang="zh-CN" sz="2000" dirty="0"/>
-                </a:p>
-                <a:p>
-                  <a:pPr>
-                    <a:lnSpc>
-                      <a:spcPct val="150000"/>
-                    </a:lnSpc>
-                  </a:pPr>
-                  <a:r>
-                    <a:rPr lang="zh-CN" altLang="en-US" sz="2000" dirty="0"/>
-                    <a:t>       使用正规式定义标识符记号</a:t>
-                  </a:r>
-                  <a:r>
-                    <a:rPr lang="en-US" altLang="zh-CN" sz="2000" dirty="0"/>
-                    <a:t>id</a:t>
-                  </a:r>
-                  <a:r>
-                    <a:rPr lang="zh-CN" altLang="en-US" sz="2000" dirty="0"/>
-                    <a:t>，数字记号</a:t>
-                  </a:r>
-                  <a:r>
-                    <a:rPr lang="en-US" altLang="zh-CN" sz="2000" dirty="0"/>
-                    <a:t>num</a:t>
-                  </a:r>
-                  <a:r>
-                    <a:rPr lang="zh-CN" altLang="en-US" sz="2000" dirty="0"/>
-                    <a:t>，运算符记号</a:t>
-                  </a:r>
-                  <a:r>
-                    <a:rPr lang="en-US" altLang="zh-CN" sz="2000" dirty="0"/>
-                    <a:t>operator:</a:t>
-                  </a:r>
-                </a:p>
-                <a:p>
-                  <a:pPr>
-                    <a:lnSpc>
-                      <a:spcPct val="150000"/>
-                    </a:lnSpc>
-                  </a:pPr>
-                  <a:r>
-                    <a:rPr lang="en-US" altLang="zh-CN" sz="2000" dirty="0"/>
-                    <a:t>        </a:t>
-                  </a:r>
-                  <a14:m>
-                    <m:oMath xmlns:m="http://schemas.openxmlformats.org/officeDocument/2006/math">
-                      <m:r>
-                        <a:rPr lang="en-US" altLang="zh-CN" sz="2000" b="0" i="1" smtClean="0">
-                          <a:latin typeface="Cambria Math" panose="02040503050406030204" pitchFamily="18" charset="0"/>
-                        </a:rPr>
-                        <m:t>𝑖𝑑</m:t>
-                      </m:r>
-                      <m:r>
-                        <a:rPr lang="en-US" altLang="zh-CN" sz="2000" b="0" i="1" smtClean="0">
-                          <a:latin typeface="Cambria Math" panose="02040503050406030204" pitchFamily="18" charset="0"/>
-                          <a:ea typeface="Cambria Math" panose="02040503050406030204" pitchFamily="18" charset="0"/>
-                        </a:rPr>
-                        <m:t>=</m:t>
-                      </m:r>
-                      <m:sSup>
-                        <m:sSupPr>
-                          <m:ctrlPr>
-                            <a:rPr lang="en-US" altLang="zh-CN" sz="2000" b="0" i="1" smtClean="0">
-                              <a:latin typeface="Cambria Math" panose="02040503050406030204" pitchFamily="18" charset="0"/>
-                              <a:ea typeface="Cambria Math" panose="02040503050406030204" pitchFamily="18" charset="0"/>
-                            </a:rPr>
-                          </m:ctrlPr>
-                        </m:sSupPr>
-                        <m:e>
-                          <m:r>
-                            <a:rPr lang="en-US" altLang="zh-CN" sz="2000" i="1">
-                              <a:latin typeface="Cambria Math" panose="02040503050406030204" pitchFamily="18" charset="0"/>
-                              <a:ea typeface="Cambria Math" panose="02040503050406030204" pitchFamily="18" charset="0"/>
-                            </a:rPr>
-                            <m:t>𝑐h𝑎𝑟</m:t>
-                          </m:r>
-                          <m:r>
-                            <a:rPr lang="en-US" altLang="zh-CN" sz="2000" i="1">
-                              <a:latin typeface="Cambria Math" panose="02040503050406030204" pitchFamily="18" charset="0"/>
-                              <a:ea typeface="Cambria Math" panose="02040503050406030204" pitchFamily="18" charset="0"/>
-                            </a:rPr>
-                            <m:t>(</m:t>
-                          </m:r>
-                          <m:r>
-                            <a:rPr lang="en-US" altLang="zh-CN" sz="2000" i="1">
-                              <a:latin typeface="Cambria Math" panose="02040503050406030204" pitchFamily="18" charset="0"/>
-                              <a:ea typeface="Cambria Math" panose="02040503050406030204" pitchFamily="18" charset="0"/>
-                            </a:rPr>
-                            <m:t>𝑐h𝑎𝑟</m:t>
-                          </m:r>
-                          <m:r>
-                            <a:rPr lang="en-US" altLang="zh-CN" sz="2000" i="1">
-                              <a:latin typeface="Cambria Math" panose="02040503050406030204" pitchFamily="18" charset="0"/>
-                              <a:ea typeface="Cambria Math" panose="02040503050406030204" pitchFamily="18" charset="0"/>
-                            </a:rPr>
-                            <m:t>|</m:t>
-                          </m:r>
-                          <m:r>
-                            <a:rPr lang="en-US" altLang="zh-CN" sz="2000" i="1">
-                              <a:latin typeface="Cambria Math" panose="02040503050406030204" pitchFamily="18" charset="0"/>
-                              <a:ea typeface="Cambria Math" panose="02040503050406030204" pitchFamily="18" charset="0"/>
-                            </a:rPr>
-                            <m:t>𝑑𝑖𝑔𝑖𝑡</m:t>
-                          </m:r>
-                          <m:r>
-                            <a:rPr lang="en-US" altLang="zh-CN" sz="2000" i="1">
-                              <a:latin typeface="Cambria Math" panose="02040503050406030204" pitchFamily="18" charset="0"/>
-                              <a:ea typeface="Cambria Math" panose="02040503050406030204" pitchFamily="18" charset="0"/>
-                            </a:rPr>
-                            <m:t>)</m:t>
-                          </m:r>
-                        </m:e>
-                        <m:sup>
-                          <m:r>
-                            <a:rPr lang="en-US" altLang="zh-CN" sz="2000" b="0" i="1" smtClean="0">
-                              <a:latin typeface="Cambria Math" panose="02040503050406030204" pitchFamily="18" charset="0"/>
-                              <a:ea typeface="Cambria Math" panose="02040503050406030204" pitchFamily="18" charset="0"/>
-                            </a:rPr>
-                            <m:t>∗</m:t>
-                          </m:r>
-                        </m:sup>
-                      </m:sSup>
-                    </m:oMath>
-                  </a14:m>
-                  <a:endParaRPr lang="en-US" altLang="zh-CN" sz="2000" dirty="0"/>
-                </a:p>
-                <a:p>
-                  <a:pPr>
-                    <a:lnSpc>
-                      <a:spcPct val="150000"/>
-                    </a:lnSpc>
-                  </a:pPr>
-                  <a:r>
-                    <a:rPr lang="en-US" altLang="zh-CN" sz="2000" dirty="0"/>
-                    <a:t>        </a:t>
-                  </a:r>
-                  <a14:m>
-                    <m:oMath xmlns:m="http://schemas.openxmlformats.org/officeDocument/2006/math">
-                      <m:r>
-                        <a:rPr lang="en-US" altLang="zh-CN" sz="2000" b="0" i="1" smtClean="0">
-                          <a:latin typeface="Cambria Math" panose="02040503050406030204" pitchFamily="18" charset="0"/>
-                        </a:rPr>
-                        <m:t>𝑛𝑢𝑚</m:t>
-                      </m:r>
-                      <m:r>
-                        <a:rPr lang="en-US" altLang="zh-CN" sz="2000" b="0" i="1" smtClean="0">
-                          <a:latin typeface="Cambria Math" panose="02040503050406030204" pitchFamily="18" charset="0"/>
-                        </a:rPr>
-                        <m:t>=</m:t>
-                      </m:r>
-                      <m:r>
-                        <a:rPr lang="en-US" altLang="zh-CN" sz="2000" b="0" i="1" smtClean="0">
-                          <a:latin typeface="Cambria Math" panose="02040503050406030204" pitchFamily="18" charset="0"/>
-                        </a:rPr>
-                        <m:t>𝑑𝑖𝑔𝑖𝑡𝑠</m:t>
-                      </m:r>
-                      <m:r>
-                        <a:rPr lang="en-US" altLang="zh-CN" sz="2000" b="0" i="1" smtClean="0">
-                          <a:latin typeface="Cambria Math" panose="02040503050406030204" pitchFamily="18" charset="0"/>
-                        </a:rPr>
-                        <m:t> </m:t>
-                      </m:r>
-                      <m:r>
-                        <a:rPr lang="en-US" altLang="zh-CN" sz="2000" i="1">
-                          <a:latin typeface="Cambria Math" panose="02040503050406030204" pitchFamily="18" charset="0"/>
-                        </a:rPr>
-                        <m:t>𝑜𝑝𝑡𝑖𝑜𝑛𝑎𝑙</m:t>
-                      </m:r>
-                      <m:r>
-                        <a:rPr lang="en-US" altLang="zh-CN" sz="2000" i="1">
-                          <a:latin typeface="Cambria Math" panose="02040503050406030204" pitchFamily="18" charset="0"/>
-                        </a:rPr>
-                        <m:t>_</m:t>
-                      </m:r>
-                      <m:r>
-                        <a:rPr lang="en-US" altLang="zh-CN" sz="2000" i="1">
-                          <a:latin typeface="Cambria Math" panose="02040503050406030204" pitchFamily="18" charset="0"/>
-                        </a:rPr>
-                        <m:t>𝑓𝑟𝑎𝑐𝑡𝑖𝑜𝑛</m:t>
-                      </m:r>
-                    </m:oMath>
-                  </a14:m>
-                  <a:endParaRPr lang="en-US" altLang="zh-CN" sz="2000" b="0" dirty="0"/>
-                </a:p>
-                <a:p>
-                  <a:pPr>
-                    <a:lnSpc>
-                      <a:spcPct val="150000"/>
-                    </a:lnSpc>
-                  </a:pPr>
-                  <a:r>
-                    <a:rPr lang="en-US" altLang="zh-CN" sz="2000" dirty="0"/>
-                    <a:t>        </a:t>
-                  </a:r>
-                  <a14:m>
-                    <m:oMath xmlns:m="http://schemas.openxmlformats.org/officeDocument/2006/math">
-                      <m:r>
-                        <a:rPr lang="en-US" altLang="zh-CN" sz="2000" b="0" i="1" smtClean="0">
-                          <a:latin typeface="Cambria Math" panose="02040503050406030204" pitchFamily="18" charset="0"/>
-                        </a:rPr>
-                        <m:t>𝑜𝑝𝑒𝑟𝑎𝑡𝑜𝑟</m:t>
-                      </m:r>
-                      <m:r>
-                        <a:rPr lang="en-US" altLang="zh-CN" sz="2000" b="0" i="1" smtClean="0">
-                          <a:latin typeface="Cambria Math" panose="02040503050406030204" pitchFamily="18" charset="0"/>
-                        </a:rPr>
-                        <m:t>= ∩|∪|−|×|⋈|</m:t>
-                      </m:r>
-                      <m:r>
-                        <a:rPr lang="el-GR" altLang="zh-CN" sz="2000" i="1">
-                          <a:latin typeface="Cambria Math" panose="02040503050406030204" pitchFamily="18" charset="0"/>
-                          <a:ea typeface="Cambria Math" panose="02040503050406030204" pitchFamily="18" charset="0"/>
-                        </a:rPr>
-                        <m:t>𝜋</m:t>
-                      </m:r>
-                      <m:r>
-                        <a:rPr lang="el-GR" altLang="zh-CN" sz="2000" i="1">
-                          <a:latin typeface="Cambria Math" panose="02040503050406030204" pitchFamily="18" charset="0"/>
-                          <a:ea typeface="Cambria Math" panose="02040503050406030204" pitchFamily="18" charset="0"/>
-                        </a:rPr>
-                        <m:t>|</m:t>
-                      </m:r>
-                      <m:r>
-                        <a:rPr lang="el-GR" altLang="zh-CN" sz="2000" i="1">
-                          <a:latin typeface="Cambria Math" panose="02040503050406030204" pitchFamily="18" charset="0"/>
-                          <a:ea typeface="Cambria Math" panose="02040503050406030204" pitchFamily="18" charset="0"/>
-                        </a:rPr>
-                        <m:t>𝜎</m:t>
-                      </m:r>
-                      <m:r>
-                        <a:rPr lang="el-GR" altLang="zh-CN" sz="2000" i="1">
-                          <a:latin typeface="Cambria Math" panose="02040503050406030204" pitchFamily="18" charset="0"/>
-                          <a:ea typeface="Cambria Math" panose="02040503050406030204" pitchFamily="18" charset="0"/>
-                        </a:rPr>
-                        <m:t>|∧|∨|(|)|[|]|.|≤|≥|≠|&gt;|&lt;|=|</m:t>
-                      </m:r>
-                    </m:oMath>
-                  </a14:m>
-                  <a:endParaRPr lang="en-US" altLang="zh-CN" sz="2000" dirty="0"/>
-                </a:p>
-                <a:p>
-                  <a:pPr>
-                    <a:lnSpc>
-                      <a:spcPct val="150000"/>
-                    </a:lnSpc>
-                  </a:pPr>
-                  <a:r>
-                    <a:rPr lang="en-US" altLang="zh-CN" sz="2000" dirty="0"/>
-                    <a:t>        </a:t>
-                  </a:r>
-                  <a:r>
-                    <a:rPr lang="zh-CN" altLang="en-US" sz="2000" dirty="0"/>
-                    <a:t>其中，辅助定义式：</a:t>
-                  </a:r>
-                  <a:endParaRPr lang="en-US" altLang="zh-CN" sz="2000" dirty="0"/>
-                </a:p>
-                <a:p>
-                  <a:pPr>
-                    <a:lnSpc>
-                      <a:spcPct val="150000"/>
-                    </a:lnSpc>
-                  </a:pPr>
-                  <a:r>
-                    <a:rPr lang="en-US" altLang="zh-CN" sz="2000" dirty="0"/>
-                    <a:t>        </a:t>
-                  </a:r>
-                  <a14:m>
-                    <m:oMath xmlns:m="http://schemas.openxmlformats.org/officeDocument/2006/math">
-                      <m:r>
-                        <a:rPr lang="en-US" altLang="zh-CN" sz="2000" b="0" i="1" smtClean="0">
-                          <a:latin typeface="Cambria Math" panose="02040503050406030204" pitchFamily="18" charset="0"/>
-                        </a:rPr>
-                        <m:t>𝑐h𝑎𝑟</m:t>
-                      </m:r>
-                      <m:r>
-                        <a:rPr lang="en-US" altLang="zh-CN" sz="2000" b="0" i="1" smtClean="0">
-                          <a:latin typeface="Cambria Math" panose="02040503050406030204" pitchFamily="18" charset="0"/>
-                        </a:rPr>
-                        <m:t>=</m:t>
-                      </m:r>
-                      <m:d>
-                        <m:dPr>
-                          <m:begChr m:val="["/>
-                          <m:endChr m:val="]"/>
-                          <m:ctrlPr>
-                            <a:rPr lang="en-US" altLang="zh-CN" sz="2000" b="0" i="1" smtClean="0">
-                              <a:latin typeface="Cambria Math" panose="02040503050406030204" pitchFamily="18" charset="0"/>
-                            </a:rPr>
-                          </m:ctrlPr>
-                        </m:dPr>
-                        <m:e>
-                          <m:r>
-                            <a:rPr lang="en-US" altLang="zh-CN" sz="2000" b="0" i="1" smtClean="0">
-                              <a:latin typeface="Cambria Math" panose="02040503050406030204" pitchFamily="18" charset="0"/>
-                            </a:rPr>
-                            <m:t>𝑎</m:t>
-                          </m:r>
-                          <m:r>
-                            <a:rPr lang="en-US" altLang="zh-CN" sz="2000" b="0" i="1" smtClean="0">
-                              <a:latin typeface="Cambria Math" panose="02040503050406030204" pitchFamily="18" charset="0"/>
-                            </a:rPr>
-                            <m:t>−</m:t>
-                          </m:r>
-                          <m:r>
-                            <a:rPr lang="en-US" altLang="zh-CN" sz="2000" b="0" i="1" smtClean="0">
-                              <a:latin typeface="Cambria Math" panose="02040503050406030204" pitchFamily="18" charset="0"/>
-                            </a:rPr>
-                            <m:t>𝑧𝐴</m:t>
-                          </m:r>
-                          <m:r>
-                            <a:rPr lang="en-US" altLang="zh-CN" sz="2000" b="0" i="1" smtClean="0">
-                              <a:latin typeface="Cambria Math" panose="02040503050406030204" pitchFamily="18" charset="0"/>
-                            </a:rPr>
-                            <m:t>−</m:t>
-                          </m:r>
-                          <m:r>
-                            <a:rPr lang="en-US" altLang="zh-CN" sz="2000" b="0" i="1" smtClean="0">
-                              <a:latin typeface="Cambria Math" panose="02040503050406030204" pitchFamily="18" charset="0"/>
-                            </a:rPr>
-                            <m:t>𝑍</m:t>
-                          </m:r>
-                        </m:e>
-                      </m:d>
-                      <m:r>
-                        <a:rPr lang="zh-CN" altLang="en-US" sz="2000" i="1">
-                          <a:latin typeface="Cambria Math" panose="02040503050406030204" pitchFamily="18" charset="0"/>
-                        </a:rPr>
-                        <m:t>、</m:t>
-                      </m:r>
-                      <m:r>
-                        <a:rPr lang="en-US" altLang="zh-CN" sz="2000" i="1">
-                          <a:latin typeface="Cambria Math" panose="02040503050406030204" pitchFamily="18" charset="0"/>
-                        </a:rPr>
-                        <m:t>𝑑𝑖𝑔𝑖𝑡</m:t>
-                      </m:r>
-                      <m:r>
-                        <a:rPr lang="en-US" altLang="zh-CN" sz="2000" i="1">
-                          <a:latin typeface="Cambria Math" panose="02040503050406030204" pitchFamily="18" charset="0"/>
-                        </a:rPr>
-                        <m:t> = </m:t>
-                      </m:r>
-                      <m:d>
-                        <m:dPr>
-                          <m:begChr m:val="["/>
-                          <m:endChr m:val="]"/>
-                          <m:ctrlPr>
-                            <a:rPr lang="en-US" altLang="zh-CN" sz="2000" i="1">
-                              <a:latin typeface="Cambria Math" panose="02040503050406030204" pitchFamily="18" charset="0"/>
-                            </a:rPr>
-                          </m:ctrlPr>
-                        </m:dPr>
-                        <m:e>
-                          <m:r>
-                            <a:rPr lang="en-US" altLang="zh-CN" sz="2000" i="1">
-                              <a:latin typeface="Cambria Math" panose="02040503050406030204" pitchFamily="18" charset="0"/>
-                            </a:rPr>
-                            <m:t>0−9</m:t>
-                          </m:r>
-                        </m:e>
-                      </m:d>
-                      <m:r>
-                        <a:rPr lang="zh-CN" altLang="en-US" sz="2000" i="1" smtClean="0">
-                          <a:latin typeface="Cambria Math" panose="02040503050406030204" pitchFamily="18" charset="0"/>
-                        </a:rPr>
-                        <m:t>、</m:t>
-                      </m:r>
-                      <m:r>
-                        <a:rPr lang="en-US" altLang="zh-CN" sz="2000" i="1">
-                          <a:latin typeface="Cambria Math" panose="02040503050406030204" pitchFamily="18" charset="0"/>
-                        </a:rPr>
-                        <m:t>𝑑𝑖𝑔𝑖𝑡𝑠</m:t>
-                      </m:r>
-                      <m:r>
-                        <a:rPr lang="en-US" altLang="zh-CN" sz="2000" i="1">
-                          <a:latin typeface="Cambria Math" panose="02040503050406030204" pitchFamily="18" charset="0"/>
-                        </a:rPr>
-                        <m:t> = </m:t>
-                      </m:r>
-                      <m:sSup>
-                        <m:sSupPr>
-                          <m:ctrlPr>
-                            <a:rPr lang="en-US" altLang="zh-CN" sz="2000" i="1" smtClean="0">
-                              <a:latin typeface="Cambria Math" panose="02040503050406030204" pitchFamily="18" charset="0"/>
-                            </a:rPr>
-                          </m:ctrlPr>
-                        </m:sSupPr>
-                        <m:e>
-                          <m:r>
-                            <a:rPr lang="en-US" altLang="zh-CN" sz="2000" b="0" i="1" smtClean="0">
-                              <a:latin typeface="Cambria Math" panose="02040503050406030204" pitchFamily="18" charset="0"/>
-                            </a:rPr>
-                            <m:t>𝑑𝑖𝑔𝑖𝑡</m:t>
-                          </m:r>
-                        </m:e>
-                        <m:sup>
-                          <m:r>
-                            <a:rPr lang="en-US" altLang="zh-CN" sz="2000" b="0" i="1" smtClean="0">
-                              <a:latin typeface="Cambria Math" panose="02040503050406030204" pitchFamily="18" charset="0"/>
-                            </a:rPr>
-                            <m:t>+</m:t>
-                          </m:r>
-                        </m:sup>
-                      </m:sSup>
-                      <m:r>
-                        <a:rPr lang="zh-CN" altLang="en-US" sz="2000" i="1" smtClean="0">
-                          <a:latin typeface="Cambria Math" panose="02040503050406030204" pitchFamily="18" charset="0"/>
-                        </a:rPr>
-                        <m:t>、</m:t>
-                      </m:r>
-                      <m:r>
-                        <a:rPr lang="en-US" altLang="zh-CN" sz="2000" i="1">
-                          <a:latin typeface="Cambria Math" panose="02040503050406030204" pitchFamily="18" charset="0"/>
-                        </a:rPr>
-                        <m:t>𝑜𝑝𝑡𝑖𝑜𝑛𝑎𝑙</m:t>
-                      </m:r>
-                      <m:r>
-                        <a:rPr lang="en-US" altLang="zh-CN" sz="2000" i="1">
-                          <a:latin typeface="Cambria Math" panose="02040503050406030204" pitchFamily="18" charset="0"/>
-                        </a:rPr>
-                        <m:t>_</m:t>
-                      </m:r>
-                      <m:r>
-                        <a:rPr lang="en-US" altLang="zh-CN" sz="2000" i="1">
-                          <a:latin typeface="Cambria Math" panose="02040503050406030204" pitchFamily="18" charset="0"/>
-                        </a:rPr>
-                        <m:t>𝑓𝑟𝑎𝑐𝑡𝑖𝑜𝑛</m:t>
-                      </m:r>
-                      <m:r>
-                        <a:rPr lang="en-US" altLang="zh-CN" sz="2000" i="1">
-                          <a:latin typeface="Cambria Math" panose="02040503050406030204" pitchFamily="18" charset="0"/>
-                        </a:rPr>
-                        <m:t> = (.</m:t>
-                      </m:r>
-                      <m:r>
-                        <a:rPr lang="en-US" altLang="zh-CN" sz="2000" i="1">
-                          <a:latin typeface="Cambria Math" panose="02040503050406030204" pitchFamily="18" charset="0"/>
-                        </a:rPr>
-                        <m:t>𝑑𝑖𝑔𝑖𝑡𝑠</m:t>
-                      </m:r>
-                      <m:r>
-                        <a:rPr lang="en-US" altLang="zh-CN" sz="2000" i="1">
-                          <a:latin typeface="Cambria Math" panose="02040503050406030204" pitchFamily="18" charset="0"/>
-                        </a:rPr>
-                        <m:t>)?</m:t>
-                      </m:r>
-                    </m:oMath>
-                  </a14:m>
-                  <a:endParaRPr lang="en-US" altLang="zh-CN" sz="2000" dirty="0"/>
-                </a:p>
-              </p:txBody>
-            </p:sp>
-          </mc:Choice>
-          <mc:Fallback xmlns="">
-            <p:sp>
-              <p:nvSpPr>
-                <p:cNvPr id="7" name="文本框 6">
-                  <a:extLst>
-                    <a:ext uri="{FF2B5EF4-FFF2-40B4-BE49-F238E27FC236}">
-                      <a16:creationId xmlns:a16="http://schemas.microsoft.com/office/drawing/2014/main" id="{3BCFD3A5-941E-A3FF-554D-046E7DA5D53F}"/>
-                    </a:ext>
-                  </a:extLst>
-                </p:cNvPr>
-                <p:cNvSpPr txBox="1">
-                  <a:spLocks noRot="1" noChangeAspect="1" noMove="1" noResize="1" noEditPoints="1" noAdjustHandles="1" noChangeArrowheads="1" noChangeShapeType="1" noTextEdit="1"/>
-                </p:cNvSpPr>
-                <p:nvPr/>
-              </p:nvSpPr>
-              <p:spPr>
-                <a:xfrm>
-                  <a:off x="382691" y="1692237"/>
-                  <a:ext cx="11183998" cy="4789773"/>
-                </a:xfrm>
-                <a:prstGeom prst="rect">
-                  <a:avLst/>
-                </a:prstGeom>
-                <a:blipFill>
-                  <a:blip r:embed="rId3"/>
-                  <a:stretch>
-                    <a:fillRect l="-600"/>
-                  </a:stretch>
-                </a:blipFill>
-              </p:spPr>
-              <p:txBody>
-                <a:bodyPr/>
-                <a:lstStyle/>
-                <a:p>
-                  <a:r>
-                    <a:rPr lang="zh-CN" altLang="en-US">
-                      <a:noFill/>
-                    </a:rPr>
-                    <a:t> </a:t>
-                  </a:r>
-                </a:p>
-              </p:txBody>
-            </p:sp>
-          </mc:Fallback>
-        </mc:AlternateContent>
+        <p:sp>
+          <p:nvSpPr>
+            <p:cNvPr id="7" name="文本框 6">
+              <a:extLst>
+                <a:ext uri="{FF2B5EF4-FFF2-40B4-BE49-F238E27FC236}">
+                  <a16:creationId xmlns:a16="http://schemas.microsoft.com/office/drawing/2014/main" id="{3BCFD3A5-941E-A3FF-554D-046E7DA5D53F}"/>
+                </a:ext>
+              </a:extLst>
+            </p:cNvPr>
+            <p:cNvSpPr txBox="1"/>
+            <p:nvPr/>
+          </p:nvSpPr>
+          <p:spPr>
+            <a:xfrm>
+              <a:off x="382691" y="1692237"/>
+              <a:ext cx="11183998" cy="1521955"/>
+            </a:xfrm>
+            <a:prstGeom prst="rect">
+              <a:avLst/>
+            </a:prstGeom>
+            <a:noFill/>
+          </p:spPr>
+          <p:txBody>
+            <a:bodyPr wrap="square" rtlCol="0">
+              <a:spAutoFit/>
+            </a:bodyPr>
+            <a:lstStyle/>
+            <a:p>
+              <a:pPr>
+                <a:lnSpc>
+                  <a:spcPct val="150000"/>
+                </a:lnSpc>
+              </a:pPr>
+              <a:r>
+                <a:rPr lang="en-US" altLang="zh-CN" sz="2400" b="1" dirty="0"/>
+                <a:t>       1</a:t>
+              </a:r>
+              <a:r>
+                <a:rPr lang="zh-CN" altLang="en-US" sz="2400" b="1" dirty="0"/>
+                <a:t>）前端输入</a:t>
+              </a:r>
+              <a:endParaRPr lang="en-US" altLang="zh-CN" sz="2000" b="1" dirty="0"/>
+            </a:p>
+            <a:p>
+              <a:pPr>
+                <a:lnSpc>
+                  <a:spcPct val="150000"/>
+                </a:lnSpc>
+              </a:pPr>
+              <a:r>
+                <a:rPr lang="zh-CN" altLang="en-US" sz="2000" dirty="0"/>
+                <a:t>       </a:t>
+              </a:r>
+              <a:r>
+                <a:rPr lang="en-US" altLang="zh-CN" sz="2000" dirty="0"/>
+                <a:t>	</a:t>
+              </a:r>
+              <a:r>
+                <a:rPr lang="zh-CN" altLang="en-US" sz="2000" dirty="0"/>
+                <a:t>通过</a:t>
+              </a:r>
+              <a:r>
+                <a:rPr lang="en-US" altLang="zh-CN" sz="2000" dirty="0"/>
+                <a:t>button</a:t>
+              </a:r>
+              <a:r>
+                <a:rPr lang="zh-CN" altLang="en-US" sz="2000" dirty="0"/>
+                <a:t>按键帮助用户输入特殊符号</a:t>
+              </a:r>
+            </a:p>
+            <a:p>
+              <a:pPr>
+                <a:lnSpc>
+                  <a:spcPct val="150000"/>
+                </a:lnSpc>
+              </a:pPr>
+              <a:r>
+                <a:rPr lang="en-US" altLang="zh-CN" sz="2000" dirty="0"/>
+                <a:t>	</a:t>
+              </a:r>
+              <a:r>
+                <a:rPr lang="zh-CN" altLang="en-US" sz="2000" dirty="0"/>
+                <a:t>规定选择和投影的输入形式为：运算符</a:t>
+              </a:r>
+              <a:r>
+                <a:rPr lang="en-US" altLang="zh-CN" sz="2000" dirty="0"/>
+                <a:t>[</a:t>
+              </a:r>
+              <a:r>
+                <a:rPr lang="zh-CN" altLang="en-US" sz="2000" dirty="0"/>
+                <a:t>条件式</a:t>
+              </a:r>
+              <a:r>
+                <a:rPr lang="en-US" altLang="zh-CN" sz="2000" dirty="0"/>
+                <a:t>][</a:t>
+              </a:r>
+              <a:r>
+                <a:rPr lang="zh-CN" altLang="en-US" sz="2000" dirty="0"/>
+                <a:t>表名</a:t>
+              </a:r>
+              <a:r>
+                <a:rPr lang="en-US" altLang="zh-CN" sz="2000" dirty="0"/>
+                <a:t>]</a:t>
+              </a:r>
+            </a:p>
+          </p:txBody>
+        </p:sp>
       </p:grpSp>
       <p:sp>
         <p:nvSpPr>
@@ -21544,10 +23013,40 @@
           </a:p>
         </p:txBody>
       </p:sp>
+      <p:pic>
+        <p:nvPicPr>
+          <p:cNvPr id="13" name="图片 12">
+            <a:extLst>
+              <a:ext uri="{FF2B5EF4-FFF2-40B4-BE49-F238E27FC236}">
+                <a16:creationId xmlns:a16="http://schemas.microsoft.com/office/drawing/2014/main" id="{FD0486F7-3282-2F4C-AF51-5F264325A83D}"/>
+              </a:ext>
+            </a:extLst>
+          </p:cNvPr>
+          <p:cNvPicPr>
+            <a:picLocks noChangeAspect="1"/>
+          </p:cNvPicPr>
+          <p:nvPr/>
+        </p:nvPicPr>
+        <p:blipFill>
+          <a:blip r:embed="rId3"/>
+          <a:stretch>
+            <a:fillRect/>
+          </a:stretch>
+        </p:blipFill>
+        <p:spPr>
+          <a:xfrm>
+            <a:off x="2276034" y="3367453"/>
+            <a:ext cx="6781802" cy="2647527"/>
+          </a:xfrm>
+          <a:prstGeom prst="rect">
+            <a:avLst/>
+          </a:prstGeom>
+        </p:spPr>
+      </p:pic>
     </p:spTree>
     <p:extLst>
       <p:ext uri="{BB962C8B-B14F-4D97-AF65-F5344CB8AC3E}">
-        <p14:creationId xmlns:p14="http://schemas.microsoft.com/office/powerpoint/2010/main" val="532600485"/>
+        <p14:creationId xmlns:p14="http://schemas.microsoft.com/office/powerpoint/2010/main" val="801337593"/>
       </p:ext>
     </p:extLst>
   </p:cSld>

--- a/doc/终期答辩.pptx
+++ b/doc/终期答辩.pptx
@@ -4413,9 +4413,9 @@
         <p:grpSpPr>
           <a:xfrm>
             <a:off x="-122549" y="1022667"/>
-            <a:ext cx="11651531" cy="2018374"/>
+            <a:ext cx="11651531" cy="1551708"/>
             <a:chOff x="-84842" y="1195818"/>
-            <a:chExt cx="11651531" cy="2018374"/>
+            <a:chExt cx="11651531" cy="1551708"/>
           </a:xfrm>
         </p:grpSpPr>
         <p:sp>
@@ -4458,7 +4458,7 @@
                   <a:latin typeface="黑体" panose="02010609060101010101" pitchFamily="49" charset="-122"/>
                   <a:ea typeface="黑体" panose="02010609060101010101" pitchFamily="49" charset="-122"/>
                 </a:rPr>
-                <a:t>特殊运算符在表达式中的表示</a:t>
+                <a:t>特殊运算符的处理</a:t>
               </a:r>
               <a:endParaRPr lang="en-US" altLang="zh-CN" sz="2500" b="1" dirty="0">
                 <a:latin typeface="黑体" panose="02010609060101010101" pitchFamily="49" charset="-122"/>
@@ -4482,7 +4482,7 @@
           <p:spPr>
             <a:xfrm>
               <a:off x="382691" y="1692237"/>
-              <a:ext cx="11183998" cy="1521955"/>
+              <a:ext cx="11183998" cy="1055289"/>
             </a:xfrm>
             <a:prstGeom prst="rect">
               <a:avLst/>
@@ -4506,9 +4506,9 @@
               </a:r>
               <a:r>
                 <a:rPr lang="zh-CN" altLang="en-US" sz="2400" b="1" dirty="0"/>
-                <a:t>）前端处理传递给后端</a:t>
+                <a:t>）运算符的转义</a:t>
               </a:r>
-              <a:endParaRPr lang="en-US" altLang="zh-CN" sz="2000" b="1" dirty="0"/>
+              <a:endParaRPr lang="en-US" altLang="zh-CN" sz="2400" b="1" dirty="0"/>
             </a:p>
             <a:p>
               <a:pPr>
@@ -4526,23 +4526,8 @@
               </a:r>
               <a:r>
                 <a:rPr lang="zh-CN" altLang="en-US" sz="2000" dirty="0"/>
-                <a:t>符号表达的规则如下。通过</a:t>
+                <a:t>为方便后续计算过程中的处理，将关系运算符转义成如下表规定的形式。</a:t>
               </a:r>
-              <a:r>
-                <a:rPr lang="en-US" altLang="zh-CN" sz="2000" dirty="0"/>
-                <a:t>#</a:t>
-              </a:r>
-              <a:r>
-                <a:rPr lang="zh-CN" altLang="en-US" sz="2000" dirty="0"/>
-                <a:t>号开头以区分当前字符串为关系名还是运算符。</a:t>
-              </a:r>
-            </a:p>
-            <a:p>
-              <a:pPr>
-                <a:lnSpc>
-                  <a:spcPct val="150000"/>
-                </a:lnSpc>
-              </a:pPr>
               <a:endParaRPr lang="en-US" altLang="zh-CN" sz="2000" dirty="0"/>
             </a:p>
           </p:txBody>
@@ -4619,10 +4604,10 @@
       </p:sp>
       <p:pic>
         <p:nvPicPr>
-          <p:cNvPr id="6" name="图片 5">
+          <p:cNvPr id="12" name="图片 11">
             <a:extLst>
               <a:ext uri="{FF2B5EF4-FFF2-40B4-BE49-F238E27FC236}">
-                <a16:creationId xmlns:a16="http://schemas.microsoft.com/office/drawing/2014/main" id="{89128675-77F7-0E49-3F18-A357B87F5020}"/>
+                <a16:creationId xmlns:a16="http://schemas.microsoft.com/office/drawing/2014/main" id="{0CB1DADF-D351-1333-96BC-1CA0780DAD14}"/>
               </a:ext>
             </a:extLst>
           </p:cNvPr>
@@ -4632,15 +4617,21 @@
           <p:nvPr/>
         </p:nvPicPr>
         <p:blipFill>
-          <a:blip r:embed="rId3"/>
+          <a:blip r:embed="rId3">
+            <a:extLst>
+              <a:ext uri="{28A0092B-C50C-407E-A947-70E740481C1C}">
+                <a14:useLocalDpi xmlns:a14="http://schemas.microsoft.com/office/drawing/2010/main" val="0"/>
+              </a:ext>
+            </a:extLst>
+          </a:blip>
           <a:stretch>
             <a:fillRect/>
           </a:stretch>
         </p:blipFill>
         <p:spPr>
           <a:xfrm>
-            <a:off x="2989385" y="2640976"/>
-            <a:ext cx="5061377" cy="4038761"/>
+            <a:off x="2391506" y="2629124"/>
+            <a:ext cx="6300421" cy="3862003"/>
           </a:xfrm>
           <a:prstGeom prst="rect">
             <a:avLst/>
@@ -5202,8 +5193,8 @@
             </a:p>
           </p:txBody>
         </p:sp>
-        <mc:AlternateContent xmlns:mc="http://schemas.openxmlformats.org/markup-compatibility/2006">
-          <mc:Choice xmlns:a14="http://schemas.microsoft.com/office/drawing/2010/main" Requires="a14">
+        <mc:AlternateContent xmlns:mc="http://schemas.openxmlformats.org/markup-compatibility/2006" xmlns:a14="http://schemas.microsoft.com/office/drawing/2010/main">
+          <mc:Choice Requires="a14">
             <p:sp>
               <p:nvSpPr>
                 <p:cNvPr id="7" name="文本框 6">
@@ -5740,7 +5731,7 @@
               </p:txBody>
             </p:sp>
           </mc:Choice>
-          <mc:Fallback>
+          <mc:Fallback xmlns="">
             <p:sp>
               <p:nvSpPr>
                 <p:cNvPr id="7" name="文本框 6">
@@ -22782,9 +22773,9 @@
         <p:grpSpPr>
           <a:xfrm>
             <a:off x="-122549" y="1022667"/>
-            <a:ext cx="11651531" cy="2018374"/>
+            <a:ext cx="11651531" cy="2941704"/>
             <a:chOff x="-84842" y="1195818"/>
-            <a:chExt cx="11651531" cy="2018374"/>
+            <a:chExt cx="11651531" cy="2941704"/>
           </a:xfrm>
         </p:grpSpPr>
         <p:sp>
@@ -22827,7 +22818,7 @@
                   <a:latin typeface="黑体" panose="02010609060101010101" pitchFamily="49" charset="-122"/>
                   <a:ea typeface="黑体" panose="02010609060101010101" pitchFamily="49" charset="-122"/>
                 </a:rPr>
-                <a:t>特殊运算符在表达式中的表示</a:t>
+                <a:t>特殊运算符的处理</a:t>
               </a:r>
               <a:endParaRPr lang="en-US" altLang="zh-CN" sz="2500" b="1" dirty="0">
                 <a:latin typeface="黑体" panose="02010609060101010101" pitchFamily="49" charset="-122"/>
@@ -22851,7 +22842,7 @@
           <p:spPr>
             <a:xfrm>
               <a:off x="382691" y="1692237"/>
-              <a:ext cx="11183998" cy="1521955"/>
+              <a:ext cx="11183998" cy="2445285"/>
             </a:xfrm>
             <a:prstGeom prst="rect">
               <a:avLst/>
@@ -22918,7 +22909,7 @@
               </a:r>
               <a:r>
                 <a:rPr lang="zh-CN" altLang="en-US" sz="2000" dirty="0"/>
-                <a:t>规定选择和投影的输入形式为：运算符</a:t>
+                <a:t>规定选择的输入形式为：运算符</a:t>
               </a:r>
               <a:r>
                 <a:rPr lang="en-US" altLang="zh-CN" sz="2000" dirty="0"/>
@@ -22940,6 +22931,57 @@
                 <a:rPr lang="en-US" altLang="zh-CN" sz="2000" dirty="0"/>
                 <a:t>]</a:t>
               </a:r>
+            </a:p>
+            <a:p>
+              <a:pPr>
+                <a:lnSpc>
+                  <a:spcPct val="150000"/>
+                </a:lnSpc>
+              </a:pPr>
+              <a:r>
+                <a:rPr lang="en-US" altLang="zh-CN" sz="2000" dirty="0"/>
+                <a:t>	</a:t>
+              </a:r>
+              <a:r>
+                <a:rPr lang="zh-CN" altLang="en-US" sz="2000" dirty="0"/>
+                <a:t>规定投影的输入形式为：运算符</a:t>
+              </a:r>
+              <a:r>
+                <a:rPr lang="en-US" altLang="zh-CN" sz="2000" dirty="0"/>
+                <a:t>[</a:t>
+              </a:r>
+              <a:r>
+                <a:rPr lang="zh-CN" altLang="en-US" sz="2000" dirty="0"/>
+                <a:t>列名</a:t>
+              </a:r>
+              <a:r>
+                <a:rPr lang="en-US" altLang="zh-CN" sz="2000" dirty="0"/>
+                <a:t>,</a:t>
+              </a:r>
+              <a:r>
+                <a:rPr lang="zh-CN" altLang="en-US" sz="2000" dirty="0"/>
+                <a:t>列名</a:t>
+              </a:r>
+              <a:r>
+                <a:rPr lang="en-US" altLang="zh-CN" sz="2000" dirty="0"/>
+                <a:t>,…][</a:t>
+              </a:r>
+              <a:r>
+                <a:rPr lang="zh-CN" altLang="en-US" sz="2000" dirty="0"/>
+                <a:t>表名</a:t>
+              </a:r>
+              <a:r>
+                <a:rPr lang="en-US" altLang="zh-CN" sz="2000" dirty="0"/>
+                <a:t>]</a:t>
+              </a:r>
+            </a:p>
+            <a:p>
+              <a:pPr>
+                <a:lnSpc>
+                  <a:spcPct val="150000"/>
+                </a:lnSpc>
+              </a:pPr>
+              <a:endParaRPr lang="en-US" altLang="zh-CN" sz="2000" dirty="0"/>
             </a:p>
           </p:txBody>
         </p:sp>
@@ -23035,7 +23077,7 @@
         </p:blipFill>
         <p:spPr>
           <a:xfrm>
-            <a:off x="2276034" y="3367453"/>
+            <a:off x="2284826" y="3824653"/>
             <a:ext cx="6781802" cy="2647527"/>
           </a:xfrm>
           <a:prstGeom prst="rect">

--- a/doc/终期答辩.pptx
+++ b/doc/终期答辩.pptx
@@ -7071,7 +7071,15 @@
             </a:pPr>
             <a:r>
               <a:rPr lang="zh-CN" altLang="en-US" sz="2000" dirty="0"/>
-              <a:t>       除此之外，还需要考虑的是用户输入的表达式的语法是否正确，这一步我们使用了语法分析来进行校验。要让程序能具备语法分析的能力，需要先获得关系表达式的分析预测表。</a:t>
+              <a:t>       除此之外，还需要考虑的是用户输入的表达式的语法是否正确，这一步我们使用了语法分析来进行校验。要让程序能具备语法分析的能力，需要先获得关系</a:t>
+            </a:r>
+            <a:r>
+              <a:rPr lang="zh-CN" altLang="en-US" sz="2000"/>
+              <a:t>表达式的预测分析表</a:t>
+            </a:r>
+            <a:r>
+              <a:rPr lang="zh-CN" altLang="en-US" sz="2000" dirty="0"/>
+              <a:t>。</a:t>
             </a:r>
             <a:endParaRPr lang="en-US" altLang="zh-CN" sz="2000" dirty="0"/>
           </a:p>

--- a/doc/终期答辩.pptx
+++ b/doc/终期答辩.pptx
@@ -16130,8 +16130,8 @@
         </p:nvSpPr>
         <p:spPr>
           <a:xfrm>
-            <a:off x="414673" y="1121653"/>
-            <a:ext cx="10963481" cy="4286943"/>
+            <a:off x="414673" y="928223"/>
+            <a:ext cx="10963481" cy="5394938"/>
           </a:xfrm>
           <a:prstGeom prst="rect">
             <a:avLst/>
@@ -16150,12 +16150,16 @@
               </a:lnSpc>
             </a:pPr>
             <a:r>
+              <a:rPr lang="en-US" altLang="zh-CN" sz="3200" b="1" dirty="0"/>
+              <a:t> </a:t>
+            </a:r>
+            <a:r>
               <a:rPr lang="en-US" altLang="zh-CN" sz="2400" b="1" dirty="0"/>
-              <a:t>       1</a:t>
+              <a:t>1</a:t>
             </a:r>
             <a:r>
               <a:rPr lang="zh-CN" altLang="en-US" sz="2400" b="1" dirty="0"/>
-              <a:t>）除</a:t>
+              <a:t>）笛卡尔积</a:t>
             </a:r>
             <a:endParaRPr lang="en-US" altLang="zh-CN" sz="2400" b="1" dirty="0"/>
           </a:p>
@@ -16167,50 +16171,7 @@
             </a:pPr>
             <a:r>
               <a:rPr lang="zh-CN" altLang="en-US" sz="2000" dirty="0"/>
-              <a:t>        除运算要求得到满足下列条件的最大的表：</a:t>
-            </a:r>
-            <a:endParaRPr lang="en-US" altLang="zh-CN" sz="2000" dirty="0"/>
-          </a:p>
-          <a:p>
-            <a:pPr>
-              <a:lnSpc>
-                <a:spcPct val="150000"/>
-              </a:lnSpc>
-            </a:pPr>
-            <a:r>
-              <a:rPr lang="en-US" altLang="zh-CN" sz="2000" b="1" dirty="0"/>
-              <a:t>        </a:t>
-            </a:r>
-            <a:r>
-              <a:rPr lang="zh-CN" altLang="en-US" sz="2000" b="1" dirty="0"/>
-              <a:t>这个表中每行与表</a:t>
-            </a:r>
-            <a:r>
-              <a:rPr lang="en-US" altLang="zh-CN" sz="2000" b="1" dirty="0"/>
-              <a:t>2</a:t>
-            </a:r>
-            <a:r>
-              <a:rPr lang="zh-CN" altLang="en-US" sz="2000" b="1" dirty="0"/>
-              <a:t>中的每行组合成的新行都在表</a:t>
-            </a:r>
-            <a:r>
-              <a:rPr lang="en-US" altLang="zh-CN" sz="2000" b="1" dirty="0"/>
-              <a:t>1</a:t>
-            </a:r>
-            <a:r>
-              <a:rPr lang="zh-CN" altLang="en-US" sz="2000" b="1" dirty="0"/>
-              <a:t>中。</a:t>
-            </a:r>
-          </a:p>
-          <a:p>
-            <a:pPr>
-              <a:lnSpc>
-                <a:spcPct val="150000"/>
-              </a:lnSpc>
-            </a:pPr>
-            <a:r>
-              <a:rPr lang="zh-CN" altLang="en-US" sz="2000" dirty="0"/>
-              <a:t>        具体的程序实现逻辑如下：</a:t>
+              <a:t>        笛卡尔积运算要求对两个关系进行操作，产生的关系中元组个数为两个关系中元组个数之积。</a:t>
             </a:r>
             <a:endParaRPr lang="en-US" altLang="zh-CN" sz="2000" dirty="0"/>
           </a:p>
@@ -16226,63 +16187,7 @@
             </a:r>
             <a:r>
               <a:rPr lang="zh-CN" altLang="en-US" sz="2000" dirty="0"/>
-              <a:t>① 使用一个嵌套</a:t>
-            </a:r>
-            <a:r>
-              <a:rPr lang="en-US" altLang="zh-CN" sz="2000" dirty="0"/>
-              <a:t>for</a:t>
-            </a:r>
-            <a:r>
-              <a:rPr lang="zh-CN" altLang="en-US" sz="2000" dirty="0"/>
-              <a:t>循环对两表的列名进行两两对比，用一个数组记录两表的相同列，形如</a:t>
-            </a:r>
-            <a:r>
-              <a:rPr lang="en-US" altLang="zh-CN" sz="2000" dirty="0"/>
-              <a:t>temp[</a:t>
-            </a:r>
-            <a:r>
-              <a:rPr lang="en-US" altLang="zh-CN" sz="2000" dirty="0" err="1"/>
-              <a:t>i</a:t>
-            </a:r>
-            <a:r>
-              <a:rPr lang="en-US" altLang="zh-CN" sz="2000" dirty="0"/>
-              <a:t>]=j</a:t>
-            </a:r>
-            <a:r>
-              <a:rPr lang="zh-CN" altLang="en-US" sz="2000" dirty="0"/>
-              <a:t>表示表</a:t>
-            </a:r>
-            <a:r>
-              <a:rPr lang="en-US" altLang="zh-CN" sz="2000" dirty="0"/>
-              <a:t>1</a:t>
-            </a:r>
-            <a:r>
-              <a:rPr lang="zh-CN" altLang="en-US" sz="2000" dirty="0"/>
-              <a:t>中的第</a:t>
-            </a:r>
-            <a:r>
-              <a:rPr lang="en-US" altLang="zh-CN" sz="2000" dirty="0" err="1"/>
-              <a:t>i</a:t>
-            </a:r>
-            <a:r>
-              <a:rPr lang="zh-CN" altLang="en-US" sz="2000" dirty="0"/>
-              <a:t>列与表</a:t>
-            </a:r>
-            <a:r>
-              <a:rPr lang="en-US" altLang="zh-CN" sz="2000" dirty="0"/>
-              <a:t>2</a:t>
-            </a:r>
-            <a:r>
-              <a:rPr lang="zh-CN" altLang="en-US" sz="2000" dirty="0"/>
-              <a:t>中的第</a:t>
-            </a:r>
-            <a:r>
-              <a:rPr lang="en-US" altLang="zh-CN" sz="2000" dirty="0"/>
-              <a:t>j</a:t>
-            </a:r>
-            <a:r>
-              <a:rPr lang="zh-CN" altLang="en-US" sz="2000" dirty="0"/>
-              <a:t>列相同。</a:t>
+              <a:t>具体的程序实现逻辑如下：</a:t>
             </a:r>
             <a:endParaRPr lang="en-US" altLang="zh-CN" sz="2000" dirty="0"/>
           </a:p>
@@ -16298,7 +16203,23 @@
             </a:r>
             <a:r>
               <a:rPr lang="zh-CN" altLang="en-US" sz="2000" dirty="0"/>
-              <a:t>② 如果无相同列，则直接抛出异常，返回空表；</a:t>
+              <a:t>① 求所产生关系的行数和列数，行数</a:t>
+            </a:r>
+            <a:r>
+              <a:rPr lang="en-US" altLang="zh-CN" sz="2000" dirty="0"/>
+              <a:t>=</a:t>
+            </a:r>
+            <a:r>
+              <a:rPr lang="zh-CN" altLang="en-US" sz="2000" dirty="0"/>
+              <a:t>参与运算的两个关系的列数之和，行数</a:t>
+            </a:r>
+            <a:r>
+              <a:rPr lang="en-US" altLang="zh-CN" sz="2000" dirty="0"/>
+              <a:t>=</a:t>
+            </a:r>
+            <a:r>
+              <a:rPr lang="zh-CN" altLang="en-US" sz="2000" dirty="0"/>
+              <a:t>参与运算的两个关系的行数之积。</a:t>
             </a:r>
             <a:endParaRPr lang="en-US" altLang="zh-CN" sz="2000" dirty="0"/>
           </a:p>
@@ -16314,15 +16235,7 @@
             </a:r>
             <a:r>
               <a:rPr lang="zh-CN" altLang="en-US" sz="2000" dirty="0"/>
-              <a:t>③ 如果有相同列，则先求表</a:t>
-            </a:r>
-            <a:r>
-              <a:rPr lang="en-US" altLang="zh-CN" sz="2000" dirty="0"/>
-              <a:t>2</a:t>
-            </a:r>
-            <a:r>
-              <a:rPr lang="zh-CN" altLang="en-US" sz="2000" dirty="0"/>
-              <a:t>对相同列的投影，然后使用一个嵌套</a:t>
+              <a:t>② 使用一个嵌套</a:t>
             </a:r>
             <a:r>
               <a:rPr lang="en-US" altLang="zh-CN" sz="2000" dirty="0"/>
@@ -16330,23 +16243,111 @@
             </a:r>
             <a:r>
               <a:rPr lang="zh-CN" altLang="en-US" sz="2000" dirty="0"/>
-              <a:t>循环对两表元组进行两两比较，如果表</a:t>
+              <a:t>循环寻找两表相同列，保存在两个数组</a:t>
             </a:r>
             <a:r>
               <a:rPr lang="en-US" altLang="zh-CN" sz="2000" dirty="0"/>
-              <a:t>1</a:t>
+              <a:t>temp1</a:t>
             </a:r>
             <a:r>
               <a:rPr lang="zh-CN" altLang="en-US" sz="2000" dirty="0"/>
-              <a:t>中某一行的相同列与表</a:t>
+              <a:t>和</a:t>
             </a:r>
             <a:r>
               <a:rPr lang="en-US" altLang="zh-CN" sz="2000" dirty="0"/>
-              <a:t>2</a:t>
+              <a:t>temp2</a:t>
             </a:r>
             <a:r>
               <a:rPr lang="zh-CN" altLang="en-US" sz="2000" dirty="0"/>
-              <a:t>投影的某行相同，则将该行去除相同列加入结果表中。</a:t>
+              <a:t>中。</a:t>
+            </a:r>
+            <a:endParaRPr lang="en-US" altLang="zh-CN" sz="2000" dirty="0"/>
+          </a:p>
+          <a:p>
+            <a:pPr>
+              <a:lnSpc>
+                <a:spcPct val="150000"/>
+              </a:lnSpc>
+            </a:pPr>
+            <a:r>
+              <a:rPr lang="en-US" altLang="zh-CN" sz="2000" dirty="0"/>
+              <a:t>        </a:t>
+            </a:r>
+            <a:r>
+              <a:rPr lang="zh-CN" altLang="en-US" sz="2000" dirty="0"/>
+              <a:t>③ 计算所产生关系的列名，列名</a:t>
+            </a:r>
+            <a:r>
+              <a:rPr lang="en-US" altLang="zh-CN" sz="2000" dirty="0"/>
+              <a:t>=</a:t>
+            </a:r>
+            <a:r>
+              <a:rPr lang="zh-CN" altLang="en-US" sz="2000" dirty="0"/>
+              <a:t>所参与运算的两个关系的列名相连，其中相同列命名为</a:t>
+            </a:r>
+            <a:r>
+              <a:rPr lang="en-US" altLang="zh-CN" sz="2000" dirty="0"/>
+              <a:t>”</a:t>
+            </a:r>
+            <a:r>
+              <a:rPr lang="en-US" altLang="zh-CN" sz="2000" dirty="0" err="1"/>
+              <a:t>Relation”+count</a:t>
+            </a:r>
+            <a:r>
+              <a:rPr lang="en-US" altLang="zh-CN" sz="2000" dirty="0"/>
+              <a:t>+”.”+</a:t>
+            </a:r>
+            <a:r>
+              <a:rPr lang="zh-CN" altLang="en-US" sz="2000" dirty="0"/>
+              <a:t>列名，</a:t>
+            </a:r>
+            <a:r>
+              <a:rPr lang="en-US" altLang="zh-CN" sz="2000" dirty="0"/>
+              <a:t>count</a:t>
+            </a:r>
+            <a:r>
+              <a:rPr lang="zh-CN" altLang="en-US" sz="2000" dirty="0"/>
+              <a:t>为一个全局变量，记录当前关系为参与运算的第几个关系。</a:t>
+            </a:r>
+            <a:endParaRPr lang="en-US" altLang="zh-CN" sz="2000" dirty="0"/>
+          </a:p>
+          <a:p>
+            <a:pPr>
+              <a:lnSpc>
+                <a:spcPct val="150000"/>
+              </a:lnSpc>
+            </a:pPr>
+            <a:r>
+              <a:rPr lang="en-US" altLang="zh-CN" sz="2000" dirty="0"/>
+              <a:t>        </a:t>
+            </a:r>
+            <a:r>
+              <a:rPr lang="zh-CN" altLang="en-US" sz="2000" dirty="0"/>
+              <a:t>④ 使用一个嵌套</a:t>
+            </a:r>
+            <a:r>
+              <a:rPr lang="en-US" altLang="zh-CN" sz="2000" dirty="0"/>
+              <a:t>for</a:t>
+            </a:r>
+            <a:r>
+              <a:rPr lang="zh-CN" altLang="en-US" sz="2000" dirty="0"/>
+              <a:t>循环计算所产生关系的所有元组情况，为第一个关系和第二个关系的元组的两两组合。</a:t>
+            </a:r>
+            <a:endParaRPr lang="en-US" altLang="zh-CN" sz="2000" dirty="0"/>
+          </a:p>
+          <a:p>
+            <a:pPr>
+              <a:lnSpc>
+                <a:spcPct val="150000"/>
+              </a:lnSpc>
+            </a:pPr>
+            <a:r>
+              <a:rPr lang="en-US" altLang="zh-CN" sz="2000" dirty="0"/>
+              <a:t>        </a:t>
+            </a:r>
+            <a:r>
+              <a:rPr lang="zh-CN" altLang="en-US" sz="2000" dirty="0"/>
+              <a:t>⑤ 形成新表。 </a:t>
             </a:r>
             <a:endParaRPr lang="en-US" altLang="zh-CN" sz="2000" dirty="0"/>
           </a:p>
@@ -17988,10 +17989,10 @@
       </p:sp>
       <p:pic>
         <p:nvPicPr>
-          <p:cNvPr id="3" name="图片 2">
+          <p:cNvPr id="2" name="图片 1">
             <a:extLst>
               <a:ext uri="{FF2B5EF4-FFF2-40B4-BE49-F238E27FC236}">
-                <a16:creationId xmlns:a16="http://schemas.microsoft.com/office/drawing/2014/main" id="{A75F5A23-A16A-2F01-94D1-68582559D329}"/>
+                <a16:creationId xmlns:a16="http://schemas.microsoft.com/office/drawing/2014/main" id="{39B2C249-191B-86CA-72E8-DDEB616A577B}"/>
               </a:ext>
             </a:extLst>
           </p:cNvPr>
@@ -18008,8 +18009,8 @@
         </p:blipFill>
         <p:spPr>
           <a:xfrm>
-            <a:off x="701919" y="1082432"/>
-            <a:ext cx="10788162" cy="5096283"/>
+            <a:off x="1011511" y="1336430"/>
+            <a:ext cx="9826473" cy="4641985"/>
           </a:xfrm>
           <a:prstGeom prst="rect">
             <a:avLst/>
@@ -20913,10 +20914,10 @@
       </p:sp>
       <p:pic>
         <p:nvPicPr>
-          <p:cNvPr id="4" name="图片 3">
+          <p:cNvPr id="5" name="图片 4">
             <a:extLst>
               <a:ext uri="{FF2B5EF4-FFF2-40B4-BE49-F238E27FC236}">
-                <a16:creationId xmlns:a16="http://schemas.microsoft.com/office/drawing/2014/main" id="{ABECAF08-4A32-E3AE-55BD-06B029D8D293}"/>
+                <a16:creationId xmlns:a16="http://schemas.microsoft.com/office/drawing/2014/main" id="{C1C6406C-BEF6-15A6-1DA8-99F267532A82}"/>
               </a:ext>
             </a:extLst>
           </p:cNvPr>
@@ -20933,8 +20934,8 @@
         </p:blipFill>
         <p:spPr>
           <a:xfrm>
-            <a:off x="1182031" y="1686043"/>
-            <a:ext cx="10301654" cy="4866458"/>
+            <a:off x="1556237" y="1763808"/>
+            <a:ext cx="9527931" cy="4500955"/>
           </a:xfrm>
           <a:prstGeom prst="rect">
             <a:avLst/>
@@ -23065,10 +23066,10 @@
       </p:sp>
       <p:pic>
         <p:nvPicPr>
-          <p:cNvPr id="13" name="图片 12">
+          <p:cNvPr id="14" name="图片 13">
             <a:extLst>
               <a:ext uri="{FF2B5EF4-FFF2-40B4-BE49-F238E27FC236}">
-                <a16:creationId xmlns:a16="http://schemas.microsoft.com/office/drawing/2014/main" id="{FD0486F7-3282-2F4C-AF51-5F264325A83D}"/>
+                <a16:creationId xmlns:a16="http://schemas.microsoft.com/office/drawing/2014/main" id="{685722A6-7CFA-931A-8DD4-68930A6416D5}"/>
               </a:ext>
             </a:extLst>
           </p:cNvPr>
@@ -23085,8 +23086,8 @@
         </p:blipFill>
         <p:spPr>
           <a:xfrm>
-            <a:off x="2284826" y="3824653"/>
-            <a:ext cx="6781802" cy="2647527"/>
+            <a:off x="2239481" y="3694961"/>
+            <a:ext cx="6622792" cy="2615724"/>
           </a:xfrm>
           <a:prstGeom prst="rect">
             <a:avLst/>
